--- a/課題研究/2013/丸山準人/ポスター.pptx
+++ b/課題研究/2013/丸山準人/ポスター.pptx
@@ -5,8 +5,8 @@
     <p:sldMasterId id="2147483696" r:id="rId1"/>
   </p:sldMasterIdLst>
   <p:sldIdLst>
-    <p:sldId id="256" r:id="rId2"/>
-    <p:sldId id="257" r:id="rId3"/>
+    <p:sldId id="258" r:id="rId2"/>
+    <p:sldId id="259" r:id="rId3"/>
   </p:sldIdLst>
   <p:sldSz cx="21386800" cy="30279975"/>
   <p:notesSz cx="6858000" cy="9144000"/>
@@ -242,7 +242,7 @@
           <a:p>
             <a:fld id="{4D7C5F46-0C4F-49B7-B018-34633777EF9A}" type="datetimeFigureOut">
               <a:rPr kumimoji="1" lang="ja-JP" altLang="en-US" smtClean="0"/>
-              <a:t>2013/12/10</a:t>
+              <a:t>2013/12/11</a:t>
             </a:fld>
             <a:endParaRPr kumimoji="1" lang="ja-JP" altLang="en-US" dirty="0"/>
           </a:p>
@@ -587,7 +587,7 @@
           <a:p>
             <a:fld id="{4D7C5F46-0C4F-49B7-B018-34633777EF9A}" type="datetimeFigureOut">
               <a:rPr kumimoji="1" lang="ja-JP" altLang="en-US" smtClean="0"/>
-              <a:t>2013/12/10</a:t>
+              <a:t>2013/12/11</a:t>
             </a:fld>
             <a:endParaRPr kumimoji="1" lang="ja-JP" altLang="en-US" dirty="0"/>
           </a:p>
@@ -804,7 +804,7 @@
           <a:p>
             <a:fld id="{4D7C5F46-0C4F-49B7-B018-34633777EF9A}" type="datetimeFigureOut">
               <a:rPr kumimoji="1" lang="ja-JP" altLang="en-US" smtClean="0"/>
-              <a:t>2013/12/10</a:t>
+              <a:t>2013/12/11</a:t>
             </a:fld>
             <a:endParaRPr kumimoji="1" lang="ja-JP" altLang="en-US" dirty="0"/>
           </a:p>
@@ -1011,7 +1011,7 @@
           <a:p>
             <a:fld id="{4D7C5F46-0C4F-49B7-B018-34633777EF9A}" type="datetimeFigureOut">
               <a:rPr kumimoji="1" lang="ja-JP" altLang="en-US" smtClean="0"/>
-              <a:t>2013/12/10</a:t>
+              <a:t>2013/12/11</a:t>
             </a:fld>
             <a:endParaRPr kumimoji="1" lang="ja-JP" altLang="en-US" dirty="0"/>
           </a:p>
@@ -1279,7 +1279,7 @@
           <a:p>
             <a:fld id="{4D7C5F46-0C4F-49B7-B018-34633777EF9A}" type="datetimeFigureOut">
               <a:rPr kumimoji="1" lang="ja-JP" altLang="en-US" smtClean="0"/>
-              <a:t>2013/12/10</a:t>
+              <a:t>2013/12/11</a:t>
             </a:fld>
             <a:endParaRPr kumimoji="1" lang="ja-JP" altLang="en-US" dirty="0"/>
           </a:p>
@@ -1811,7 +1811,7 @@
           <a:p>
             <a:fld id="{4D7C5F46-0C4F-49B7-B018-34633777EF9A}" type="datetimeFigureOut">
               <a:rPr kumimoji="1" lang="ja-JP" altLang="en-US" smtClean="0"/>
-              <a:t>2013/12/10</a:t>
+              <a:t>2013/12/11</a:t>
             </a:fld>
             <a:endParaRPr kumimoji="1" lang="ja-JP" altLang="en-US" dirty="0"/>
           </a:p>
@@ -2364,7 +2364,7 @@
           <a:p>
             <a:fld id="{4D7C5F46-0C4F-49B7-B018-34633777EF9A}" type="datetimeFigureOut">
               <a:rPr kumimoji="1" lang="ja-JP" altLang="en-US" smtClean="0"/>
-              <a:t>2013/12/10</a:t>
+              <a:t>2013/12/11</a:t>
             </a:fld>
             <a:endParaRPr kumimoji="1" lang="ja-JP" altLang="en-US" dirty="0"/>
           </a:p>
@@ -2490,7 +2490,7 @@
           <a:p>
             <a:fld id="{4D7C5F46-0C4F-49B7-B018-34633777EF9A}" type="datetimeFigureOut">
               <a:rPr kumimoji="1" lang="ja-JP" altLang="en-US" smtClean="0"/>
-              <a:t>2013/12/10</a:t>
+              <a:t>2013/12/11</a:t>
             </a:fld>
             <a:endParaRPr kumimoji="1" lang="ja-JP" altLang="en-US" dirty="0"/>
           </a:p>
@@ -2634,7 +2634,7 @@
           <a:p>
             <a:fld id="{4D7C5F46-0C4F-49B7-B018-34633777EF9A}" type="datetimeFigureOut">
               <a:rPr kumimoji="1" lang="ja-JP" altLang="en-US" smtClean="0"/>
-              <a:t>2013/12/10</a:t>
+              <a:t>2013/12/11</a:t>
             </a:fld>
             <a:endParaRPr kumimoji="1" lang="ja-JP" altLang="en-US" dirty="0"/>
           </a:p>
@@ -2988,7 +2988,7 @@
           <a:p>
             <a:fld id="{4D7C5F46-0C4F-49B7-B018-34633777EF9A}" type="datetimeFigureOut">
               <a:rPr kumimoji="1" lang="ja-JP" altLang="en-US" smtClean="0"/>
-              <a:t>2013/12/10</a:t>
+              <a:t>2013/12/11</a:t>
             </a:fld>
             <a:endParaRPr kumimoji="1" lang="ja-JP" altLang="en-US" dirty="0"/>
           </a:p>
@@ -3122,7 +3122,7 @@
           <a:p>
             <a:fld id="{4D7C5F46-0C4F-49B7-B018-34633777EF9A}" type="datetimeFigureOut">
               <a:rPr kumimoji="1" lang="ja-JP" altLang="en-US" smtClean="0"/>
-              <a:t>2013/12/10</a:t>
+              <a:t>2013/12/11</a:t>
             </a:fld>
             <a:endParaRPr kumimoji="1" lang="ja-JP" altLang="en-US" dirty="0"/>
           </a:p>
@@ -3935,7 +3935,7 @@
           <a:p>
             <a:fld id="{4D7C5F46-0C4F-49B7-B018-34633777EF9A}" type="datetimeFigureOut">
               <a:rPr kumimoji="1" lang="ja-JP" altLang="en-US" smtClean="0"/>
-              <a:t>2013/12/10</a:t>
+              <a:t>2013/12/11</a:t>
             </a:fld>
             <a:endParaRPr kumimoji="1" lang="ja-JP" altLang="en-US" dirty="0"/>
           </a:p>
@@ -4433,16 +4433,16 @@
       </p:grpSpPr>
       <p:sp>
         <p:nvSpPr>
-          <p:cNvPr id="32" name="角丸四角形 31"/>
+          <p:cNvPr id="2" name="横巻き 1"/>
           <p:cNvSpPr/>
           <p:nvPr/>
         </p:nvSpPr>
         <p:spPr>
           <a:xfrm>
-            <a:off x="436905" y="6045585"/>
-            <a:ext cx="9995316" cy="8998979"/>
-          </a:xfrm>
-          <a:prstGeom prst="roundRect">
+            <a:off x="2988544" y="234331"/>
+            <a:ext cx="16489832" cy="2664296"/>
+          </a:xfrm>
+          <a:prstGeom prst="horizontalScroll">
             <a:avLst/>
           </a:prstGeom>
           <a:solidFill>
@@ -4466,11 +4466,27 @@
           </a:fontRef>
         </p:style>
         <p:txBody>
-          <a:bodyPr lIns="165872" tIns="82935" rIns="165872" bIns="82935" spcCol="0" rtlCol="0" anchor="ctr"/>
+          <a:bodyPr rtlCol="0" anchor="ctr"/>
           <a:lstStyle/>
           <a:p>
             <a:pPr algn="ctr"/>
-            <a:endParaRPr kumimoji="1" lang="ja-JP" altLang="en-US" dirty="0">
+            <a:r>
+              <a:rPr lang="ja-JP" altLang="en-US" sz="5400" b="1" dirty="0">
+                <a:solidFill>
+                  <a:schemeClr val="tx1"/>
+                </a:solidFill>
+              </a:rPr>
+              <a:t>セイバーメトリクスを</a:t>
+            </a:r>
+            <a:r>
+              <a:rPr lang="ja-JP" altLang="en-US" sz="5400" b="1" dirty="0" smtClean="0">
+                <a:solidFill>
+                  <a:schemeClr val="tx1"/>
+                </a:solidFill>
+              </a:rPr>
+              <a:t>駆使したチーム作りの調査</a:t>
+            </a:r>
+            <a:endParaRPr kumimoji="1" lang="ja-JP" altLang="en-US" sz="5400" b="1" dirty="0">
               <a:solidFill>
                 <a:schemeClr val="tx1"/>
               </a:solidFill>
@@ -4480,155 +4496,13 @@
       </p:sp>
       <p:sp>
         <p:nvSpPr>
-          <p:cNvPr id="7" name="角丸四角形 6"/>
-          <p:cNvSpPr/>
-          <p:nvPr/>
-        </p:nvSpPr>
-        <p:spPr>
-          <a:xfrm>
-            <a:off x="457229" y="18380347"/>
-            <a:ext cx="20603645" cy="4499489"/>
-          </a:xfrm>
-          <a:prstGeom prst="roundRect">
-            <a:avLst/>
-          </a:prstGeom>
-          <a:solidFill>
-            <a:schemeClr val="bg1"/>
-          </a:solidFill>
-        </p:spPr>
-        <p:style>
-          <a:lnRef idx="2">
-            <a:schemeClr val="accent1">
-              <a:shade val="50000"/>
-            </a:schemeClr>
-          </a:lnRef>
-          <a:fillRef idx="1">
-            <a:schemeClr val="accent1"/>
-          </a:fillRef>
-          <a:effectRef idx="0">
-            <a:schemeClr val="accent1"/>
-          </a:effectRef>
-          <a:fontRef idx="minor">
-            <a:schemeClr val="lt1"/>
-          </a:fontRef>
-        </p:style>
-        <p:txBody>
-          <a:bodyPr lIns="165872" tIns="82935" rIns="165872" bIns="82935" spcCol="0" rtlCol="0" anchor="ctr"/>
-          <a:lstStyle/>
-          <a:p>
-            <a:pPr algn="ctr"/>
-            <a:r>
-              <a:rPr kumimoji="1" lang="ja-JP" altLang="en-US" sz="4800" dirty="0" smtClean="0">
-                <a:solidFill>
-                  <a:schemeClr val="tx1"/>
-                </a:solidFill>
-              </a:rPr>
-              <a:t>Ｊリーグの選手の成績をポジションごとに分析し，</a:t>
-            </a:r>
-            <a:endParaRPr kumimoji="1" lang="en-US" altLang="ja-JP" sz="4800" dirty="0" smtClean="0">
-              <a:solidFill>
-                <a:schemeClr val="tx1"/>
-              </a:solidFill>
-            </a:endParaRPr>
-          </a:p>
-          <a:p>
-            <a:pPr algn="ctr"/>
-            <a:r>
-              <a:rPr lang="ja-JP" altLang="en-US" sz="4800" dirty="0" smtClean="0">
-                <a:solidFill>
-                  <a:schemeClr val="tx1"/>
-                </a:solidFill>
-              </a:rPr>
-              <a:t>どの選手を獲得すればポゼッションの高いチームを作れるかを提案する．</a:t>
-            </a:r>
-            <a:endParaRPr kumimoji="1" lang="en-US" altLang="ja-JP" sz="4800" dirty="0" smtClean="0">
-              <a:solidFill>
-                <a:schemeClr val="tx1"/>
-              </a:solidFill>
-            </a:endParaRPr>
-          </a:p>
-          <a:p>
-            <a:pPr algn="ctr"/>
-            <a:endParaRPr kumimoji="1" lang="ja-JP" altLang="en-US" dirty="0">
-              <a:solidFill>
-                <a:schemeClr val="tx1"/>
-              </a:solidFill>
-            </a:endParaRPr>
-          </a:p>
-        </p:txBody>
-      </p:sp>
-      <p:sp>
-        <p:nvSpPr>
-          <p:cNvPr id="4" name="横巻き 3"/>
-          <p:cNvSpPr/>
-          <p:nvPr/>
-        </p:nvSpPr>
-        <p:spPr>
-          <a:xfrm>
-            <a:off x="3507535" y="356000"/>
-            <a:ext cx="15943638" cy="2622967"/>
-          </a:xfrm>
-          <a:prstGeom prst="horizontalScroll">
-            <a:avLst/>
-          </a:prstGeom>
-          <a:solidFill>
-            <a:schemeClr val="bg1"/>
-          </a:solidFill>
-        </p:spPr>
-        <p:style>
-          <a:lnRef idx="2">
-            <a:schemeClr val="accent1">
-              <a:shade val="50000"/>
-            </a:schemeClr>
-          </a:lnRef>
-          <a:fillRef idx="1">
-            <a:schemeClr val="accent1"/>
-          </a:fillRef>
-          <a:effectRef idx="0">
-            <a:schemeClr val="accent1"/>
-          </a:effectRef>
-          <a:fontRef idx="minor">
-            <a:schemeClr val="lt1"/>
-          </a:fontRef>
-        </p:style>
-        <p:txBody>
-          <a:bodyPr lIns="165872" tIns="82935" rIns="165872" bIns="82935" spcCol="0" rtlCol="0" anchor="ctr"/>
-          <a:lstStyle/>
-          <a:p>
-            <a:pPr algn="ctr"/>
-            <a:r>
-              <a:rPr lang="ja-JP" altLang="en-US" sz="7200" dirty="0">
-                <a:solidFill>
-                  <a:schemeClr val="bg2">
-                    <a:lumMod val="10000"/>
-                  </a:schemeClr>
-                </a:solidFill>
-                <a:latin typeface="+mj-ea"/>
-                <a:ea typeface="+mj-ea"/>
-              </a:rPr>
-              <a:t>テーマ</a:t>
-            </a:r>
-            <a:endParaRPr kumimoji="1" lang="ja-JP" altLang="en-US" sz="7200" dirty="0">
-              <a:solidFill>
-                <a:schemeClr val="bg2">
-                  <a:lumMod val="10000"/>
-                </a:schemeClr>
-              </a:solidFill>
-              <a:latin typeface="+mj-ea"/>
-              <a:ea typeface="+mj-ea"/>
-            </a:endParaRPr>
-          </a:p>
-        </p:txBody>
-      </p:sp>
-      <p:sp>
-        <p:nvSpPr>
-          <p:cNvPr id="5" name="テキスト ボックス 4"/>
+          <p:cNvPr id="3" name="テキスト ボックス 2"/>
           <p:cNvSpPr txBox="1"/>
           <p:nvPr/>
         </p:nvSpPr>
         <p:spPr>
           <a:xfrm>
-            <a:off x="4741397" y="3201636"/>
+            <a:off x="4562301" y="2970635"/>
             <a:ext cx="13475915" cy="906154"/>
           </a:xfrm>
           <a:prstGeom prst="rect">
@@ -4697,913 +4571,9 @@
           </a:p>
         </p:txBody>
       </p:sp>
-      <p:sp>
-        <p:nvSpPr>
-          <p:cNvPr id="6" name="円/楕円 5"/>
-          <p:cNvSpPr/>
-          <p:nvPr/>
-        </p:nvSpPr>
-        <p:spPr>
-          <a:xfrm>
-            <a:off x="81553" y="3322423"/>
-            <a:ext cx="4491167" cy="2384516"/>
-          </a:xfrm>
-          <a:prstGeom prst="ellipse">
-            <a:avLst/>
-          </a:prstGeom>
-          <a:solidFill>
-            <a:schemeClr val="bg1"/>
-          </a:solidFill>
-        </p:spPr>
-        <p:style>
-          <a:lnRef idx="2">
-            <a:schemeClr val="accent1">
-              <a:shade val="50000"/>
-            </a:schemeClr>
-          </a:lnRef>
-          <a:fillRef idx="1">
-            <a:schemeClr val="accent1"/>
-          </a:fillRef>
-          <a:effectRef idx="0">
-            <a:schemeClr val="accent1"/>
-          </a:effectRef>
-          <a:fontRef idx="minor">
-            <a:schemeClr val="lt1"/>
-          </a:fontRef>
-        </p:style>
-        <p:txBody>
-          <a:bodyPr lIns="165872" tIns="82935" rIns="165872" bIns="82935" spcCol="0" rtlCol="0" anchor="ctr"/>
-          <a:lstStyle/>
-          <a:p>
-            <a:pPr algn="ctr"/>
-            <a:r>
-              <a:rPr kumimoji="1" lang="ja-JP" altLang="en-US" sz="6000" b="1" dirty="0" smtClean="0">
-                <a:solidFill>
-                  <a:schemeClr val="bg2">
-                    <a:lumMod val="10000"/>
-                  </a:schemeClr>
-                </a:solidFill>
-              </a:rPr>
-              <a:t>背景</a:t>
-            </a:r>
-            <a:endParaRPr kumimoji="1" lang="ja-JP" altLang="en-US" sz="6000" b="1" dirty="0">
-              <a:solidFill>
-                <a:schemeClr val="bg2">
-                  <a:lumMod val="10000"/>
-                </a:schemeClr>
-              </a:solidFill>
-            </a:endParaRPr>
-          </a:p>
-        </p:txBody>
-      </p:sp>
-      <p:sp>
-        <p:nvSpPr>
-          <p:cNvPr id="9" name="テキスト ボックス 8"/>
-          <p:cNvSpPr txBox="1"/>
-          <p:nvPr/>
-        </p:nvSpPr>
-        <p:spPr>
-          <a:xfrm>
-            <a:off x="811302" y="6390172"/>
-            <a:ext cx="9468519" cy="1323439"/>
-          </a:xfrm>
-          <a:prstGeom prst="rect">
-            <a:avLst/>
-          </a:prstGeom>
-          <a:noFill/>
-        </p:spPr>
-        <p:txBody>
-          <a:bodyPr wrap="square" rtlCol="0">
-            <a:spAutoFit/>
-          </a:bodyPr>
-          <a:lstStyle/>
-          <a:p>
-            <a:r>
-              <a:rPr lang="ja-JP" altLang="en-US" sz="4000" dirty="0">
-                <a:solidFill>
-                  <a:schemeClr val="bg2">
-                    <a:lumMod val="10000"/>
-                  </a:schemeClr>
-                </a:solidFill>
-              </a:rPr>
-              <a:t>野球</a:t>
-            </a:r>
-            <a:r>
-              <a:rPr kumimoji="1" lang="ja-JP" altLang="en-US" sz="4000" dirty="0" smtClean="0">
-                <a:solidFill>
-                  <a:schemeClr val="bg2">
-                    <a:lumMod val="10000"/>
-                  </a:schemeClr>
-                </a:solidFill>
-              </a:rPr>
-              <a:t>界では，マネボールを参考にしたチーム作りが主流になりつつある．</a:t>
-            </a:r>
-            <a:endParaRPr kumimoji="1" lang="ja-JP" altLang="en-US" sz="4000" dirty="0">
-              <a:solidFill>
-                <a:schemeClr val="bg2">
-                  <a:lumMod val="10000"/>
-                </a:schemeClr>
-              </a:solidFill>
-            </a:endParaRPr>
-          </a:p>
-        </p:txBody>
-      </p:sp>
-      <p:sp>
-        <p:nvSpPr>
-          <p:cNvPr id="10" name="正方形/長方形 9"/>
-          <p:cNvSpPr/>
-          <p:nvPr/>
-        </p:nvSpPr>
-        <p:spPr>
-          <a:xfrm>
-            <a:off x="748766" y="8981235"/>
-            <a:ext cx="3463914" cy="1224136"/>
-          </a:xfrm>
-          <a:prstGeom prst="rect">
-            <a:avLst/>
-          </a:prstGeom>
-          <a:solidFill>
-            <a:schemeClr val="bg1"/>
-          </a:solidFill>
-          <a:ln>
-            <a:solidFill>
-              <a:schemeClr val="bg1"/>
-            </a:solidFill>
-          </a:ln>
-        </p:spPr>
-        <p:style>
-          <a:lnRef idx="2">
-            <a:schemeClr val="accent1">
-              <a:shade val="50000"/>
-            </a:schemeClr>
-          </a:lnRef>
-          <a:fillRef idx="1">
-            <a:schemeClr val="accent1"/>
-          </a:fillRef>
-          <a:effectRef idx="0">
-            <a:schemeClr val="accent1"/>
-          </a:effectRef>
-          <a:fontRef idx="minor">
-            <a:schemeClr val="lt1"/>
-          </a:fontRef>
-        </p:style>
-        <p:txBody>
-          <a:bodyPr rtlCol="0" anchor="ctr"/>
-          <a:lstStyle/>
-          <a:p>
-            <a:pPr algn="ctr"/>
-            <a:r>
-              <a:rPr kumimoji="1" lang="ja-JP" altLang="en-US" sz="6000" dirty="0" smtClean="0">
-                <a:solidFill>
-                  <a:schemeClr val="bg2">
-                    <a:lumMod val="10000"/>
-                  </a:schemeClr>
-                </a:solidFill>
-              </a:rPr>
-              <a:t>打率</a:t>
-            </a:r>
-            <a:endParaRPr kumimoji="1" lang="ja-JP" altLang="en-US" sz="6000" dirty="0">
-              <a:solidFill>
-                <a:schemeClr val="bg2">
-                  <a:lumMod val="10000"/>
-                </a:schemeClr>
-              </a:solidFill>
-            </a:endParaRPr>
-          </a:p>
-        </p:txBody>
-      </p:sp>
-      <p:sp>
-        <p:nvSpPr>
-          <p:cNvPr id="11" name="テキスト ボックス 10"/>
-          <p:cNvSpPr txBox="1"/>
-          <p:nvPr/>
-        </p:nvSpPr>
-        <p:spPr>
-          <a:xfrm>
-            <a:off x="457229" y="7766224"/>
-            <a:ext cx="2633626" cy="830997"/>
-          </a:xfrm>
-          <a:prstGeom prst="rect">
-            <a:avLst/>
-          </a:prstGeom>
-          <a:noFill/>
-        </p:spPr>
-        <p:txBody>
-          <a:bodyPr wrap="square" rtlCol="0">
-            <a:spAutoFit/>
-          </a:bodyPr>
-          <a:lstStyle/>
-          <a:p>
-            <a:pPr algn="ctr"/>
-            <a:r>
-              <a:rPr kumimoji="1" lang="ja-JP" altLang="en-US" sz="4800" dirty="0" smtClean="0">
-                <a:solidFill>
-                  <a:srgbClr val="FF0000"/>
-                </a:solidFill>
-              </a:rPr>
-              <a:t>例</a:t>
-            </a:r>
-            <a:endParaRPr kumimoji="1" lang="ja-JP" altLang="en-US" sz="4800" dirty="0">
-              <a:solidFill>
-                <a:srgbClr val="FF0000"/>
-              </a:solidFill>
-            </a:endParaRPr>
-          </a:p>
-        </p:txBody>
-      </p:sp>
-      <p:sp>
-        <p:nvSpPr>
-          <p:cNvPr id="18" name="正方形/長方形 17"/>
-          <p:cNvSpPr/>
-          <p:nvPr/>
-        </p:nvSpPr>
-        <p:spPr>
-          <a:xfrm>
-            <a:off x="6660952" y="8981235"/>
-            <a:ext cx="3441001" cy="1156263"/>
-          </a:xfrm>
-          <a:prstGeom prst="rect">
-            <a:avLst/>
-          </a:prstGeom>
-          <a:solidFill>
-            <a:schemeClr val="bg1"/>
-          </a:solidFill>
-          <a:ln>
-            <a:solidFill>
-              <a:schemeClr val="bg1"/>
-            </a:solidFill>
-          </a:ln>
-        </p:spPr>
-        <p:style>
-          <a:lnRef idx="2">
-            <a:schemeClr val="accent1">
-              <a:shade val="50000"/>
-            </a:schemeClr>
-          </a:lnRef>
-          <a:fillRef idx="1">
-            <a:schemeClr val="accent1"/>
-          </a:fillRef>
-          <a:effectRef idx="0">
-            <a:schemeClr val="accent1"/>
-          </a:effectRef>
-          <a:fontRef idx="minor">
-            <a:schemeClr val="lt1"/>
-          </a:fontRef>
-        </p:style>
-        <p:txBody>
-          <a:bodyPr rtlCol="0" anchor="ctr"/>
-          <a:lstStyle/>
-          <a:p>
-            <a:pPr algn="ctr"/>
-            <a:r>
-              <a:rPr kumimoji="1" lang="ja-JP" altLang="en-US" sz="6000" dirty="0" smtClean="0">
-                <a:solidFill>
-                  <a:schemeClr val="bg2">
-                    <a:lumMod val="10000"/>
-                  </a:schemeClr>
-                </a:solidFill>
-              </a:rPr>
-              <a:t>出塁率</a:t>
-            </a:r>
-            <a:endParaRPr kumimoji="1" lang="ja-JP" altLang="en-US" sz="6000" dirty="0">
-              <a:solidFill>
-                <a:schemeClr val="bg2">
-                  <a:lumMod val="10000"/>
-                </a:schemeClr>
-              </a:solidFill>
-            </a:endParaRPr>
-          </a:p>
-        </p:txBody>
-      </p:sp>
-      <p:sp>
-        <p:nvSpPr>
-          <p:cNvPr id="12" name="テキスト ボックス 11"/>
-          <p:cNvSpPr txBox="1"/>
-          <p:nvPr/>
-        </p:nvSpPr>
-        <p:spPr>
-          <a:xfrm>
-            <a:off x="4469870" y="8946125"/>
-            <a:ext cx="1831042" cy="1446550"/>
-          </a:xfrm>
-          <a:prstGeom prst="rect">
-            <a:avLst/>
-          </a:prstGeom>
-          <a:noFill/>
-        </p:spPr>
-        <p:txBody>
-          <a:bodyPr wrap="square" rtlCol="0">
-            <a:spAutoFit/>
-          </a:bodyPr>
-          <a:lstStyle/>
-          <a:p>
-            <a:pPr algn="ctr"/>
-            <a:r>
-              <a:rPr kumimoji="1" lang="ja-JP" altLang="en-US" sz="8800" dirty="0" smtClean="0"/>
-              <a:t>＜</a:t>
-            </a:r>
-            <a:endParaRPr kumimoji="1" lang="ja-JP" altLang="en-US" sz="8800" dirty="0"/>
-          </a:p>
-        </p:txBody>
-      </p:sp>
-      <p:sp>
-        <p:nvSpPr>
-          <p:cNvPr id="15" name="テキスト ボックス 14"/>
-          <p:cNvSpPr txBox="1"/>
-          <p:nvPr/>
-        </p:nvSpPr>
-        <p:spPr>
-          <a:xfrm>
-            <a:off x="517096" y="11107539"/>
-            <a:ext cx="9902494" cy="3170099"/>
-          </a:xfrm>
-          <a:prstGeom prst="rect">
-            <a:avLst/>
-          </a:prstGeom>
-          <a:noFill/>
-        </p:spPr>
-        <p:txBody>
-          <a:bodyPr wrap="square" rtlCol="0">
-            <a:spAutoFit/>
-          </a:bodyPr>
-          <a:lstStyle/>
-          <a:p>
-            <a:r>
-              <a:rPr kumimoji="1" lang="ja-JP" altLang="en-US" sz="4000" dirty="0" smtClean="0"/>
-              <a:t>野球は塁に出なければ得点できない．そのため，打率が悪くても出塁率が高い選手を優先して獲得</a:t>
-            </a:r>
-            <a:r>
-              <a:rPr lang="ja-JP" altLang="en-US" sz="4000" dirty="0"/>
-              <a:t>する．塁に出れる選手を</a:t>
-            </a:r>
-            <a:r>
-              <a:rPr lang="ja-JP" altLang="en-US" sz="4000" dirty="0" smtClean="0"/>
-              <a:t>揃えれば，アウト</a:t>
-            </a:r>
-            <a:r>
-              <a:rPr lang="ja-JP" altLang="en-US" sz="4000" dirty="0"/>
-              <a:t>になる確率が</a:t>
-            </a:r>
-            <a:r>
-              <a:rPr lang="ja-JP" altLang="en-US" sz="4000" dirty="0" smtClean="0"/>
-              <a:t>減り，打線</a:t>
-            </a:r>
-            <a:r>
-              <a:rPr lang="ja-JP" altLang="en-US" sz="4000" dirty="0"/>
-              <a:t>が</a:t>
-            </a:r>
-            <a:r>
-              <a:rPr lang="ja-JP" altLang="en-US" sz="4000" dirty="0" smtClean="0"/>
-              <a:t>つながって，得点</a:t>
-            </a:r>
-            <a:r>
-              <a:rPr lang="ja-JP" altLang="en-US" sz="4000" dirty="0"/>
-              <a:t>に</a:t>
-            </a:r>
-            <a:r>
-              <a:rPr lang="ja-JP" altLang="en-US" sz="4000" dirty="0" smtClean="0"/>
-              <a:t>結びつけやすくなる．</a:t>
-            </a:r>
-            <a:endParaRPr kumimoji="1" lang="ja-JP" altLang="en-US" sz="4000" dirty="0"/>
-          </a:p>
-        </p:txBody>
-      </p:sp>
-      <p:sp>
-        <p:nvSpPr>
-          <p:cNvPr id="23" name="角丸四角形 22"/>
-          <p:cNvSpPr/>
-          <p:nvPr/>
-        </p:nvSpPr>
-        <p:spPr>
-          <a:xfrm>
-            <a:off x="10981432" y="5990556"/>
-            <a:ext cx="10079442" cy="8933407"/>
-          </a:xfrm>
-          <a:prstGeom prst="roundRect">
-            <a:avLst/>
-          </a:prstGeom>
-          <a:solidFill>
-            <a:schemeClr val="bg1"/>
-          </a:solidFill>
-        </p:spPr>
-        <p:style>
-          <a:lnRef idx="2">
-            <a:schemeClr val="accent1">
-              <a:shade val="50000"/>
-            </a:schemeClr>
-          </a:lnRef>
-          <a:fillRef idx="1">
-            <a:schemeClr val="accent1"/>
-          </a:fillRef>
-          <a:effectRef idx="0">
-            <a:schemeClr val="accent1"/>
-          </a:effectRef>
-          <a:fontRef idx="minor">
-            <a:schemeClr val="lt1"/>
-          </a:fontRef>
-        </p:style>
-        <p:txBody>
-          <a:bodyPr lIns="165872" tIns="82935" rIns="165872" bIns="82935" spcCol="0" rtlCol="0" anchor="ctr"/>
-          <a:lstStyle/>
-          <a:p>
-            <a:pPr algn="ctr"/>
-            <a:endParaRPr kumimoji="1" lang="ja-JP" altLang="en-US" dirty="0">
-              <a:solidFill>
-                <a:schemeClr val="bg2">
-                  <a:lumMod val="10000"/>
-                </a:schemeClr>
-              </a:solidFill>
-            </a:endParaRPr>
-          </a:p>
-        </p:txBody>
-      </p:sp>
-      <p:sp>
-        <p:nvSpPr>
-          <p:cNvPr id="16" name="テキスト ボックス 15"/>
-          <p:cNvSpPr txBox="1"/>
-          <p:nvPr/>
-        </p:nvSpPr>
-        <p:spPr>
-          <a:xfrm>
-            <a:off x="11413480" y="6427018"/>
-            <a:ext cx="9223158" cy="1323439"/>
-          </a:xfrm>
-          <a:prstGeom prst="rect">
-            <a:avLst/>
-          </a:prstGeom>
-          <a:noFill/>
-        </p:spPr>
-        <p:txBody>
-          <a:bodyPr wrap="square" rtlCol="0">
-            <a:spAutoFit/>
-          </a:bodyPr>
-          <a:lstStyle/>
-          <a:p>
-            <a:r>
-              <a:rPr kumimoji="1" lang="ja-JP" altLang="en-US" sz="4000" dirty="0" smtClean="0"/>
-              <a:t>サッカー界でもそのチーム作りが</a:t>
-            </a:r>
-            <a:endParaRPr kumimoji="1" lang="en-US" altLang="ja-JP" sz="4000" dirty="0" smtClean="0"/>
-          </a:p>
-          <a:p>
-            <a:r>
-              <a:rPr kumimoji="1" lang="ja-JP" altLang="en-US" sz="4000" dirty="0" smtClean="0"/>
-              <a:t>注目されつつある．</a:t>
-            </a:r>
-            <a:endParaRPr kumimoji="1" lang="en-US" altLang="ja-JP" sz="4000" dirty="0" smtClean="0"/>
-          </a:p>
-        </p:txBody>
-      </p:sp>
-      <p:sp>
-        <p:nvSpPr>
-          <p:cNvPr id="26" name="テキスト ボックス 25"/>
-          <p:cNvSpPr txBox="1"/>
-          <p:nvPr/>
-        </p:nvSpPr>
-        <p:spPr>
-          <a:xfrm>
-            <a:off x="11341472" y="7750456"/>
-            <a:ext cx="2633626" cy="830997"/>
-          </a:xfrm>
-          <a:prstGeom prst="rect">
-            <a:avLst/>
-          </a:prstGeom>
-          <a:noFill/>
-        </p:spPr>
-        <p:txBody>
-          <a:bodyPr wrap="square" rtlCol="0">
-            <a:spAutoFit/>
-          </a:bodyPr>
-          <a:lstStyle/>
-          <a:p>
-            <a:pPr algn="ctr"/>
-            <a:r>
-              <a:rPr kumimoji="1" lang="ja-JP" altLang="en-US" sz="4800" dirty="0" smtClean="0">
-                <a:solidFill>
-                  <a:srgbClr val="FF0000"/>
-                </a:solidFill>
-              </a:rPr>
-              <a:t>例</a:t>
-            </a:r>
-            <a:endParaRPr kumimoji="1" lang="ja-JP" altLang="en-US" sz="4800" dirty="0">
-              <a:solidFill>
-                <a:srgbClr val="FF0000"/>
-              </a:solidFill>
-            </a:endParaRPr>
-          </a:p>
-        </p:txBody>
-      </p:sp>
-      <p:sp>
-        <p:nvSpPr>
-          <p:cNvPr id="27" name="正方形/長方形 26"/>
-          <p:cNvSpPr/>
-          <p:nvPr/>
-        </p:nvSpPr>
-        <p:spPr>
-          <a:xfrm>
-            <a:off x="17318136" y="8767232"/>
-            <a:ext cx="3463914" cy="1804336"/>
-          </a:xfrm>
-          <a:prstGeom prst="rect">
-            <a:avLst/>
-          </a:prstGeom>
-          <a:solidFill>
-            <a:schemeClr val="bg1"/>
-          </a:solidFill>
-          <a:ln>
-            <a:solidFill>
-              <a:schemeClr val="bg1"/>
-            </a:solidFill>
-          </a:ln>
-        </p:spPr>
-        <p:style>
-          <a:lnRef idx="2">
-            <a:schemeClr val="accent1">
-              <a:shade val="50000"/>
-            </a:schemeClr>
-          </a:lnRef>
-          <a:fillRef idx="1">
-            <a:schemeClr val="accent1"/>
-          </a:fillRef>
-          <a:effectRef idx="0">
-            <a:schemeClr val="accent1"/>
-          </a:effectRef>
-          <a:fontRef idx="minor">
-            <a:schemeClr val="lt1"/>
-          </a:fontRef>
-        </p:style>
-        <p:txBody>
-          <a:bodyPr rtlCol="0" anchor="ctr"/>
-          <a:lstStyle/>
-          <a:p>
-            <a:pPr algn="ctr"/>
-            <a:r>
-              <a:rPr kumimoji="1" lang="ja-JP" altLang="en-US" sz="6000" dirty="0" smtClean="0">
-                <a:solidFill>
-                  <a:schemeClr val="bg2">
-                    <a:lumMod val="10000"/>
-                  </a:schemeClr>
-                </a:solidFill>
-              </a:rPr>
-              <a:t>ショートパス</a:t>
-            </a:r>
-            <a:endParaRPr kumimoji="1" lang="ja-JP" altLang="en-US" sz="6000" dirty="0">
-              <a:solidFill>
-                <a:schemeClr val="bg2">
-                  <a:lumMod val="10000"/>
-                </a:schemeClr>
-              </a:solidFill>
-            </a:endParaRPr>
-          </a:p>
-        </p:txBody>
-      </p:sp>
-      <p:sp>
-        <p:nvSpPr>
-          <p:cNvPr id="28" name="正方形/長方形 27"/>
-          <p:cNvSpPr/>
-          <p:nvPr/>
-        </p:nvSpPr>
-        <p:spPr>
-          <a:xfrm>
-            <a:off x="11333942" y="8767232"/>
-            <a:ext cx="3463914" cy="1804336"/>
-          </a:xfrm>
-          <a:prstGeom prst="rect">
-            <a:avLst/>
-          </a:prstGeom>
-          <a:solidFill>
-            <a:schemeClr val="bg1"/>
-          </a:solidFill>
-          <a:ln>
-            <a:solidFill>
-              <a:schemeClr val="bg1"/>
-            </a:solidFill>
-          </a:ln>
-        </p:spPr>
-        <p:style>
-          <a:lnRef idx="2">
-            <a:schemeClr val="accent1">
-              <a:shade val="50000"/>
-            </a:schemeClr>
-          </a:lnRef>
-          <a:fillRef idx="1">
-            <a:schemeClr val="accent1"/>
-          </a:fillRef>
-          <a:effectRef idx="0">
-            <a:schemeClr val="accent1"/>
-          </a:effectRef>
-          <a:fontRef idx="minor">
-            <a:schemeClr val="lt1"/>
-          </a:fontRef>
-        </p:style>
-        <p:txBody>
-          <a:bodyPr rtlCol="0" anchor="ctr"/>
-          <a:lstStyle/>
-          <a:p>
-            <a:pPr algn="ctr"/>
-            <a:r>
-              <a:rPr lang="ja-JP" altLang="en-US" sz="6000" dirty="0" smtClean="0">
-                <a:solidFill>
-                  <a:schemeClr val="bg2">
-                    <a:lumMod val="10000"/>
-                  </a:schemeClr>
-                </a:solidFill>
-              </a:rPr>
-              <a:t>ロング</a:t>
-            </a:r>
-            <a:endParaRPr lang="en-US" altLang="ja-JP" sz="6000" dirty="0" smtClean="0">
-              <a:solidFill>
-                <a:schemeClr val="bg2">
-                  <a:lumMod val="10000"/>
-                </a:schemeClr>
-              </a:solidFill>
-            </a:endParaRPr>
-          </a:p>
-          <a:p>
-            <a:pPr algn="ctr"/>
-            <a:r>
-              <a:rPr lang="ja-JP" altLang="en-US" sz="6000" dirty="0" smtClean="0">
-                <a:solidFill>
-                  <a:schemeClr val="bg2">
-                    <a:lumMod val="10000"/>
-                  </a:schemeClr>
-                </a:solidFill>
-              </a:rPr>
-              <a:t>パス</a:t>
-            </a:r>
-            <a:endParaRPr kumimoji="1" lang="ja-JP" altLang="en-US" sz="6000" dirty="0">
-              <a:solidFill>
-                <a:schemeClr val="bg2">
-                  <a:lumMod val="10000"/>
-                </a:schemeClr>
-              </a:solidFill>
-            </a:endParaRPr>
-          </a:p>
-        </p:txBody>
-      </p:sp>
-      <p:sp>
-        <p:nvSpPr>
-          <p:cNvPr id="29" name="テキスト ボックス 28"/>
-          <p:cNvSpPr txBox="1"/>
-          <p:nvPr/>
-        </p:nvSpPr>
-        <p:spPr>
-          <a:xfrm>
-            <a:off x="15157896" y="8903966"/>
-            <a:ext cx="1831042" cy="1446550"/>
-          </a:xfrm>
-          <a:prstGeom prst="rect">
-            <a:avLst/>
-          </a:prstGeom>
-          <a:noFill/>
-        </p:spPr>
-        <p:txBody>
-          <a:bodyPr wrap="square" rtlCol="0">
-            <a:spAutoFit/>
-          </a:bodyPr>
-          <a:lstStyle/>
-          <a:p>
-            <a:pPr algn="ctr"/>
-            <a:r>
-              <a:rPr kumimoji="1" lang="ja-JP" altLang="en-US" sz="8800" dirty="0" smtClean="0"/>
-              <a:t>＜</a:t>
-            </a:r>
-            <a:endParaRPr kumimoji="1" lang="ja-JP" altLang="en-US" sz="8800" dirty="0"/>
-          </a:p>
-        </p:txBody>
-      </p:sp>
-      <p:sp>
-        <p:nvSpPr>
-          <p:cNvPr id="30" name="テキスト ボックス 29"/>
-          <p:cNvSpPr txBox="1"/>
-          <p:nvPr/>
-        </p:nvSpPr>
-        <p:spPr>
-          <a:xfrm>
-            <a:off x="11053440" y="11107539"/>
-            <a:ext cx="9902494" cy="3170099"/>
-          </a:xfrm>
-          <a:prstGeom prst="rect">
-            <a:avLst/>
-          </a:prstGeom>
-          <a:noFill/>
-        </p:spPr>
-        <p:txBody>
-          <a:bodyPr wrap="square" rtlCol="0">
-            <a:spAutoFit/>
-          </a:bodyPr>
-          <a:lstStyle/>
-          <a:p>
-            <a:r>
-              <a:rPr kumimoji="1" lang="ja-JP" altLang="en-US" sz="4000" dirty="0" smtClean="0"/>
-              <a:t>身長の高い</a:t>
-            </a:r>
-            <a:r>
-              <a:rPr lang="ja-JP" altLang="en-US" sz="4000" dirty="0"/>
-              <a:t>選手</a:t>
-            </a:r>
-            <a:r>
-              <a:rPr lang="ja-JP" altLang="en-US" sz="4000" dirty="0" smtClean="0"/>
-              <a:t>へロングパスを出すのではなく，ショートパスを多くしポゼッションを高くする．そのことにより，自チームのボール所持時間を増え，失点を減らすことができ，勝利につながる．</a:t>
-            </a:r>
-            <a:endParaRPr kumimoji="1" lang="ja-JP" altLang="en-US" sz="4000" dirty="0"/>
-          </a:p>
-        </p:txBody>
-      </p:sp>
-      <p:sp>
-        <p:nvSpPr>
-          <p:cNvPr id="31" name="円/楕円 30"/>
-          <p:cNvSpPr/>
-          <p:nvPr/>
-        </p:nvSpPr>
-        <p:spPr>
-          <a:xfrm>
-            <a:off x="81553" y="15500027"/>
-            <a:ext cx="4491167" cy="2384516"/>
-          </a:xfrm>
-          <a:prstGeom prst="ellipse">
-            <a:avLst/>
-          </a:prstGeom>
-          <a:solidFill>
-            <a:schemeClr val="bg1"/>
-          </a:solidFill>
-        </p:spPr>
-        <p:style>
-          <a:lnRef idx="2">
-            <a:schemeClr val="accent1">
-              <a:shade val="50000"/>
-            </a:schemeClr>
-          </a:lnRef>
-          <a:fillRef idx="1">
-            <a:schemeClr val="accent1"/>
-          </a:fillRef>
-          <a:effectRef idx="0">
-            <a:schemeClr val="accent1"/>
-          </a:effectRef>
-          <a:fontRef idx="minor">
-            <a:schemeClr val="lt1"/>
-          </a:fontRef>
-        </p:style>
-        <p:txBody>
-          <a:bodyPr lIns="165872" tIns="82935" rIns="165872" bIns="82935" spcCol="0" rtlCol="0" anchor="ctr"/>
-          <a:lstStyle/>
-          <a:p>
-            <a:pPr algn="ctr"/>
-            <a:r>
-              <a:rPr lang="ja-JP" altLang="en-US" sz="6000" b="1" dirty="0">
-                <a:solidFill>
-                  <a:schemeClr val="bg2">
-                    <a:lumMod val="10000"/>
-                  </a:schemeClr>
-                </a:solidFill>
-              </a:rPr>
-              <a:t>目的</a:t>
-            </a:r>
-            <a:endParaRPr kumimoji="1" lang="ja-JP" altLang="en-US" sz="6000" b="1" dirty="0">
-              <a:solidFill>
-                <a:schemeClr val="bg2">
-                  <a:lumMod val="10000"/>
-                </a:schemeClr>
-              </a:solidFill>
-            </a:endParaRPr>
-          </a:p>
-        </p:txBody>
-      </p:sp>
-      <p:sp>
-        <p:nvSpPr>
-          <p:cNvPr id="33" name="円/楕円 32"/>
-          <p:cNvSpPr/>
-          <p:nvPr/>
-        </p:nvSpPr>
-        <p:spPr>
-          <a:xfrm>
-            <a:off x="180232" y="23348899"/>
-            <a:ext cx="7920880" cy="2384516"/>
-          </a:xfrm>
-          <a:prstGeom prst="ellipse">
-            <a:avLst/>
-          </a:prstGeom>
-          <a:solidFill>
-            <a:schemeClr val="bg1"/>
-          </a:solidFill>
-        </p:spPr>
-        <p:style>
-          <a:lnRef idx="2">
-            <a:schemeClr val="accent1">
-              <a:shade val="50000"/>
-            </a:schemeClr>
-          </a:lnRef>
-          <a:fillRef idx="1">
-            <a:schemeClr val="accent1"/>
-          </a:fillRef>
-          <a:effectRef idx="0">
-            <a:schemeClr val="accent1"/>
-          </a:effectRef>
-          <a:fontRef idx="minor">
-            <a:schemeClr val="lt1"/>
-          </a:fontRef>
-        </p:style>
-        <p:txBody>
-          <a:bodyPr lIns="165872" tIns="82935" rIns="165872" bIns="82935" spcCol="0" rtlCol="0" anchor="ctr"/>
-          <a:lstStyle/>
-          <a:p>
-            <a:pPr algn="ctr"/>
-            <a:r>
-              <a:rPr kumimoji="1" lang="en-US" altLang="ja-JP" sz="6000" b="1" dirty="0" smtClean="0">
-                <a:solidFill>
-                  <a:schemeClr val="bg2">
-                    <a:lumMod val="10000"/>
-                  </a:schemeClr>
-                </a:solidFill>
-              </a:rPr>
-              <a:t>PM</a:t>
-            </a:r>
-            <a:r>
-              <a:rPr kumimoji="1" lang="ja-JP" altLang="en-US" sz="6000" b="1" dirty="0" smtClean="0">
-                <a:solidFill>
-                  <a:schemeClr val="bg2">
-                    <a:lumMod val="10000"/>
-                  </a:schemeClr>
-                </a:solidFill>
-              </a:rPr>
-              <a:t>との関連性</a:t>
-            </a:r>
-            <a:endParaRPr kumimoji="1" lang="ja-JP" altLang="en-US" sz="6000" b="1" dirty="0">
-              <a:solidFill>
-                <a:schemeClr val="bg2">
-                  <a:lumMod val="10000"/>
-                </a:schemeClr>
-              </a:solidFill>
-            </a:endParaRPr>
-          </a:p>
-        </p:txBody>
-      </p:sp>
-      <p:sp>
-        <p:nvSpPr>
-          <p:cNvPr id="34" name="角丸四角形 33"/>
-          <p:cNvSpPr/>
-          <p:nvPr/>
-        </p:nvSpPr>
-        <p:spPr>
-          <a:xfrm>
-            <a:off x="517096" y="26301227"/>
-            <a:ext cx="20603645" cy="3456384"/>
-          </a:xfrm>
-          <a:prstGeom prst="roundRect">
-            <a:avLst/>
-          </a:prstGeom>
-          <a:solidFill>
-            <a:schemeClr val="bg1"/>
-          </a:solidFill>
-        </p:spPr>
-        <p:style>
-          <a:lnRef idx="2">
-            <a:schemeClr val="accent1">
-              <a:shade val="50000"/>
-            </a:schemeClr>
-          </a:lnRef>
-          <a:fillRef idx="1">
-            <a:schemeClr val="accent1"/>
-          </a:fillRef>
-          <a:effectRef idx="0">
-            <a:schemeClr val="accent1"/>
-          </a:effectRef>
-          <a:fontRef idx="minor">
-            <a:schemeClr val="lt1"/>
-          </a:fontRef>
-        </p:style>
-        <p:txBody>
-          <a:bodyPr lIns="165872" tIns="82935" rIns="165872" bIns="82935" spcCol="0" rtlCol="0" anchor="ctr"/>
-          <a:lstStyle/>
-          <a:p>
-            <a:pPr algn="ctr"/>
-            <a:r>
-              <a:rPr lang="ja-JP" altLang="en-US" sz="4800" dirty="0">
-                <a:solidFill>
-                  <a:schemeClr val="tx1"/>
-                </a:solidFill>
-              </a:rPr>
-              <a:t>サッカーチームは，メンバーに特定の役割と責任が割り当てられ，チームの戦術にはメンバー全員が関与しているので</a:t>
-            </a:r>
-            <a:r>
-              <a:rPr lang="ja-JP" altLang="en-US" sz="4800" dirty="0" smtClean="0">
-                <a:solidFill>
-                  <a:schemeClr val="tx1"/>
-                </a:solidFill>
-              </a:rPr>
-              <a:t>，プロジェクト人的資源マネジメントに関係がある．</a:t>
-            </a:r>
-            <a:endParaRPr kumimoji="1" lang="ja-JP" altLang="en-US" dirty="0">
-              <a:solidFill>
-                <a:schemeClr val="tx1"/>
-              </a:solidFill>
-            </a:endParaRPr>
-          </a:p>
-        </p:txBody>
-      </p:sp>
       <p:pic>
         <p:nvPicPr>
-          <p:cNvPr id="1032" name="Picture 8"/>
+          <p:cNvPr id="1026" name="Picture 2"/>
           <p:cNvPicPr>
             <a:picLocks noChangeAspect="1" noChangeArrowheads="1"/>
           </p:cNvPicPr>
@@ -5624,8 +4594,8 @@
         </p:blipFill>
         <p:spPr bwMode="auto">
           <a:xfrm>
-            <a:off x="18412140" y="3132828"/>
-            <a:ext cx="2957335" cy="2753343"/>
+            <a:off x="18177048" y="3001107"/>
+            <a:ext cx="2957512" cy="2755900"/>
           </a:xfrm>
           <a:prstGeom prst="rect">
             <a:avLst/>
@@ -5634,6 +4604,7 @@
           <a:ln>
             <a:noFill/>
           </a:ln>
+          <a:effectLst/>
           <a:extLst>
             <a:ext uri="{909E8E84-426E-40DD-AFC4-6F175D3DCCD1}">
               <a14:hiddenFill xmlns:a14="http://schemas.microsoft.com/office/drawing/2010/main">
@@ -5652,13 +4623,1132 @@
                 <a:tailEnd/>
               </a14:hiddenLine>
             </a:ext>
+            <a:ext uri="{AF507438-7753-43E0-B8FC-AC1667EBCBE1}">
+              <a14:hiddenEffects xmlns:a14="http://schemas.microsoft.com/office/drawing/2010/main">
+                <a:effectLst>
+                  <a:outerShdw dist="35921" dir="2700000" algn="ctr" rotWithShape="0">
+                    <a:schemeClr val="bg2"/>
+                  </a:outerShdw>
+                </a:effectLst>
+              </a14:hiddenEffects>
+            </a:ext>
           </a:extLst>
         </p:spPr>
       </p:pic>
+      <p:sp>
+        <p:nvSpPr>
+          <p:cNvPr id="6" name="円/楕円 5"/>
+          <p:cNvSpPr/>
+          <p:nvPr/>
+        </p:nvSpPr>
+        <p:spPr>
+          <a:xfrm>
+            <a:off x="396256" y="3876789"/>
+            <a:ext cx="4491167" cy="2384516"/>
+          </a:xfrm>
+          <a:prstGeom prst="ellipse">
+            <a:avLst/>
+          </a:prstGeom>
+          <a:solidFill>
+            <a:schemeClr val="bg1"/>
+          </a:solidFill>
+        </p:spPr>
+        <p:style>
+          <a:lnRef idx="2">
+            <a:schemeClr val="accent1">
+              <a:shade val="50000"/>
+            </a:schemeClr>
+          </a:lnRef>
+          <a:fillRef idx="1">
+            <a:schemeClr val="accent1"/>
+          </a:fillRef>
+          <a:effectRef idx="0">
+            <a:schemeClr val="accent1"/>
+          </a:effectRef>
+          <a:fontRef idx="minor">
+            <a:schemeClr val="lt1"/>
+          </a:fontRef>
+        </p:style>
+        <p:txBody>
+          <a:bodyPr lIns="165872" tIns="82935" rIns="165872" bIns="82935" spcCol="0" rtlCol="0" anchor="ctr"/>
+          <a:lstStyle/>
+          <a:p>
+            <a:pPr algn="ctr"/>
+            <a:r>
+              <a:rPr kumimoji="1" lang="ja-JP" altLang="en-US" sz="6000" b="1" dirty="0" smtClean="0">
+                <a:solidFill>
+                  <a:schemeClr val="bg2">
+                    <a:lumMod val="10000"/>
+                  </a:schemeClr>
+                </a:solidFill>
+              </a:rPr>
+              <a:t>背景</a:t>
+            </a:r>
+            <a:endParaRPr kumimoji="1" lang="ja-JP" altLang="en-US" sz="6000" b="1" dirty="0">
+              <a:solidFill>
+                <a:schemeClr val="bg2">
+                  <a:lumMod val="10000"/>
+                </a:schemeClr>
+              </a:solidFill>
+            </a:endParaRPr>
+          </a:p>
+        </p:txBody>
+      </p:sp>
+      <p:sp>
+        <p:nvSpPr>
+          <p:cNvPr id="8" name="山形 7"/>
+          <p:cNvSpPr/>
+          <p:nvPr/>
+        </p:nvSpPr>
+        <p:spPr>
+          <a:xfrm>
+            <a:off x="900312" y="8620996"/>
+            <a:ext cx="4807606" cy="2738214"/>
+          </a:xfrm>
+          <a:prstGeom prst="chevron">
+            <a:avLst/>
+          </a:prstGeom>
+          <a:blipFill>
+            <a:blip r:embed="rId3"/>
+            <a:tile tx="0" ty="0" sx="100000" sy="100000" flip="none" algn="tl"/>
+          </a:blipFill>
+        </p:spPr>
+        <p:style>
+          <a:lnRef idx="2">
+            <a:schemeClr val="accent1">
+              <a:shade val="50000"/>
+            </a:schemeClr>
+          </a:lnRef>
+          <a:fillRef idx="1">
+            <a:schemeClr val="accent1"/>
+          </a:fillRef>
+          <a:effectRef idx="0">
+            <a:schemeClr val="accent1"/>
+          </a:effectRef>
+          <a:fontRef idx="minor">
+            <a:schemeClr val="lt1"/>
+          </a:fontRef>
+        </p:style>
+        <p:txBody>
+          <a:bodyPr rtlCol="0" anchor="ctr"/>
+          <a:lstStyle/>
+          <a:p>
+            <a:pPr algn="ctr"/>
+            <a:r>
+              <a:rPr lang="ja-JP" altLang="en-US" sz="3200" dirty="0">
+                <a:solidFill>
+                  <a:schemeClr val="tx1"/>
+                </a:solidFill>
+              </a:rPr>
+              <a:t>選手</a:t>
+            </a:r>
+            <a:r>
+              <a:rPr lang="ja-JP" altLang="en-US" sz="3200" dirty="0" smtClean="0">
+                <a:solidFill>
+                  <a:schemeClr val="tx1"/>
+                </a:solidFill>
+              </a:rPr>
+              <a:t>の</a:t>
+            </a:r>
+            <a:endParaRPr lang="en-US" altLang="ja-JP" sz="3200" dirty="0" smtClean="0">
+              <a:solidFill>
+                <a:schemeClr val="tx1"/>
+              </a:solidFill>
+            </a:endParaRPr>
+          </a:p>
+          <a:p>
+            <a:pPr algn="ctr"/>
+            <a:r>
+              <a:rPr lang="ja-JP" altLang="en-US" sz="3200" dirty="0" smtClean="0">
+                <a:solidFill>
+                  <a:schemeClr val="tx1"/>
+                </a:solidFill>
+              </a:rPr>
+              <a:t>成績を</a:t>
+            </a:r>
+            <a:endParaRPr lang="en-US" altLang="ja-JP" sz="3200" dirty="0" smtClean="0">
+              <a:solidFill>
+                <a:schemeClr val="tx1"/>
+              </a:solidFill>
+            </a:endParaRPr>
+          </a:p>
+          <a:p>
+            <a:pPr algn="ctr"/>
+            <a:r>
+              <a:rPr lang="ja-JP" altLang="en-US" sz="3200" dirty="0" smtClean="0">
+                <a:solidFill>
+                  <a:schemeClr val="tx1"/>
+                </a:solidFill>
+              </a:rPr>
+              <a:t>調査する</a:t>
+            </a:r>
+            <a:endParaRPr lang="ja-JP" altLang="en-US" sz="3200" dirty="0">
+              <a:solidFill>
+                <a:schemeClr val="tx1"/>
+              </a:solidFill>
+            </a:endParaRPr>
+          </a:p>
+        </p:txBody>
+      </p:sp>
+      <p:sp>
+        <p:nvSpPr>
+          <p:cNvPr id="11" name="山形 10"/>
+          <p:cNvSpPr/>
+          <p:nvPr/>
+        </p:nvSpPr>
+        <p:spPr>
+          <a:xfrm>
+            <a:off x="5156247" y="8620996"/>
+            <a:ext cx="4934692" cy="2788200"/>
+          </a:xfrm>
+          <a:prstGeom prst="chevron">
+            <a:avLst/>
+          </a:prstGeom>
+          <a:blipFill>
+            <a:blip r:embed="rId3"/>
+            <a:tile tx="0" ty="0" sx="100000" sy="100000" flip="none" algn="tl"/>
+          </a:blipFill>
+        </p:spPr>
+        <p:style>
+          <a:lnRef idx="2">
+            <a:schemeClr val="accent1">
+              <a:shade val="50000"/>
+            </a:schemeClr>
+          </a:lnRef>
+          <a:fillRef idx="1">
+            <a:schemeClr val="accent1"/>
+          </a:fillRef>
+          <a:effectRef idx="0">
+            <a:schemeClr val="accent1"/>
+          </a:effectRef>
+          <a:fontRef idx="minor">
+            <a:schemeClr val="lt1"/>
+          </a:fontRef>
+        </p:style>
+        <p:txBody>
+          <a:bodyPr rtlCol="0" anchor="ctr"/>
+          <a:lstStyle/>
+          <a:p>
+            <a:pPr algn="ctr"/>
+            <a:r>
+              <a:rPr lang="ja-JP" altLang="en-US" sz="3200" dirty="0" smtClean="0">
+                <a:solidFill>
+                  <a:schemeClr val="tx1"/>
+                </a:solidFill>
+              </a:rPr>
+              <a:t>回帰分析し，戦術の設定</a:t>
+            </a:r>
+            <a:endParaRPr lang="en-US" altLang="ja-JP" sz="3200" dirty="0">
+              <a:solidFill>
+                <a:schemeClr val="tx1"/>
+              </a:solidFill>
+            </a:endParaRPr>
+          </a:p>
+          <a:p>
+            <a:pPr algn="ctr"/>
+            <a:r>
+              <a:rPr lang="ja-JP" altLang="en-US" sz="3200" dirty="0" smtClean="0">
+                <a:solidFill>
+                  <a:schemeClr val="tx1"/>
+                </a:solidFill>
+              </a:rPr>
+              <a:t>する</a:t>
+            </a:r>
+            <a:endParaRPr lang="en-US" altLang="ja-JP" sz="3200" dirty="0" smtClean="0">
+              <a:solidFill>
+                <a:schemeClr val="tx1"/>
+              </a:solidFill>
+            </a:endParaRPr>
+          </a:p>
+        </p:txBody>
+      </p:sp>
+      <p:sp>
+        <p:nvSpPr>
+          <p:cNvPr id="12" name="山形 11"/>
+          <p:cNvSpPr/>
+          <p:nvPr/>
+        </p:nvSpPr>
+        <p:spPr>
+          <a:xfrm>
+            <a:off x="9541272" y="8611298"/>
+            <a:ext cx="4968552" cy="2744586"/>
+          </a:xfrm>
+          <a:prstGeom prst="chevron">
+            <a:avLst/>
+          </a:prstGeom>
+          <a:blipFill>
+            <a:blip r:embed="rId3"/>
+            <a:tile tx="0" ty="0" sx="100000" sy="100000" flip="none" algn="tl"/>
+          </a:blipFill>
+        </p:spPr>
+        <p:style>
+          <a:lnRef idx="2">
+            <a:schemeClr val="accent1">
+              <a:shade val="50000"/>
+            </a:schemeClr>
+          </a:lnRef>
+          <a:fillRef idx="1">
+            <a:schemeClr val="accent1"/>
+          </a:fillRef>
+          <a:effectRef idx="0">
+            <a:schemeClr val="accent1"/>
+          </a:effectRef>
+          <a:fontRef idx="minor">
+            <a:schemeClr val="lt1"/>
+          </a:fontRef>
+        </p:style>
+        <p:txBody>
+          <a:bodyPr rtlCol="0" anchor="ctr"/>
+          <a:lstStyle/>
+          <a:p>
+            <a:pPr algn="ctr"/>
+            <a:r>
+              <a:rPr lang="ja-JP" altLang="en-US" sz="3200" dirty="0" smtClean="0">
+                <a:solidFill>
+                  <a:schemeClr val="tx1"/>
+                </a:solidFill>
+              </a:rPr>
+              <a:t>自チームに合って安価な選手を</a:t>
+            </a:r>
+            <a:endParaRPr lang="en-US" altLang="ja-JP" sz="3200" dirty="0" smtClean="0">
+              <a:solidFill>
+                <a:schemeClr val="tx1"/>
+              </a:solidFill>
+            </a:endParaRPr>
+          </a:p>
+          <a:p>
+            <a:pPr algn="ctr"/>
+            <a:r>
+              <a:rPr lang="ja-JP" altLang="en-US" sz="3200" dirty="0" smtClean="0">
+                <a:solidFill>
+                  <a:schemeClr val="tx1"/>
+                </a:solidFill>
+              </a:rPr>
+              <a:t>獲得する</a:t>
+            </a:r>
+            <a:endParaRPr lang="ja-JP" altLang="en-US" sz="3200" dirty="0">
+              <a:solidFill>
+                <a:schemeClr val="tx1"/>
+              </a:solidFill>
+            </a:endParaRPr>
+          </a:p>
+        </p:txBody>
+      </p:sp>
+      <p:cxnSp>
+        <p:nvCxnSpPr>
+          <p:cNvPr id="22" name="直線コネクタ 21"/>
+          <p:cNvCxnSpPr>
+            <a:stCxn id="27" idx="1"/>
+            <a:endCxn id="8" idx="0"/>
+          </p:cNvCxnSpPr>
+          <p:nvPr/>
+        </p:nvCxnSpPr>
+        <p:spPr>
+          <a:xfrm flipH="1">
+            <a:off x="2619562" y="6537119"/>
+            <a:ext cx="3537333" cy="2083877"/>
+          </a:xfrm>
+          <a:prstGeom prst="line">
+            <a:avLst/>
+          </a:prstGeom>
+        </p:spPr>
+        <p:style>
+          <a:lnRef idx="1">
+            <a:schemeClr val="accent1"/>
+          </a:lnRef>
+          <a:fillRef idx="0">
+            <a:schemeClr val="accent1"/>
+          </a:fillRef>
+          <a:effectRef idx="0">
+            <a:schemeClr val="accent1"/>
+          </a:effectRef>
+          <a:fontRef idx="minor">
+            <a:schemeClr val="tx1"/>
+          </a:fontRef>
+        </p:style>
+      </p:cxnSp>
+      <p:sp>
+        <p:nvSpPr>
+          <p:cNvPr id="27" name="正方形/長方形 26"/>
+          <p:cNvSpPr/>
+          <p:nvPr/>
+        </p:nvSpPr>
+        <p:spPr>
+          <a:xfrm>
+            <a:off x="6156895" y="5069047"/>
+            <a:ext cx="9892401" cy="2936143"/>
+          </a:xfrm>
+          <a:prstGeom prst="rect">
+            <a:avLst/>
+          </a:prstGeom>
+          <a:solidFill>
+            <a:schemeClr val="bg1"/>
+          </a:solidFill>
+        </p:spPr>
+        <p:style>
+          <a:lnRef idx="2">
+            <a:schemeClr val="accent1">
+              <a:shade val="50000"/>
+            </a:schemeClr>
+          </a:lnRef>
+          <a:fillRef idx="1">
+            <a:schemeClr val="accent1"/>
+          </a:fillRef>
+          <a:effectRef idx="0">
+            <a:schemeClr val="accent1"/>
+          </a:effectRef>
+          <a:fontRef idx="minor">
+            <a:schemeClr val="lt1"/>
+          </a:fontRef>
+        </p:style>
+        <p:txBody>
+          <a:bodyPr rtlCol="0" anchor="ctr"/>
+          <a:lstStyle/>
+          <a:p>
+            <a:r>
+              <a:rPr lang="ja-JP" altLang="en-US" dirty="0" smtClean="0">
+                <a:solidFill>
+                  <a:schemeClr val="tx1"/>
+                </a:solidFill>
+              </a:rPr>
+              <a:t>マネーボールの選手の調査</a:t>
+            </a:r>
+            <a:r>
+              <a:rPr lang="ja-JP" altLang="en-US" dirty="0">
+                <a:solidFill>
+                  <a:schemeClr val="tx1"/>
+                </a:solidFill>
+              </a:rPr>
+              <a:t>対象</a:t>
+            </a:r>
+          </a:p>
+          <a:p>
+            <a:r>
+              <a:rPr lang="ja-JP" altLang="en-US" dirty="0">
+                <a:solidFill>
+                  <a:srgbClr val="FF0000"/>
+                </a:solidFill>
+              </a:rPr>
+              <a:t>野手の場合</a:t>
+            </a:r>
+          </a:p>
+          <a:p>
+            <a:r>
+              <a:rPr lang="ja-JP" altLang="en-US" dirty="0">
+                <a:solidFill>
+                  <a:schemeClr val="tx1"/>
+                </a:solidFill>
+              </a:rPr>
+              <a:t>・出塁率　　・長打率　　・選球眼　　・慎重性</a:t>
+            </a:r>
+          </a:p>
+          <a:p>
+            <a:r>
+              <a:rPr lang="ja-JP" altLang="en-US" dirty="0">
+                <a:solidFill>
+                  <a:srgbClr val="FF0000"/>
+                </a:solidFill>
+              </a:rPr>
+              <a:t>投手の場合</a:t>
+            </a:r>
+          </a:p>
+          <a:p>
+            <a:r>
+              <a:rPr lang="ja-JP" altLang="en-US" dirty="0">
+                <a:solidFill>
+                  <a:schemeClr val="tx1"/>
+                </a:solidFill>
+              </a:rPr>
+              <a:t>・与四球　　・奪三振　　・被本塁打　・被長打率</a:t>
+            </a:r>
+          </a:p>
+        </p:txBody>
+      </p:sp>
+      <p:sp>
+        <p:nvSpPr>
+          <p:cNvPr id="39" name="テキスト ボックス 38"/>
+          <p:cNvSpPr txBox="1"/>
+          <p:nvPr/>
+        </p:nvSpPr>
+        <p:spPr>
+          <a:xfrm>
+            <a:off x="15210884" y="8413931"/>
+            <a:ext cx="5832648" cy="3139321"/>
+          </a:xfrm>
+          <a:prstGeom prst="rect">
+            <a:avLst/>
+          </a:prstGeom>
+          <a:noFill/>
+        </p:spPr>
+        <p:txBody>
+          <a:bodyPr wrap="square" rtlCol="0">
+            <a:spAutoFit/>
+          </a:bodyPr>
+          <a:lstStyle/>
+          <a:p>
+            <a:r>
+              <a:rPr lang="ja-JP" altLang="en-US" dirty="0"/>
+              <a:t>マネーボールとは・・・</a:t>
+            </a:r>
+          </a:p>
+          <a:p>
+            <a:r>
+              <a:rPr lang="ja-JP" altLang="en-US" dirty="0"/>
+              <a:t>クラブの資金がリーグ</a:t>
+            </a:r>
+            <a:r>
+              <a:rPr lang="ja-JP" altLang="en-US" dirty="0">
+                <a:solidFill>
+                  <a:srgbClr val="FF0000"/>
+                </a:solidFill>
+              </a:rPr>
+              <a:t>最低資金</a:t>
+            </a:r>
+            <a:r>
+              <a:rPr lang="ja-JP" altLang="en-US" dirty="0"/>
+              <a:t>でありながら</a:t>
+            </a:r>
+            <a:r>
+              <a:rPr lang="ja-JP" altLang="en-US" dirty="0">
+                <a:solidFill>
+                  <a:srgbClr val="FF0000"/>
+                </a:solidFill>
+              </a:rPr>
+              <a:t>セイバーメトリクスを駆使</a:t>
+            </a:r>
+            <a:r>
+              <a:rPr lang="ja-JP" altLang="en-US" dirty="0"/>
+              <a:t>し，全球団の中で</a:t>
+            </a:r>
+            <a:r>
+              <a:rPr lang="ja-JP" altLang="en-US" dirty="0">
+                <a:solidFill>
+                  <a:srgbClr val="FF0000"/>
+                </a:solidFill>
+              </a:rPr>
+              <a:t>最高の勝率を記録</a:t>
+            </a:r>
+            <a:r>
+              <a:rPr lang="ja-JP" altLang="en-US" dirty="0"/>
+              <a:t>したチームの物語である．</a:t>
+            </a:r>
+          </a:p>
+        </p:txBody>
+      </p:sp>
+      <p:sp>
+        <p:nvSpPr>
+          <p:cNvPr id="52" name="正方形/長方形 51"/>
+          <p:cNvSpPr/>
+          <p:nvPr/>
+        </p:nvSpPr>
+        <p:spPr>
+          <a:xfrm>
+            <a:off x="831180" y="11961477"/>
+            <a:ext cx="8112485" cy="3416320"/>
+          </a:xfrm>
+          <a:prstGeom prst="rect">
+            <a:avLst/>
+          </a:prstGeom>
+          <a:noFill/>
+        </p:spPr>
+        <p:txBody>
+          <a:bodyPr wrap="square" lIns="91440" tIns="45720" rIns="91440" bIns="45720">
+            <a:spAutoFit/>
+          </a:bodyPr>
+          <a:lstStyle/>
+          <a:p>
+            <a:pPr algn="ctr"/>
+            <a:r>
+              <a:rPr kumimoji="1" lang="ja-JP" altLang="en-US" sz="5400" b="1" cap="none" spc="0" dirty="0" smtClean="0">
+                <a:ln w="19050">
+                  <a:solidFill>
+                    <a:schemeClr val="tx2">
+                      <a:tint val="1000"/>
+                    </a:schemeClr>
+                  </a:solidFill>
+                  <a:prstDash val="solid"/>
+                </a:ln>
+                <a:solidFill>
+                  <a:schemeClr val="accent3"/>
+                </a:solidFill>
+                <a:effectLst>
+                  <a:outerShdw blurRad="50000" dist="50800" dir="7500000" algn="tl">
+                    <a:srgbClr val="000000">
+                      <a:shade val="5000"/>
+                      <a:alpha val="35000"/>
+                    </a:srgbClr>
+                  </a:outerShdw>
+                </a:effectLst>
+              </a:rPr>
+              <a:t>サッカーチームでマネーボールを参考にした</a:t>
+            </a:r>
+            <a:endParaRPr kumimoji="1" lang="en-US" altLang="ja-JP" sz="5400" b="1" cap="none" spc="0" dirty="0" smtClean="0">
+              <a:ln w="19050">
+                <a:solidFill>
+                  <a:schemeClr val="tx2">
+                    <a:tint val="1000"/>
+                  </a:schemeClr>
+                </a:solidFill>
+                <a:prstDash val="solid"/>
+              </a:ln>
+              <a:solidFill>
+                <a:schemeClr val="accent3"/>
+              </a:solidFill>
+              <a:effectLst>
+                <a:outerShdw blurRad="50000" dist="50800" dir="7500000" algn="tl">
+                  <a:srgbClr val="000000">
+                    <a:shade val="5000"/>
+                    <a:alpha val="35000"/>
+                  </a:srgbClr>
+                </a:outerShdw>
+              </a:effectLst>
+            </a:endParaRPr>
+          </a:p>
+          <a:p>
+            <a:pPr algn="ctr"/>
+            <a:r>
+              <a:rPr kumimoji="1" lang="ja-JP" altLang="en-US" sz="5400" b="1" cap="none" spc="0" dirty="0" smtClean="0">
+                <a:ln w="19050">
+                  <a:solidFill>
+                    <a:schemeClr val="tx2">
+                      <a:tint val="1000"/>
+                    </a:schemeClr>
+                  </a:solidFill>
+                  <a:prstDash val="solid"/>
+                </a:ln>
+                <a:solidFill>
+                  <a:schemeClr val="accent3"/>
+                </a:solidFill>
+                <a:effectLst>
+                  <a:outerShdw blurRad="50000" dist="50800" dir="7500000" algn="tl">
+                    <a:srgbClr val="000000">
+                      <a:shade val="5000"/>
+                      <a:alpha val="35000"/>
+                    </a:srgbClr>
+                  </a:outerShdw>
+                </a:effectLst>
+              </a:rPr>
+              <a:t>戦術で成功収めた</a:t>
+            </a:r>
+            <a:endParaRPr kumimoji="1" lang="en-US" altLang="ja-JP" sz="5400" b="1" cap="none" spc="0" dirty="0" smtClean="0">
+              <a:ln w="19050">
+                <a:solidFill>
+                  <a:schemeClr val="tx2">
+                    <a:tint val="1000"/>
+                  </a:schemeClr>
+                </a:solidFill>
+                <a:prstDash val="solid"/>
+              </a:ln>
+              <a:solidFill>
+                <a:schemeClr val="accent3"/>
+              </a:solidFill>
+              <a:effectLst>
+                <a:outerShdw blurRad="50000" dist="50800" dir="7500000" algn="tl">
+                  <a:srgbClr val="000000">
+                    <a:shade val="5000"/>
+                    <a:alpha val="35000"/>
+                  </a:srgbClr>
+                </a:outerShdw>
+              </a:effectLst>
+            </a:endParaRPr>
+          </a:p>
+          <a:p>
+            <a:pPr algn="ctr"/>
+            <a:r>
+              <a:rPr kumimoji="1" lang="ja-JP" altLang="en-US" sz="5400" b="1" cap="none" spc="0" dirty="0" smtClean="0">
+                <a:ln w="19050">
+                  <a:solidFill>
+                    <a:schemeClr val="tx2">
+                      <a:tint val="1000"/>
+                    </a:schemeClr>
+                  </a:solidFill>
+                  <a:prstDash val="solid"/>
+                </a:ln>
+                <a:solidFill>
+                  <a:schemeClr val="accent3"/>
+                </a:solidFill>
+                <a:effectLst>
+                  <a:outerShdw blurRad="50000" dist="50800" dir="7500000" algn="tl">
+                    <a:srgbClr val="000000">
+                      <a:shade val="5000"/>
+                      <a:alpha val="35000"/>
+                    </a:srgbClr>
+                  </a:outerShdw>
+                </a:effectLst>
+              </a:rPr>
+              <a:t>チームが！！</a:t>
+            </a:r>
+            <a:endParaRPr lang="ja-JP" altLang="en-US" sz="5400" b="1" cap="none" spc="0" dirty="0">
+              <a:ln w="19050">
+                <a:solidFill>
+                  <a:schemeClr val="tx2">
+                    <a:tint val="1000"/>
+                  </a:schemeClr>
+                </a:solidFill>
+                <a:prstDash val="solid"/>
+              </a:ln>
+              <a:solidFill>
+                <a:schemeClr val="accent3"/>
+              </a:solidFill>
+              <a:effectLst>
+                <a:outerShdw blurRad="50000" dist="50800" dir="7500000" algn="tl">
+                  <a:srgbClr val="000000">
+                    <a:shade val="5000"/>
+                    <a:alpha val="35000"/>
+                  </a:srgbClr>
+                </a:outerShdw>
+              </a:effectLst>
+            </a:endParaRPr>
+          </a:p>
+        </p:txBody>
+      </p:sp>
+      <p:sp>
+        <p:nvSpPr>
+          <p:cNvPr id="56" name="円/楕円 55"/>
+          <p:cNvSpPr/>
+          <p:nvPr/>
+        </p:nvSpPr>
+        <p:spPr>
+          <a:xfrm>
+            <a:off x="396256" y="16580147"/>
+            <a:ext cx="4491167" cy="2384516"/>
+          </a:xfrm>
+          <a:prstGeom prst="ellipse">
+            <a:avLst/>
+          </a:prstGeom>
+          <a:solidFill>
+            <a:schemeClr val="bg1"/>
+          </a:solidFill>
+        </p:spPr>
+        <p:style>
+          <a:lnRef idx="2">
+            <a:schemeClr val="accent1">
+              <a:shade val="50000"/>
+            </a:schemeClr>
+          </a:lnRef>
+          <a:fillRef idx="1">
+            <a:schemeClr val="accent1"/>
+          </a:fillRef>
+          <a:effectRef idx="0">
+            <a:schemeClr val="accent1"/>
+          </a:effectRef>
+          <a:fontRef idx="minor">
+            <a:schemeClr val="lt1"/>
+          </a:fontRef>
+        </p:style>
+        <p:txBody>
+          <a:bodyPr lIns="165872" tIns="82935" rIns="165872" bIns="82935" spcCol="0" rtlCol="0" anchor="ctr"/>
+          <a:lstStyle/>
+          <a:p>
+            <a:pPr algn="ctr"/>
+            <a:r>
+              <a:rPr lang="ja-JP" altLang="en-US" sz="6000" b="1" dirty="0">
+                <a:solidFill>
+                  <a:schemeClr val="bg2">
+                    <a:lumMod val="10000"/>
+                  </a:schemeClr>
+                </a:solidFill>
+              </a:rPr>
+              <a:t>目的</a:t>
+            </a:r>
+            <a:endParaRPr kumimoji="1" lang="ja-JP" altLang="en-US" sz="6000" b="1" dirty="0">
+              <a:solidFill>
+                <a:schemeClr val="bg2">
+                  <a:lumMod val="10000"/>
+                </a:schemeClr>
+              </a:solidFill>
+            </a:endParaRPr>
+          </a:p>
+        </p:txBody>
+      </p:sp>
+      <p:sp>
+        <p:nvSpPr>
+          <p:cNvPr id="57" name="角丸四角形 56"/>
+          <p:cNvSpPr/>
+          <p:nvPr/>
+        </p:nvSpPr>
+        <p:spPr>
+          <a:xfrm>
+            <a:off x="540272" y="20684603"/>
+            <a:ext cx="9545021" cy="7272808"/>
+          </a:xfrm>
+          <a:prstGeom prst="roundRect">
+            <a:avLst/>
+          </a:prstGeom>
+          <a:solidFill>
+            <a:schemeClr val="bg1"/>
+          </a:solidFill>
+        </p:spPr>
+        <p:style>
+          <a:lnRef idx="2">
+            <a:schemeClr val="accent1">
+              <a:shade val="50000"/>
+            </a:schemeClr>
+          </a:lnRef>
+          <a:fillRef idx="1">
+            <a:schemeClr val="accent1"/>
+          </a:fillRef>
+          <a:effectRef idx="0">
+            <a:schemeClr val="accent1"/>
+          </a:effectRef>
+          <a:fontRef idx="minor">
+            <a:schemeClr val="lt1"/>
+          </a:fontRef>
+        </p:style>
+        <p:txBody>
+          <a:bodyPr lIns="165872" tIns="82935" rIns="165872" bIns="82935" spcCol="0" rtlCol="0" anchor="ctr"/>
+          <a:lstStyle/>
+          <a:p>
+            <a:r>
+              <a:rPr lang="ja-JP" altLang="en-US" sz="4800" dirty="0">
+                <a:solidFill>
+                  <a:schemeClr val="tx1"/>
+                </a:solidFill>
+              </a:rPr>
+              <a:t>データマイニングを活用</a:t>
+            </a:r>
+            <a:r>
+              <a:rPr lang="ja-JP" altLang="en-US" sz="4800" dirty="0" smtClean="0">
+                <a:solidFill>
+                  <a:schemeClr val="tx1"/>
+                </a:solidFill>
+              </a:rPr>
+              <a:t>して選手</a:t>
+            </a:r>
+            <a:r>
+              <a:rPr lang="ja-JP" altLang="en-US" sz="4800" dirty="0">
+                <a:solidFill>
+                  <a:schemeClr val="tx1"/>
+                </a:solidFill>
+              </a:rPr>
+              <a:t>の能力</a:t>
+            </a:r>
+            <a:r>
+              <a:rPr lang="ja-JP" altLang="en-US" sz="4800" dirty="0" smtClean="0">
+                <a:solidFill>
+                  <a:schemeClr val="tx1"/>
+                </a:solidFill>
+              </a:rPr>
+              <a:t>を評価</a:t>
+            </a:r>
+            <a:r>
+              <a:rPr lang="ja-JP" altLang="en-US" sz="4800" dirty="0">
+                <a:solidFill>
+                  <a:schemeClr val="tx1"/>
+                </a:solidFill>
+              </a:rPr>
+              <a:t>する方法の</a:t>
+            </a:r>
+            <a:r>
+              <a:rPr lang="ja-JP" altLang="en-US" sz="4800" dirty="0" smtClean="0">
+                <a:solidFill>
+                  <a:schemeClr val="tx1"/>
+                </a:solidFill>
+              </a:rPr>
+              <a:t>，サッカー</a:t>
+            </a:r>
+            <a:r>
+              <a:rPr lang="ja-JP" altLang="en-US" sz="4800" dirty="0">
+                <a:solidFill>
+                  <a:schemeClr val="tx1"/>
+                </a:solidFill>
+              </a:rPr>
+              <a:t>における有効性を確認する</a:t>
+            </a:r>
+            <a:r>
+              <a:rPr lang="ja-JP" altLang="en-US" sz="4800" dirty="0" smtClean="0">
+                <a:solidFill>
+                  <a:schemeClr val="tx1"/>
+                </a:solidFill>
+              </a:rPr>
+              <a:t>．</a:t>
+            </a:r>
+            <a:endParaRPr kumimoji="1" lang="en-US" altLang="ja-JP" sz="4800" dirty="0" smtClean="0">
+              <a:solidFill>
+                <a:schemeClr val="tx1"/>
+              </a:solidFill>
+            </a:endParaRPr>
+          </a:p>
+          <a:p>
+            <a:pPr algn="ctr"/>
+            <a:endParaRPr kumimoji="1" lang="ja-JP" altLang="en-US" dirty="0">
+              <a:solidFill>
+                <a:schemeClr val="tx1"/>
+              </a:solidFill>
+            </a:endParaRPr>
+          </a:p>
+        </p:txBody>
+      </p:sp>
+      <p:sp>
+        <p:nvSpPr>
+          <p:cNvPr id="58" name="円/楕円 57"/>
+          <p:cNvSpPr/>
+          <p:nvPr/>
+        </p:nvSpPr>
+        <p:spPr>
+          <a:xfrm>
+            <a:off x="10090939" y="16580147"/>
+            <a:ext cx="7920880" cy="2384516"/>
+          </a:xfrm>
+          <a:prstGeom prst="ellipse">
+            <a:avLst/>
+          </a:prstGeom>
+          <a:solidFill>
+            <a:schemeClr val="bg1"/>
+          </a:solidFill>
+        </p:spPr>
+        <p:style>
+          <a:lnRef idx="2">
+            <a:schemeClr val="accent1">
+              <a:shade val="50000"/>
+            </a:schemeClr>
+          </a:lnRef>
+          <a:fillRef idx="1">
+            <a:schemeClr val="accent1"/>
+          </a:fillRef>
+          <a:effectRef idx="0">
+            <a:schemeClr val="accent1"/>
+          </a:effectRef>
+          <a:fontRef idx="minor">
+            <a:schemeClr val="lt1"/>
+          </a:fontRef>
+        </p:style>
+        <p:txBody>
+          <a:bodyPr lIns="165872" tIns="82935" rIns="165872" bIns="82935" spcCol="0" rtlCol="0" anchor="ctr"/>
+          <a:lstStyle/>
+          <a:p>
+            <a:pPr algn="ctr"/>
+            <a:r>
+              <a:rPr kumimoji="1" lang="en-US" altLang="ja-JP" sz="6000" b="1" dirty="0" smtClean="0">
+                <a:solidFill>
+                  <a:schemeClr val="bg2">
+                    <a:lumMod val="10000"/>
+                  </a:schemeClr>
+                </a:solidFill>
+                <a:latin typeface="Century" panose="02040604050505020304" pitchFamily="18" charset="0"/>
+              </a:rPr>
+              <a:t>PM</a:t>
+            </a:r>
+            <a:r>
+              <a:rPr kumimoji="1" lang="ja-JP" altLang="en-US" sz="6000" b="1" dirty="0" smtClean="0">
+                <a:solidFill>
+                  <a:schemeClr val="bg2">
+                    <a:lumMod val="10000"/>
+                  </a:schemeClr>
+                </a:solidFill>
+              </a:rPr>
+              <a:t>との関連性</a:t>
+            </a:r>
+            <a:endParaRPr kumimoji="1" lang="ja-JP" altLang="en-US" sz="6000" b="1" dirty="0">
+              <a:solidFill>
+                <a:schemeClr val="bg2">
+                  <a:lumMod val="10000"/>
+                </a:schemeClr>
+              </a:solidFill>
+            </a:endParaRPr>
+          </a:p>
+        </p:txBody>
+      </p:sp>
+      <p:sp>
+        <p:nvSpPr>
+          <p:cNvPr id="59" name="角丸四角形 58"/>
+          <p:cNvSpPr/>
+          <p:nvPr/>
+        </p:nvSpPr>
+        <p:spPr>
+          <a:xfrm>
+            <a:off x="11300258" y="20684603"/>
+            <a:ext cx="9545021" cy="7272808"/>
+          </a:xfrm>
+          <a:prstGeom prst="roundRect">
+            <a:avLst/>
+          </a:prstGeom>
+          <a:solidFill>
+            <a:schemeClr val="bg1"/>
+          </a:solidFill>
+        </p:spPr>
+        <p:style>
+          <a:lnRef idx="2">
+            <a:schemeClr val="accent1">
+              <a:shade val="50000"/>
+            </a:schemeClr>
+          </a:lnRef>
+          <a:fillRef idx="1">
+            <a:schemeClr val="accent1"/>
+          </a:fillRef>
+          <a:effectRef idx="0">
+            <a:schemeClr val="accent1"/>
+          </a:effectRef>
+          <a:fontRef idx="minor">
+            <a:schemeClr val="lt1"/>
+          </a:fontRef>
+        </p:style>
+        <p:txBody>
+          <a:bodyPr lIns="165872" tIns="82935" rIns="165872" bIns="82935" spcCol="0" rtlCol="0" anchor="ctr"/>
+          <a:lstStyle/>
+          <a:p>
+            <a:r>
+              <a:rPr lang="ja-JP" altLang="en-US" sz="4800" dirty="0">
+                <a:solidFill>
+                  <a:schemeClr val="tx1"/>
+                </a:solidFill>
+              </a:rPr>
+              <a:t>チームスポーツにおいてプレイヤーを評価する客観的な方法を確立することは</a:t>
+            </a:r>
+            <a:r>
+              <a:rPr lang="ja-JP" altLang="en-US" sz="4800" dirty="0" smtClean="0">
+                <a:solidFill>
+                  <a:schemeClr val="tx1"/>
+                </a:solidFill>
+              </a:rPr>
+              <a:t>，プロジェクト</a:t>
+            </a:r>
+            <a:r>
+              <a:rPr lang="ja-JP" altLang="en-US" sz="4800" dirty="0">
+                <a:solidFill>
+                  <a:schemeClr val="tx1"/>
+                </a:solidFill>
+              </a:rPr>
+              <a:t>においてメンバを評価する客観的な方法の確立につながる</a:t>
+            </a:r>
+            <a:r>
+              <a:rPr lang="ja-JP" altLang="en-US" sz="4800" dirty="0" smtClean="0">
+                <a:solidFill>
+                  <a:schemeClr val="tx1"/>
+                </a:solidFill>
+              </a:rPr>
+              <a:t>．本研究</a:t>
+            </a:r>
+            <a:r>
+              <a:rPr lang="ja-JP" altLang="en-US" sz="4800" dirty="0">
+                <a:solidFill>
+                  <a:schemeClr val="tx1"/>
+                </a:solidFill>
+              </a:rPr>
+              <a:t>で検証する手法は，</a:t>
+            </a:r>
+            <a:r>
+              <a:rPr lang="en-US" altLang="ja-JP" sz="4800" dirty="0">
+                <a:solidFill>
+                  <a:schemeClr val="tx1"/>
+                </a:solidFill>
+                <a:latin typeface="Century" panose="02040604050505020304" pitchFamily="18" charset="0"/>
+              </a:rPr>
+              <a:t>PM</a:t>
+            </a:r>
+            <a:r>
+              <a:rPr lang="ja-JP" altLang="en-US" sz="4800" dirty="0">
+                <a:solidFill>
+                  <a:schemeClr val="tx1"/>
+                </a:solidFill>
+              </a:rPr>
+              <a:t>の人材マネジメントに役立つだろう．</a:t>
+            </a:r>
+            <a:endParaRPr kumimoji="1" lang="ja-JP" altLang="en-US" dirty="0">
+              <a:solidFill>
+                <a:schemeClr val="tx1"/>
+              </a:solidFill>
+            </a:endParaRPr>
+          </a:p>
+        </p:txBody>
+      </p:sp>
+      <p:sp>
+        <p:nvSpPr>
+          <p:cNvPr id="7" name="雲形吹き出し 6"/>
+          <p:cNvSpPr/>
+          <p:nvPr/>
+        </p:nvSpPr>
+        <p:spPr>
+          <a:xfrm rot="5400000">
+            <a:off x="13857239" y="8189531"/>
+            <a:ext cx="3757616" cy="11301507"/>
+          </a:xfrm>
+          <a:prstGeom prst="cloudCallout">
+            <a:avLst/>
+          </a:prstGeom>
+          <a:solidFill>
+            <a:schemeClr val="bg1"/>
+          </a:solidFill>
+        </p:spPr>
+        <p:style>
+          <a:lnRef idx="2">
+            <a:schemeClr val="accent1">
+              <a:shade val="50000"/>
+            </a:schemeClr>
+          </a:lnRef>
+          <a:fillRef idx="1">
+            <a:schemeClr val="accent1"/>
+          </a:fillRef>
+          <a:effectRef idx="0">
+            <a:schemeClr val="accent1"/>
+          </a:effectRef>
+          <a:fontRef idx="minor">
+            <a:schemeClr val="lt1"/>
+          </a:fontRef>
+        </p:style>
+        <p:txBody>
+          <a:bodyPr vert="vert270" rtlCol="0" anchor="ctr"/>
+          <a:lstStyle/>
+          <a:p>
+            <a:r>
+              <a:rPr lang="ja-JP" altLang="en-US" dirty="0">
+                <a:solidFill>
+                  <a:schemeClr val="tx1"/>
+                </a:solidFill>
+              </a:rPr>
+              <a:t>成功したチームの戦術</a:t>
+            </a:r>
+          </a:p>
+          <a:p>
+            <a:r>
+              <a:rPr lang="ja-JP" altLang="en-US" dirty="0">
+                <a:solidFill>
+                  <a:schemeClr val="tx1"/>
+                </a:solidFill>
+              </a:rPr>
+              <a:t>・</a:t>
+            </a:r>
+            <a:r>
+              <a:rPr lang="ja-JP" altLang="en-US" dirty="0">
+                <a:solidFill>
+                  <a:srgbClr val="FF0000"/>
+                </a:solidFill>
+              </a:rPr>
+              <a:t>ポゼッション</a:t>
+            </a:r>
+            <a:r>
+              <a:rPr lang="ja-JP" altLang="en-US" dirty="0">
+                <a:solidFill>
+                  <a:schemeClr val="tx1"/>
+                </a:solidFill>
+              </a:rPr>
+              <a:t>（ボールキープ）重視</a:t>
+            </a:r>
+          </a:p>
+          <a:p>
+            <a:r>
+              <a:rPr lang="ja-JP" altLang="en-US" dirty="0">
+                <a:solidFill>
+                  <a:schemeClr val="tx1"/>
+                </a:solidFill>
+              </a:rPr>
+              <a:t>・敵の攻撃の芽を摘む</a:t>
+            </a:r>
+            <a:r>
+              <a:rPr lang="ja-JP" altLang="en-US" dirty="0">
+                <a:solidFill>
+                  <a:srgbClr val="FF0000"/>
+                </a:solidFill>
+              </a:rPr>
+              <a:t>ハードワーク</a:t>
+            </a:r>
+          </a:p>
+        </p:txBody>
+      </p:sp>
     </p:spTree>
     <p:extLst>
       <p:ext uri="{BB962C8B-B14F-4D97-AF65-F5344CB8AC3E}">
-        <p14:creationId xmlns:p14="http://schemas.microsoft.com/office/powerpoint/2010/main" val="1138555644"/>
+        <p14:creationId xmlns:p14="http://schemas.microsoft.com/office/powerpoint/2010/main" val="1572750926"/>
       </p:ext>
     </p:extLst>
   </p:cSld>
@@ -5700,7 +5790,7 @@
         </p:nvSpPr>
         <p:spPr>
           <a:xfrm>
-            <a:off x="183762" y="370095"/>
+            <a:off x="225569" y="370095"/>
             <a:ext cx="5427271" cy="2384516"/>
           </a:xfrm>
           <a:prstGeom prst="ellipse">
@@ -5753,13 +5843,13 @@
       </p:sp>
       <p:sp>
         <p:nvSpPr>
-          <p:cNvPr id="8" name="角丸四角形 7"/>
+          <p:cNvPr id="3" name="角丸四角形 2"/>
           <p:cNvSpPr/>
           <p:nvPr/>
         </p:nvSpPr>
         <p:spPr>
           <a:xfrm>
-            <a:off x="458907" y="2970635"/>
+            <a:off x="458907" y="3367690"/>
             <a:ext cx="20603645" cy="4499489"/>
           </a:xfrm>
           <a:prstGeom prst="roundRect">
@@ -5794,14 +5884,39 @@
               <a:buAutoNum type="circleNumDbPlain"/>
             </a:pPr>
             <a:r>
+              <a:rPr lang="en-US" altLang="ja-JP" sz="4000" dirty="0" smtClean="0">
+                <a:solidFill>
+                  <a:schemeClr val="tx1"/>
+                </a:solidFill>
+                <a:latin typeface="Century" panose="02040604050505020304" pitchFamily="18" charset="0"/>
+              </a:rPr>
+              <a:t>J</a:t>
+            </a:r>
+            <a:r>
               <a:rPr lang="ja-JP" altLang="en-US" sz="4000" dirty="0" smtClean="0">
                 <a:solidFill>
                   <a:schemeClr val="tx1"/>
                 </a:solidFill>
               </a:rPr>
-              <a:t>解析ツールを検討する．</a:t>
-            </a:r>
-            <a:endParaRPr lang="en-US" altLang="ja-JP" sz="4000" dirty="0">
+              <a:t>リーグ</a:t>
+            </a:r>
+            <a:r>
+              <a:rPr lang="ja-JP" altLang="en-US" sz="4000" dirty="0">
+                <a:solidFill>
+                  <a:schemeClr val="tx1"/>
+                </a:solidFill>
+              </a:rPr>
+              <a:t>のチームに関するデータを</a:t>
+            </a:r>
+            <a:r>
+              <a:rPr lang="ja-JP" altLang="en-US" sz="4000" dirty="0" smtClean="0">
+                <a:solidFill>
+                  <a:schemeClr val="tx1"/>
+                </a:solidFill>
+              </a:rPr>
+              <a:t>集める</a:t>
+            </a:r>
+            <a:endParaRPr lang="en-US" altLang="ja-JP" sz="4000" dirty="0" smtClean="0">
               <a:solidFill>
                 <a:schemeClr val="tx1"/>
               </a:solidFill>
@@ -5813,44 +5928,12 @@
               <a:buAutoNum type="circleNumDbPlain"/>
             </a:pPr>
             <a:r>
-              <a:rPr lang="ja-JP" altLang="en-US" sz="4000" dirty="0" smtClean="0">
+              <a:rPr lang="ja-JP" altLang="en-US" sz="4000" dirty="0">
                 <a:solidFill>
                   <a:schemeClr val="tx1"/>
                 </a:solidFill>
               </a:rPr>
-              <a:t>ボール支配率とチャンス構築率の</a:t>
-            </a:r>
-            <a:r>
-              <a:rPr lang="en-US" altLang="ja-JP" sz="4000" dirty="0" smtClean="0">
-                <a:solidFill>
-                  <a:schemeClr val="tx1"/>
-                </a:solidFill>
-              </a:rPr>
-              <a:t>1</a:t>
-            </a:r>
-            <a:r>
-              <a:rPr lang="ja-JP" altLang="en-US" sz="4000" dirty="0" smtClean="0">
-                <a:solidFill>
-                  <a:schemeClr val="tx1"/>
-                </a:solidFill>
-              </a:rPr>
-              <a:t>位と最下位のチームの成績とリーグの</a:t>
-            </a:r>
-            <a:r>
-              <a:rPr lang="en-US" altLang="ja-JP" sz="4000" dirty="0" smtClean="0">
-                <a:solidFill>
-                  <a:schemeClr val="tx1"/>
-                </a:solidFill>
-              </a:rPr>
-              <a:t>1</a:t>
-            </a:r>
-            <a:r>
-              <a:rPr lang="ja-JP" altLang="en-US" sz="4000" dirty="0" smtClean="0">
-                <a:solidFill>
-                  <a:schemeClr val="tx1"/>
-                </a:solidFill>
-              </a:rPr>
-              <a:t>位と最下位のチームの成績を比較する．</a:t>
+              <a:t>チームに関するデータを解析する</a:t>
             </a:r>
           </a:p>
           <a:p>
@@ -5859,12 +5942,13 @@
               <a:buAutoNum type="circleNumDbPlain"/>
             </a:pPr>
             <a:r>
-              <a:rPr lang="ja-JP" altLang="en-US" sz="4000" dirty="0" smtClean="0">
+              <a:rPr lang="en-US" altLang="ja-JP" sz="4000" dirty="0">
                 <a:solidFill>
                   <a:schemeClr val="tx1"/>
                 </a:solidFill>
+                <a:latin typeface="Century" panose="02040604050505020304" pitchFamily="18" charset="0"/>
               </a:rPr>
-              <a:t>選手</a:t>
+              <a:t>J</a:t>
             </a:r>
             <a:r>
               <a:rPr lang="ja-JP" altLang="en-US" sz="4000" dirty="0">
@@ -5872,23 +5956,7 @@
                   <a:schemeClr val="tx1"/>
                 </a:solidFill>
               </a:rPr>
-              <a:t>の成績をポジションごとに</a:t>
-            </a:r>
-            <a:r>
-              <a:rPr lang="ja-JP" altLang="en-US" sz="4000" dirty="0" smtClean="0">
-                <a:solidFill>
-                  <a:schemeClr val="tx1"/>
-                </a:solidFill>
-              </a:rPr>
-              <a:t>調査</a:t>
-            </a:r>
-            <a:r>
-              <a:rPr lang="ja-JP" altLang="en-US" sz="4000" dirty="0" smtClean="0">
-                <a:solidFill>
-                  <a:schemeClr val="tx1"/>
-                </a:solidFill>
-              </a:rPr>
-              <a:t>する．</a:t>
+              <a:t>リーグのプレイヤーに関するデータを集める</a:t>
             </a:r>
           </a:p>
           <a:p>
@@ -5902,7 +5970,7 @@
                   <a:schemeClr val="tx1"/>
                 </a:solidFill>
               </a:rPr>
-              <a:t>③</a:t>
+              <a:t>プレイヤーに関するデータを解析し，チームの成績との関係を</a:t>
             </a:r>
             <a:r>
               <a:rPr lang="ja-JP" altLang="en-US" sz="4000" dirty="0" smtClean="0">
@@ -5910,66 +5978,25 @@
                   <a:schemeClr val="tx1"/>
                 </a:solidFill>
               </a:rPr>
-              <a:t>調査</a:t>
-            </a:r>
-            <a:r>
-              <a:rPr lang="ja-JP" altLang="en-US" sz="4000" dirty="0" smtClean="0">
-                <a:solidFill>
-                  <a:schemeClr val="tx1"/>
-                </a:solidFill>
-              </a:rPr>
-              <a:t>したデータ</a:t>
-            </a:r>
-            <a:r>
-              <a:rPr lang="ja-JP" altLang="en-US" sz="4000" dirty="0" smtClean="0">
-                <a:solidFill>
-                  <a:schemeClr val="tx1"/>
-                </a:solidFill>
-              </a:rPr>
-              <a:t>を解析</a:t>
-            </a:r>
-            <a:r>
-              <a:rPr lang="ja-JP" altLang="en-US" sz="4000" dirty="0" smtClean="0">
-                <a:solidFill>
-                  <a:schemeClr val="tx1"/>
-                </a:solidFill>
-              </a:rPr>
-              <a:t>する．</a:t>
-            </a:r>
-          </a:p>
-          <a:p>
-            <a:pPr marL="742950" indent="-742950">
-              <a:buFont typeface="+mj-ea"/>
-              <a:buAutoNum type="circleNumDbPlain"/>
-            </a:pPr>
-            <a:r>
-              <a:rPr lang="ja-JP" altLang="en-US" sz="4000" dirty="0" smtClean="0">
-                <a:solidFill>
-                  <a:schemeClr val="tx1"/>
-                </a:solidFill>
-              </a:rPr>
-              <a:t>どの</a:t>
-            </a:r>
-            <a:r>
-              <a:rPr lang="ja-JP" altLang="en-US" sz="4000" dirty="0" smtClean="0">
-                <a:solidFill>
-                  <a:schemeClr val="tx1"/>
-                </a:solidFill>
-              </a:rPr>
-              <a:t>選手を獲得すればポゼッションの高いチームを作れるかを提案する．</a:t>
-            </a:r>
-          </a:p>
-        </p:txBody>
-      </p:sp>
-      <p:sp>
-        <p:nvSpPr>
-          <p:cNvPr id="9" name="円/楕円 8"/>
+              <a:t>見出す</a:t>
+            </a:r>
+            <a:endParaRPr lang="ja-JP" altLang="en-US" sz="4000" dirty="0">
+              <a:solidFill>
+                <a:schemeClr val="tx1"/>
+              </a:solidFill>
+            </a:endParaRPr>
+          </a:p>
+        </p:txBody>
+      </p:sp>
+      <p:sp>
+        <p:nvSpPr>
+          <p:cNvPr id="4" name="円/楕円 3"/>
           <p:cNvSpPr/>
           <p:nvPr/>
         </p:nvSpPr>
         <p:spPr>
           <a:xfrm>
-            <a:off x="0" y="7795171"/>
+            <a:off x="225569" y="8795031"/>
             <a:ext cx="5427271" cy="2384516"/>
           </a:xfrm>
           <a:prstGeom prst="ellipse">
@@ -6020,960 +6047,62 @@
           </a:p>
         </p:txBody>
       </p:sp>
-      <p:sp>
-        <p:nvSpPr>
-          <p:cNvPr id="10" name="角丸四角形 9"/>
-          <p:cNvSpPr/>
+      <p:pic>
+        <p:nvPicPr>
+          <p:cNvPr id="1027" name="Picture 3" descr="C:\it-chiba\ボール支配率.jpg"/>
+          <p:cNvPicPr>
+            <a:picLocks noChangeAspect="1" noChangeArrowheads="1"/>
+          </p:cNvPicPr>
           <p:nvPr/>
-        </p:nvSpPr>
-        <p:spPr>
-          <a:xfrm>
-            <a:off x="458907" y="10531475"/>
-            <a:ext cx="20603645" cy="3456384"/>
-          </a:xfrm>
-          <a:prstGeom prst="roundRect">
-            <a:avLst/>
-          </a:prstGeom>
-          <a:solidFill>
-            <a:schemeClr val="bg1"/>
-          </a:solidFill>
-        </p:spPr>
-        <p:style>
-          <a:lnRef idx="2">
-            <a:schemeClr val="accent1">
-              <a:shade val="50000"/>
-            </a:schemeClr>
-          </a:lnRef>
-          <a:fillRef idx="1">
-            <a:schemeClr val="accent1"/>
-          </a:fillRef>
-          <a:effectRef idx="0">
-            <a:schemeClr val="accent1"/>
-          </a:effectRef>
-          <a:fontRef idx="minor">
-            <a:schemeClr val="lt1"/>
-          </a:fontRef>
-        </p:style>
-        <p:txBody>
-          <a:bodyPr lIns="165872" tIns="82935" rIns="165872" bIns="82935" spcCol="0" rtlCol="0" anchor="ctr"/>
-          <a:lstStyle/>
-          <a:p>
-            <a:pPr algn="ctr"/>
-            <a:r>
-              <a:rPr lang="ja-JP" altLang="en-US" sz="4400" dirty="0" smtClean="0">
-                <a:solidFill>
-                  <a:schemeClr val="tx1"/>
-                </a:solidFill>
-              </a:rPr>
-              <a:t>解析するためのツールがどのくらいあるかまた，それぞれどのような解析ができるかについて調査している．また，ボール支配率とチャンス構築率の</a:t>
-            </a:r>
-            <a:r>
-              <a:rPr lang="en-US" altLang="ja-JP" sz="4400" dirty="0" smtClean="0">
-                <a:solidFill>
-                  <a:schemeClr val="tx1"/>
-                </a:solidFill>
-              </a:rPr>
-              <a:t>1</a:t>
-            </a:r>
-            <a:r>
-              <a:rPr lang="ja-JP" altLang="en-US" sz="4400" dirty="0" smtClean="0">
-                <a:solidFill>
-                  <a:schemeClr val="tx1"/>
-                </a:solidFill>
-              </a:rPr>
-              <a:t>位と最下位のチームの成績とリーグの</a:t>
-            </a:r>
-            <a:r>
-              <a:rPr lang="en-US" altLang="ja-JP" sz="4400" dirty="0" smtClean="0">
-                <a:solidFill>
-                  <a:schemeClr val="tx1"/>
-                </a:solidFill>
-              </a:rPr>
-              <a:t>1</a:t>
-            </a:r>
-            <a:r>
-              <a:rPr lang="ja-JP" altLang="en-US" sz="4400" dirty="0" smtClean="0">
-                <a:solidFill>
-                  <a:schemeClr val="tx1"/>
-                </a:solidFill>
-              </a:rPr>
-              <a:t>位と最下位のチームの成績を</a:t>
-            </a:r>
-            <a:r>
-              <a:rPr lang="ja-JP" altLang="en-US" sz="4400" dirty="0" smtClean="0">
-                <a:solidFill>
-                  <a:schemeClr val="tx1"/>
-                </a:solidFill>
-              </a:rPr>
-              <a:t>比較</a:t>
-            </a:r>
-            <a:r>
-              <a:rPr lang="ja-JP" altLang="en-US" sz="4400" dirty="0" smtClean="0">
-                <a:solidFill>
-                  <a:schemeClr val="tx1"/>
-                </a:solidFill>
-              </a:rPr>
-              <a:t>した．</a:t>
-            </a:r>
-            <a:endParaRPr lang="ja-JP" altLang="en-US" sz="4400" dirty="0">
-              <a:solidFill>
-                <a:schemeClr val="tx1"/>
-              </a:solidFill>
-            </a:endParaRPr>
-          </a:p>
-        </p:txBody>
-      </p:sp>
-      <p:sp>
-        <p:nvSpPr>
-          <p:cNvPr id="11" name="円/楕円 10"/>
-          <p:cNvSpPr/>
-          <p:nvPr/>
-        </p:nvSpPr>
-        <p:spPr>
-          <a:xfrm>
-            <a:off x="183762" y="20604343"/>
-            <a:ext cx="5940872" cy="2384516"/>
-          </a:xfrm>
-          <a:prstGeom prst="ellipse">
-            <a:avLst/>
-          </a:prstGeom>
-          <a:solidFill>
-            <a:schemeClr val="bg1"/>
-          </a:solidFill>
-        </p:spPr>
-        <p:style>
-          <a:lnRef idx="2">
-            <a:schemeClr val="accent1">
-              <a:shade val="50000"/>
-            </a:schemeClr>
-          </a:lnRef>
-          <a:fillRef idx="1">
-            <a:schemeClr val="accent1"/>
-          </a:fillRef>
-          <a:effectRef idx="0">
-            <a:schemeClr val="accent1"/>
-          </a:effectRef>
-          <a:fontRef idx="minor">
-            <a:schemeClr val="lt1"/>
-          </a:fontRef>
-        </p:style>
-        <p:txBody>
-          <a:bodyPr lIns="165872" tIns="82935" rIns="165872" bIns="82935" spcCol="0" rtlCol="0" anchor="ctr"/>
-          <a:lstStyle/>
-          <a:p>
-            <a:pPr algn="ctr"/>
-            <a:r>
-              <a:rPr kumimoji="1" lang="ja-JP" altLang="en-US" sz="6000" b="1" dirty="0" smtClean="0">
-                <a:solidFill>
-                  <a:schemeClr val="bg2">
-                    <a:lumMod val="10000"/>
-                  </a:schemeClr>
-                </a:solidFill>
-              </a:rPr>
-              <a:t>今後の計画</a:t>
-            </a:r>
-            <a:endParaRPr kumimoji="1" lang="ja-JP" altLang="en-US" sz="6000" b="1" dirty="0">
-              <a:solidFill>
-                <a:schemeClr val="bg2">
-                  <a:lumMod val="10000"/>
-                </a:schemeClr>
-              </a:solidFill>
-            </a:endParaRPr>
-          </a:p>
-        </p:txBody>
-      </p:sp>
-      <p:graphicFrame>
-        <p:nvGraphicFramePr>
-          <p:cNvPr id="13" name="表 12"/>
-          <p:cNvGraphicFramePr>
-            <a:graphicFrameLocks noGrp="1"/>
-          </p:cNvGraphicFramePr>
-          <p:nvPr>
-            <p:extLst>
-              <p:ext uri="{D42A27DB-BD31-4B8C-83A1-F6EECF244321}">
-                <p14:modId xmlns:p14="http://schemas.microsoft.com/office/powerpoint/2010/main" val="1626169117"/>
-              </p:ext>
-            </p:extLst>
-          </p:nvPr>
-        </p:nvGraphicFramePr>
-        <p:xfrm>
-          <a:off x="216461" y="23562185"/>
-          <a:ext cx="20846091" cy="6339442"/>
-        </p:xfrm>
-        <a:graphic>
-          <a:graphicData uri="http://schemas.openxmlformats.org/drawingml/2006/table">
-            <a:tbl>
-              <a:tblPr firstRow="1" bandRow="1">
-                <a:tableStyleId>{5C22544A-7EE6-4342-B048-85BDC9FD1C3A}</a:tableStyleId>
-              </a:tblPr>
-              <a:tblGrid>
-                <a:gridCol w="8650892"/>
-                <a:gridCol w="12195199"/>
-              </a:tblGrid>
-              <a:tr h="1321883">
-                <a:tc>
-                  <a:txBody>
-                    <a:bodyPr/>
-                    <a:lstStyle/>
-                    <a:p>
-                      <a:pPr algn="ctr"/>
-                      <a:r>
-                        <a:rPr kumimoji="1" lang="ja-JP" altLang="en-US" sz="4400" dirty="0" smtClean="0"/>
-                        <a:t>日付	</a:t>
-                      </a:r>
-                      <a:endParaRPr kumimoji="1" lang="ja-JP" altLang="en-US" sz="4400" dirty="0"/>
-                    </a:p>
-                  </a:txBody>
-                  <a:tcPr anchor="ctr"/>
-                </a:tc>
-                <a:tc>
-                  <a:txBody>
-                    <a:bodyPr/>
-                    <a:lstStyle/>
-                    <a:p>
-                      <a:pPr algn="ctr"/>
-                      <a:r>
-                        <a:rPr kumimoji="1" lang="ja-JP" altLang="en-US" sz="4400" dirty="0" smtClean="0"/>
-                        <a:t>内容</a:t>
-                      </a:r>
-                    </a:p>
-                  </a:txBody>
-                  <a:tcPr anchor="ctr"/>
-                </a:tc>
-              </a:tr>
-              <a:tr h="828430">
-                <a:tc>
-                  <a:txBody>
-                    <a:bodyPr/>
-                    <a:lstStyle/>
-                    <a:p>
-                      <a:r>
-                        <a:rPr kumimoji="1" lang="en-US" altLang="ja-JP" sz="4400" dirty="0" smtClean="0"/>
-                        <a:t>2013</a:t>
-                      </a:r>
-                      <a:r>
-                        <a:rPr kumimoji="1" lang="ja-JP" altLang="en-US" sz="4400" dirty="0" smtClean="0"/>
-                        <a:t>年</a:t>
-                      </a:r>
-                      <a:r>
-                        <a:rPr kumimoji="1" lang="en-US" altLang="ja-JP" sz="4400" dirty="0" smtClean="0"/>
-                        <a:t>12</a:t>
-                      </a:r>
-                      <a:r>
-                        <a:rPr kumimoji="1" lang="ja-JP" altLang="en-US" sz="4400" dirty="0" smtClean="0"/>
-                        <a:t>月～</a:t>
-                      </a:r>
-                      <a:r>
-                        <a:rPr kumimoji="1" lang="en-US" altLang="ja-JP" sz="4400" dirty="0" smtClean="0"/>
-                        <a:t>2014</a:t>
-                      </a:r>
-                      <a:r>
-                        <a:rPr kumimoji="1" lang="ja-JP" altLang="en-US" sz="4400" dirty="0" smtClean="0"/>
-                        <a:t>年</a:t>
-                      </a:r>
-                      <a:r>
-                        <a:rPr kumimoji="1" lang="en-US" altLang="ja-JP" sz="4400" dirty="0" smtClean="0"/>
-                        <a:t>1</a:t>
-                      </a:r>
-                      <a:r>
-                        <a:rPr kumimoji="1" lang="ja-JP" altLang="en-US" sz="4400" dirty="0" smtClean="0"/>
-                        <a:t>月</a:t>
-                      </a:r>
-                      <a:endParaRPr kumimoji="1" lang="ja-JP" altLang="en-US" sz="4400" dirty="0"/>
-                    </a:p>
-                  </a:txBody>
-                  <a:tcPr/>
-                </a:tc>
-                <a:tc>
-                  <a:txBody>
-                    <a:bodyPr/>
-                    <a:lstStyle/>
-                    <a:p>
-                      <a:r>
-                        <a:rPr kumimoji="1" lang="ja-JP" altLang="en-US" sz="4400" dirty="0" smtClean="0"/>
-                        <a:t>選手</a:t>
-                      </a:r>
-                      <a:r>
-                        <a:rPr kumimoji="1" lang="ja-JP" altLang="en-US" sz="4400" dirty="0" smtClean="0"/>
-                        <a:t>の成績</a:t>
-                      </a:r>
-                      <a:r>
-                        <a:rPr kumimoji="1" lang="ja-JP" altLang="en-US" sz="4400" dirty="0" smtClean="0"/>
-                        <a:t>をポジション別に調査</a:t>
-                      </a:r>
-                      <a:endParaRPr kumimoji="1" lang="ja-JP" altLang="en-US" sz="4400" dirty="0" smtClean="0"/>
-                    </a:p>
-                  </a:txBody>
-                  <a:tcPr/>
-                </a:tc>
-              </a:tr>
-              <a:tr h="894637">
-                <a:tc>
-                  <a:txBody>
-                    <a:bodyPr/>
-                    <a:lstStyle/>
-                    <a:p>
-                      <a:r>
-                        <a:rPr kumimoji="1" lang="en-US" altLang="ja-JP" sz="4400" dirty="0" smtClean="0"/>
-                        <a:t>2014</a:t>
-                      </a:r>
-                      <a:r>
-                        <a:rPr kumimoji="1" lang="ja-JP" altLang="en-US" sz="4400" dirty="0" smtClean="0"/>
-                        <a:t>年</a:t>
-                      </a:r>
-                      <a:r>
-                        <a:rPr kumimoji="1" lang="en-US" altLang="ja-JP" sz="4400" dirty="0" smtClean="0"/>
-                        <a:t>2</a:t>
-                      </a:r>
-                      <a:r>
-                        <a:rPr kumimoji="1" lang="ja-JP" altLang="en-US" sz="4400" dirty="0" smtClean="0"/>
-                        <a:t>月～</a:t>
-                      </a:r>
-                      <a:r>
-                        <a:rPr kumimoji="1" lang="en-US" altLang="ja-JP" sz="4400" dirty="0" smtClean="0"/>
-                        <a:t>2014</a:t>
-                      </a:r>
-                      <a:r>
-                        <a:rPr kumimoji="1" lang="ja-JP" altLang="en-US" sz="4400" dirty="0" smtClean="0"/>
-                        <a:t>年</a:t>
-                      </a:r>
-                      <a:r>
-                        <a:rPr kumimoji="1" lang="en-US" altLang="ja-JP" sz="4400" dirty="0" smtClean="0"/>
-                        <a:t>5</a:t>
-                      </a:r>
-                      <a:r>
-                        <a:rPr kumimoji="1" lang="ja-JP" altLang="en-US" sz="4400" dirty="0" smtClean="0"/>
-                        <a:t>月</a:t>
-                      </a:r>
-                      <a:endParaRPr kumimoji="1" lang="ja-JP" altLang="en-US" sz="4400" dirty="0"/>
-                    </a:p>
-                  </a:txBody>
-                  <a:tcPr/>
-                </a:tc>
-                <a:tc>
-                  <a:txBody>
-                    <a:bodyPr/>
-                    <a:lstStyle/>
-                    <a:p>
-                      <a:r>
-                        <a:rPr kumimoji="1" lang="ja-JP" altLang="en-US" sz="4400" dirty="0" smtClean="0"/>
-                        <a:t>調査したデータを解析</a:t>
-                      </a:r>
-                      <a:endParaRPr kumimoji="1" lang="ja-JP" altLang="en-US" sz="4400" dirty="0" smtClean="0"/>
-                    </a:p>
-                  </a:txBody>
-                  <a:tcPr/>
-                </a:tc>
-              </a:tr>
-              <a:tr h="1505218">
-                <a:tc>
-                  <a:txBody>
-                    <a:bodyPr/>
-                    <a:lstStyle/>
-                    <a:p>
-                      <a:r>
-                        <a:rPr kumimoji="1" lang="en-US" altLang="ja-JP" sz="4400" dirty="0" smtClean="0"/>
-                        <a:t>2014</a:t>
-                      </a:r>
-                      <a:r>
-                        <a:rPr kumimoji="1" lang="ja-JP" altLang="en-US" sz="4400" dirty="0" smtClean="0"/>
-                        <a:t>年</a:t>
-                      </a:r>
-                      <a:r>
-                        <a:rPr kumimoji="1" lang="en-US" altLang="ja-JP" sz="4400" dirty="0" smtClean="0"/>
-                        <a:t>6</a:t>
-                      </a:r>
-                      <a:r>
-                        <a:rPr kumimoji="1" lang="ja-JP" altLang="en-US" sz="4400" dirty="0" smtClean="0"/>
-                        <a:t>月～</a:t>
-                      </a:r>
-                      <a:r>
-                        <a:rPr kumimoji="1" lang="en-US" altLang="ja-JP" sz="4400" dirty="0" smtClean="0"/>
-                        <a:t>2014</a:t>
-                      </a:r>
-                      <a:r>
-                        <a:rPr kumimoji="1" lang="ja-JP" altLang="en-US" sz="4400" dirty="0" smtClean="0"/>
-                        <a:t>年</a:t>
-                      </a:r>
-                      <a:r>
-                        <a:rPr kumimoji="1" lang="en-US" altLang="ja-JP" sz="4400" dirty="0" smtClean="0"/>
-                        <a:t>9</a:t>
-                      </a:r>
-                      <a:r>
-                        <a:rPr kumimoji="1" lang="ja-JP" altLang="en-US" sz="4400" dirty="0" smtClean="0"/>
-                        <a:t>月</a:t>
-                      </a:r>
-                      <a:endParaRPr kumimoji="1" lang="ja-JP" altLang="en-US" sz="4400" dirty="0"/>
-                    </a:p>
-                  </a:txBody>
-                  <a:tcPr anchor="ctr"/>
-                </a:tc>
-                <a:tc>
-                  <a:txBody>
-                    <a:bodyPr/>
-                    <a:lstStyle/>
-                    <a:p>
-                      <a:r>
-                        <a:rPr kumimoji="1" lang="ja-JP" altLang="en-US" sz="4400" dirty="0" smtClean="0"/>
-                        <a:t>どの選手を獲得すればポゼッションの高いチームを作れるかを提案</a:t>
-                      </a:r>
-                      <a:endParaRPr kumimoji="1" lang="ja-JP" altLang="en-US" sz="4400" dirty="0" smtClean="0"/>
-                    </a:p>
-                  </a:txBody>
-                  <a:tcPr/>
-                </a:tc>
-              </a:tr>
-              <a:tr h="894637">
-                <a:tc>
-                  <a:txBody>
-                    <a:bodyPr/>
-                    <a:lstStyle/>
-                    <a:p>
-                      <a:r>
-                        <a:rPr kumimoji="1" lang="en-US" altLang="zh-TW" sz="4400" dirty="0" smtClean="0">
-                          <a:latin typeface="+mn-lt"/>
-                        </a:rPr>
-                        <a:t>2014</a:t>
-                      </a:r>
-                      <a:r>
-                        <a:rPr kumimoji="1" lang="zh-TW" altLang="en-US" sz="4400" dirty="0" smtClean="0">
-                          <a:latin typeface="HGPｺﾞｼｯｸE" panose="020B0900000000000000" pitchFamily="50" charset="-128"/>
-                          <a:ea typeface="HGPｺﾞｼｯｸE" panose="020B0900000000000000" pitchFamily="50" charset="-128"/>
-                        </a:rPr>
-                        <a:t>年</a:t>
-                      </a:r>
-                      <a:r>
-                        <a:rPr kumimoji="1" lang="en-US" altLang="zh-TW" sz="4400" dirty="0" smtClean="0">
-                          <a:latin typeface="+mn-lt"/>
-                          <a:ea typeface="HGPｺﾞｼｯｸE" panose="020B0900000000000000" pitchFamily="50" charset="-128"/>
-                        </a:rPr>
-                        <a:t>7</a:t>
-                      </a:r>
-                      <a:r>
-                        <a:rPr kumimoji="1" lang="zh-TW" altLang="en-US" sz="4400" dirty="0" smtClean="0">
-                          <a:latin typeface="HGPｺﾞｼｯｸE" panose="020B0900000000000000" pitchFamily="50" charset="-128"/>
-                          <a:ea typeface="HGPｺﾞｼｯｸE" panose="020B0900000000000000" pitchFamily="50" charset="-128"/>
-                        </a:rPr>
-                        <a:t>月～	</a:t>
-                      </a:r>
-                      <a:endParaRPr kumimoji="1" lang="ja-JP" altLang="en-US" sz="4400" dirty="0">
-                        <a:latin typeface="HGPｺﾞｼｯｸE" panose="020B0900000000000000" pitchFamily="50" charset="-128"/>
-                        <a:ea typeface="HGPｺﾞｼｯｸE" panose="020B0900000000000000" pitchFamily="50" charset="-128"/>
-                      </a:endParaRPr>
-                    </a:p>
-                  </a:txBody>
-                  <a:tcPr anchor="ctr"/>
-                </a:tc>
-                <a:tc>
-                  <a:txBody>
-                    <a:bodyPr/>
-                    <a:lstStyle/>
-                    <a:p>
-                      <a:r>
-                        <a:rPr kumimoji="1" lang="ja-JP" altLang="en-US" sz="4400" dirty="0" smtClean="0"/>
-                        <a:t>論文</a:t>
-                      </a:r>
-                      <a:r>
-                        <a:rPr kumimoji="1" lang="ja-JP" altLang="en-US" sz="4400" dirty="0" smtClean="0"/>
-                        <a:t>執筆</a:t>
-                      </a:r>
-                      <a:endParaRPr kumimoji="1" lang="ja-JP" altLang="en-US" sz="4400" dirty="0" smtClean="0"/>
-                    </a:p>
-                  </a:txBody>
-                  <a:tcPr/>
-                </a:tc>
-              </a:tr>
-              <a:tr h="894637">
-                <a:tc>
-                  <a:txBody>
-                    <a:bodyPr/>
-                    <a:lstStyle/>
-                    <a:p>
-                      <a:r>
-                        <a:rPr kumimoji="1" lang="en-US" altLang="ja-JP" sz="4400" dirty="0" smtClean="0">
-                          <a:latin typeface="HGPｺﾞｼｯｸE" panose="020B0900000000000000" pitchFamily="50" charset="-128"/>
-                          <a:ea typeface="HGPｺﾞｼｯｸE" panose="020B0900000000000000" pitchFamily="50" charset="-128"/>
-                        </a:rPr>
-                        <a:t>2014</a:t>
-                      </a:r>
-                      <a:r>
-                        <a:rPr kumimoji="1" lang="ja-JP" altLang="en-US" sz="4400" dirty="0" smtClean="0">
-                          <a:latin typeface="HGPｺﾞｼｯｸE" panose="020B0900000000000000" pitchFamily="50" charset="-128"/>
-                          <a:ea typeface="HGPｺﾞｼｯｸE" panose="020B0900000000000000" pitchFamily="50" charset="-128"/>
-                        </a:rPr>
-                        <a:t>年</a:t>
-                      </a:r>
-                      <a:r>
-                        <a:rPr kumimoji="1" lang="en-US" altLang="ja-JP" sz="4400" dirty="0" smtClean="0">
-                          <a:latin typeface="HGPｺﾞｼｯｸE" panose="020B0900000000000000" pitchFamily="50" charset="-128"/>
-                          <a:ea typeface="HGPｺﾞｼｯｸE" panose="020B0900000000000000" pitchFamily="50" charset="-128"/>
-                        </a:rPr>
-                        <a:t>10</a:t>
-                      </a:r>
-                      <a:r>
-                        <a:rPr kumimoji="1" lang="ja-JP" altLang="en-US" sz="4400" dirty="0" smtClean="0">
-                          <a:latin typeface="HGPｺﾞｼｯｸE" panose="020B0900000000000000" pitchFamily="50" charset="-128"/>
-                          <a:ea typeface="HGPｺﾞｼｯｸE" panose="020B0900000000000000" pitchFamily="50" charset="-128"/>
-                        </a:rPr>
-                        <a:t>月～</a:t>
-                      </a:r>
-                      <a:endParaRPr kumimoji="1" lang="ja-JP" altLang="en-US" sz="4400" dirty="0">
-                        <a:latin typeface="HGPｺﾞｼｯｸE" panose="020B0900000000000000" pitchFamily="50" charset="-128"/>
-                        <a:ea typeface="HGPｺﾞｼｯｸE" panose="020B0900000000000000" pitchFamily="50" charset="-128"/>
-                      </a:endParaRPr>
-                    </a:p>
-                  </a:txBody>
-                  <a:tcPr/>
-                </a:tc>
-                <a:tc>
-                  <a:txBody>
-                    <a:bodyPr/>
-                    <a:lstStyle/>
-                    <a:p>
-                      <a:r>
-                        <a:rPr kumimoji="1" lang="ja-JP" altLang="en-US" sz="4400" dirty="0" smtClean="0"/>
-                        <a:t>発表準備</a:t>
-                      </a:r>
-                    </a:p>
-                  </a:txBody>
-                  <a:tcPr/>
-                </a:tc>
-              </a:tr>
-            </a:tbl>
-          </a:graphicData>
-        </a:graphic>
-      </p:graphicFrame>
-      <p:graphicFrame>
-        <p:nvGraphicFramePr>
-          <p:cNvPr id="3" name="表 2"/>
-          <p:cNvGraphicFramePr>
-            <a:graphicFrameLocks noGrp="1"/>
-          </p:cNvGraphicFramePr>
-          <p:nvPr>
-            <p:extLst>
-              <p:ext uri="{D42A27DB-BD31-4B8C-83A1-F6EECF244321}">
-                <p14:modId xmlns:p14="http://schemas.microsoft.com/office/powerpoint/2010/main" val="884208324"/>
-              </p:ext>
-            </p:extLst>
-          </p:nvPr>
-        </p:nvGraphicFramePr>
-        <p:xfrm>
-          <a:off x="410331" y="15572035"/>
-          <a:ext cx="5953944" cy="3600400"/>
-        </p:xfrm>
-        <a:graphic>
-          <a:graphicData uri="http://schemas.openxmlformats.org/drawingml/2006/table">
-            <a:tbl>
-              <a:tblPr firstRow="1" bandRow="1">
-                <a:tableStyleId>{5940675A-B579-460E-94D1-54222C63F5DA}</a:tableStyleId>
-              </a:tblPr>
-              <a:tblGrid>
-                <a:gridCol w="1786125"/>
-                <a:gridCol w="4167819"/>
-              </a:tblGrid>
-              <a:tr h="864096">
-                <a:tc>
-                  <a:txBody>
-                    <a:bodyPr/>
-                    <a:lstStyle/>
-                    <a:p>
-                      <a:pPr algn="ctr"/>
-                      <a:r>
-                        <a:rPr kumimoji="1" lang="ja-JP" altLang="en-US" sz="4000" dirty="0" smtClean="0"/>
-                        <a:t>順位</a:t>
-                      </a:r>
-                      <a:endParaRPr kumimoji="1" lang="ja-JP" altLang="en-US" sz="4000" dirty="0"/>
-                    </a:p>
-                  </a:txBody>
-                  <a:tcPr anchor="ctr"/>
-                </a:tc>
-                <a:tc>
-                  <a:txBody>
-                    <a:bodyPr/>
-                    <a:lstStyle/>
-                    <a:p>
-                      <a:pPr algn="ctr"/>
-                      <a:r>
-                        <a:rPr kumimoji="1" lang="ja-JP" altLang="en-US" sz="4000" dirty="0" smtClean="0"/>
-                        <a:t>チーム</a:t>
-                      </a:r>
-                      <a:endParaRPr kumimoji="1" lang="ja-JP" altLang="en-US" sz="4000" dirty="0"/>
-                    </a:p>
-                  </a:txBody>
-                  <a:tcPr anchor="ctr"/>
-                </a:tc>
-              </a:tr>
-              <a:tr h="1368152">
-                <a:tc>
-                  <a:txBody>
-                    <a:bodyPr/>
-                    <a:lstStyle/>
-                    <a:p>
-                      <a:pPr algn="ctr"/>
-                      <a:r>
-                        <a:rPr kumimoji="1" lang="en-US" altLang="ja-JP" sz="4000" dirty="0" smtClean="0"/>
-                        <a:t>1</a:t>
-                      </a:r>
-                      <a:endParaRPr kumimoji="1" lang="ja-JP" altLang="en-US" sz="4000" dirty="0"/>
-                    </a:p>
-                  </a:txBody>
-                  <a:tcPr anchor="ctr"/>
-                </a:tc>
-                <a:tc>
-                  <a:txBody>
-                    <a:bodyPr/>
-                    <a:lstStyle/>
-                    <a:p>
-                      <a:pPr algn="ctr"/>
-                      <a:r>
-                        <a:rPr kumimoji="1" lang="ja-JP" altLang="en-US" sz="4000" dirty="0" smtClean="0"/>
-                        <a:t>サンフレッチェ広島</a:t>
-                      </a:r>
-                      <a:endParaRPr kumimoji="1" lang="ja-JP" altLang="en-US" sz="4000" dirty="0"/>
-                    </a:p>
-                  </a:txBody>
-                  <a:tcPr anchor="ctr"/>
-                </a:tc>
-              </a:tr>
-              <a:tr h="1368152">
-                <a:tc>
-                  <a:txBody>
-                    <a:bodyPr/>
-                    <a:lstStyle/>
-                    <a:p>
-                      <a:pPr algn="ctr"/>
-                      <a:r>
-                        <a:rPr kumimoji="1" lang="en-US" altLang="ja-JP" sz="4000" dirty="0" smtClean="0"/>
-                        <a:t>18</a:t>
-                      </a:r>
-                      <a:endParaRPr kumimoji="1" lang="ja-JP" altLang="en-US" sz="4000" dirty="0"/>
-                    </a:p>
-                  </a:txBody>
-                  <a:tcPr anchor="ctr"/>
-                </a:tc>
-                <a:tc>
-                  <a:txBody>
-                    <a:bodyPr/>
-                    <a:lstStyle/>
-                    <a:p>
-                      <a:pPr algn="ctr"/>
-                      <a:r>
-                        <a:rPr kumimoji="1" lang="ja-JP" altLang="en-US" sz="4000" dirty="0" smtClean="0">
-                          <a:solidFill>
-                            <a:srgbClr val="FF0000"/>
-                          </a:solidFill>
-                        </a:rPr>
-                        <a:t>大分トリニータ</a:t>
-                      </a:r>
-                      <a:endParaRPr kumimoji="1" lang="ja-JP" altLang="en-US" sz="4000" dirty="0">
-                        <a:solidFill>
-                          <a:srgbClr val="FF0000"/>
-                        </a:solidFill>
-                      </a:endParaRPr>
-                    </a:p>
-                  </a:txBody>
-                  <a:tcPr anchor="ctr"/>
-                </a:tc>
-              </a:tr>
-            </a:tbl>
-          </a:graphicData>
-        </a:graphic>
-      </p:graphicFrame>
-      <p:graphicFrame>
-        <p:nvGraphicFramePr>
-          <p:cNvPr id="12" name="表 11"/>
-          <p:cNvGraphicFramePr>
-            <a:graphicFrameLocks noGrp="1"/>
-          </p:cNvGraphicFramePr>
-          <p:nvPr>
-            <p:extLst>
-              <p:ext uri="{D42A27DB-BD31-4B8C-83A1-F6EECF244321}">
-                <p14:modId xmlns:p14="http://schemas.microsoft.com/office/powerpoint/2010/main" val="2062061054"/>
-              </p:ext>
-            </p:extLst>
-          </p:nvPr>
-        </p:nvGraphicFramePr>
-        <p:xfrm>
-          <a:off x="7783757" y="15572035"/>
-          <a:ext cx="5953944" cy="3600400"/>
-        </p:xfrm>
-        <a:graphic>
-          <a:graphicData uri="http://schemas.openxmlformats.org/drawingml/2006/table">
-            <a:tbl>
-              <a:tblPr firstRow="1" bandRow="1">
-                <a:tableStyleId>{5940675A-B579-460E-94D1-54222C63F5DA}</a:tableStyleId>
-              </a:tblPr>
-              <a:tblGrid>
-                <a:gridCol w="1786125"/>
-                <a:gridCol w="4167819"/>
-              </a:tblGrid>
-              <a:tr h="864096">
-                <a:tc>
-                  <a:txBody>
-                    <a:bodyPr/>
-                    <a:lstStyle/>
-                    <a:p>
-                      <a:pPr algn="ctr"/>
-                      <a:r>
-                        <a:rPr kumimoji="1" lang="ja-JP" altLang="en-US" sz="4000" dirty="0" smtClean="0"/>
-                        <a:t>順位</a:t>
-                      </a:r>
-                      <a:endParaRPr kumimoji="1" lang="ja-JP" altLang="en-US" sz="4000" dirty="0"/>
-                    </a:p>
-                  </a:txBody>
-                  <a:tcPr anchor="ctr"/>
-                </a:tc>
-                <a:tc>
-                  <a:txBody>
-                    <a:bodyPr/>
-                    <a:lstStyle/>
-                    <a:p>
-                      <a:pPr algn="ctr"/>
-                      <a:r>
-                        <a:rPr kumimoji="1" lang="ja-JP" altLang="en-US" sz="4000" dirty="0" smtClean="0"/>
-                        <a:t>チーム</a:t>
-                      </a:r>
-                      <a:endParaRPr kumimoji="1" lang="ja-JP" altLang="en-US" sz="4000" dirty="0"/>
-                    </a:p>
-                  </a:txBody>
-                  <a:tcPr anchor="ctr"/>
-                </a:tc>
-              </a:tr>
-              <a:tr h="1368152">
-                <a:tc>
-                  <a:txBody>
-                    <a:bodyPr/>
-                    <a:lstStyle/>
-                    <a:p>
-                      <a:pPr algn="ctr"/>
-                      <a:r>
-                        <a:rPr kumimoji="1" lang="en-US" altLang="ja-JP" sz="4000" dirty="0" smtClean="0"/>
-                        <a:t>1</a:t>
-                      </a:r>
-                      <a:endParaRPr kumimoji="1" lang="ja-JP" altLang="en-US" sz="4000" dirty="0"/>
-                    </a:p>
-                  </a:txBody>
-                  <a:tcPr anchor="ctr"/>
-                </a:tc>
-                <a:tc>
-                  <a:txBody>
-                    <a:bodyPr/>
-                    <a:lstStyle/>
-                    <a:p>
-                      <a:pPr algn="ctr"/>
-                      <a:r>
-                        <a:rPr kumimoji="1" lang="ja-JP" altLang="en-US" sz="4000" dirty="0" smtClean="0"/>
-                        <a:t>浦和レッズ</a:t>
-                      </a:r>
-                      <a:endParaRPr kumimoji="1" lang="ja-JP" altLang="en-US" sz="4000" dirty="0"/>
-                    </a:p>
-                  </a:txBody>
-                  <a:tcPr anchor="ctr"/>
-                </a:tc>
-              </a:tr>
-              <a:tr h="1368152">
-                <a:tc>
-                  <a:txBody>
-                    <a:bodyPr/>
-                    <a:lstStyle/>
-                    <a:p>
-                      <a:pPr algn="ctr"/>
-                      <a:r>
-                        <a:rPr kumimoji="1" lang="en-US" altLang="ja-JP" sz="4000" dirty="0" smtClean="0"/>
-                        <a:t>18</a:t>
-                      </a:r>
-                      <a:endParaRPr kumimoji="1" lang="ja-JP" altLang="en-US" sz="4000" dirty="0"/>
-                    </a:p>
-                  </a:txBody>
-                  <a:tcPr anchor="ctr"/>
-                </a:tc>
-                <a:tc>
-                  <a:txBody>
-                    <a:bodyPr/>
-                    <a:lstStyle/>
-                    <a:p>
-                      <a:pPr algn="ctr"/>
-                      <a:r>
-                        <a:rPr kumimoji="1" lang="ja-JP" altLang="en-US" sz="4000" dirty="0" smtClean="0">
-                          <a:solidFill>
-                            <a:srgbClr val="FF0000"/>
-                          </a:solidFill>
-                        </a:rPr>
-                        <a:t>大分トリニータ</a:t>
-                      </a:r>
-                      <a:endParaRPr kumimoji="1" lang="ja-JP" altLang="en-US" sz="4000" dirty="0">
-                        <a:solidFill>
-                          <a:srgbClr val="FF0000"/>
-                        </a:solidFill>
-                      </a:endParaRPr>
-                    </a:p>
-                  </a:txBody>
-                  <a:tcPr anchor="ctr"/>
-                </a:tc>
-              </a:tr>
-            </a:tbl>
-          </a:graphicData>
-        </a:graphic>
-      </p:graphicFrame>
-      <p:graphicFrame>
-        <p:nvGraphicFramePr>
-          <p:cNvPr id="14" name="表 13"/>
-          <p:cNvGraphicFramePr>
-            <a:graphicFrameLocks noGrp="1"/>
-          </p:cNvGraphicFramePr>
-          <p:nvPr>
-            <p:extLst>
-              <p:ext uri="{D42A27DB-BD31-4B8C-83A1-F6EECF244321}">
-                <p14:modId xmlns:p14="http://schemas.microsoft.com/office/powerpoint/2010/main" val="255543805"/>
-              </p:ext>
-            </p:extLst>
-          </p:nvPr>
-        </p:nvGraphicFramePr>
-        <p:xfrm>
-          <a:off x="15108608" y="15572035"/>
-          <a:ext cx="5953944" cy="3600400"/>
-        </p:xfrm>
-        <a:graphic>
-          <a:graphicData uri="http://schemas.openxmlformats.org/drawingml/2006/table">
-            <a:tbl>
-              <a:tblPr firstRow="1" bandRow="1">
-                <a:tableStyleId>{5940675A-B579-460E-94D1-54222C63F5DA}</a:tableStyleId>
-              </a:tblPr>
-              <a:tblGrid>
-                <a:gridCol w="1786125"/>
-                <a:gridCol w="4167819"/>
-              </a:tblGrid>
-              <a:tr h="864096">
-                <a:tc>
-                  <a:txBody>
-                    <a:bodyPr/>
-                    <a:lstStyle/>
-                    <a:p>
-                      <a:pPr algn="ctr"/>
-                      <a:r>
-                        <a:rPr kumimoji="1" lang="ja-JP" altLang="en-US" sz="4000" dirty="0" smtClean="0"/>
-                        <a:t>順位</a:t>
-                      </a:r>
-                      <a:endParaRPr kumimoji="1" lang="ja-JP" altLang="en-US" sz="4000" dirty="0"/>
-                    </a:p>
-                  </a:txBody>
-                  <a:tcPr anchor="ctr"/>
-                </a:tc>
-                <a:tc>
-                  <a:txBody>
-                    <a:bodyPr/>
-                    <a:lstStyle/>
-                    <a:p>
-                      <a:pPr algn="ctr"/>
-                      <a:r>
-                        <a:rPr kumimoji="1" lang="ja-JP" altLang="en-US" sz="4000" dirty="0" smtClean="0"/>
-                        <a:t>チーム</a:t>
-                      </a:r>
-                      <a:endParaRPr kumimoji="1" lang="ja-JP" altLang="en-US" sz="4000" dirty="0"/>
-                    </a:p>
-                  </a:txBody>
-                  <a:tcPr anchor="ctr"/>
-                </a:tc>
-              </a:tr>
-              <a:tr h="1368152">
-                <a:tc>
-                  <a:txBody>
-                    <a:bodyPr/>
-                    <a:lstStyle/>
-                    <a:p>
-                      <a:pPr algn="ctr"/>
-                      <a:r>
-                        <a:rPr kumimoji="1" lang="en-US" altLang="ja-JP" sz="4000" dirty="0" smtClean="0"/>
-                        <a:t>1</a:t>
-                      </a:r>
-                      <a:endParaRPr kumimoji="1" lang="ja-JP" altLang="en-US" sz="4000" dirty="0"/>
-                    </a:p>
-                  </a:txBody>
-                  <a:tcPr anchor="ctr"/>
-                </a:tc>
-                <a:tc>
-                  <a:txBody>
-                    <a:bodyPr/>
-                    <a:lstStyle/>
-                    <a:p>
-                      <a:pPr algn="ctr"/>
-                      <a:r>
-                        <a:rPr kumimoji="1" lang="ja-JP" altLang="en-US" sz="4000" dirty="0" smtClean="0"/>
-                        <a:t>川崎</a:t>
-                      </a:r>
-                      <a:endParaRPr kumimoji="1" lang="en-US" altLang="ja-JP" sz="4000" dirty="0" smtClean="0"/>
-                    </a:p>
-                    <a:p>
-                      <a:pPr algn="ctr"/>
-                      <a:r>
-                        <a:rPr kumimoji="1" lang="ja-JP" altLang="en-US" sz="4000" dirty="0" smtClean="0"/>
-                        <a:t>フロンターレ</a:t>
-                      </a:r>
-                      <a:endParaRPr kumimoji="1" lang="ja-JP" altLang="en-US" sz="4000" dirty="0"/>
-                    </a:p>
-                  </a:txBody>
-                  <a:tcPr anchor="ctr"/>
-                </a:tc>
-              </a:tr>
-              <a:tr h="1368152">
-                <a:tc>
-                  <a:txBody>
-                    <a:bodyPr/>
-                    <a:lstStyle/>
-                    <a:p>
-                      <a:pPr algn="ctr"/>
-                      <a:r>
-                        <a:rPr kumimoji="1" lang="en-US" altLang="ja-JP" sz="4000" dirty="0" smtClean="0"/>
-                        <a:t>18</a:t>
-                      </a:r>
-                      <a:endParaRPr kumimoji="1" lang="ja-JP" altLang="en-US" sz="4000" dirty="0"/>
-                    </a:p>
-                  </a:txBody>
-                  <a:tcPr anchor="ctr"/>
-                </a:tc>
-                <a:tc>
-                  <a:txBody>
-                    <a:bodyPr/>
-                    <a:lstStyle/>
-                    <a:p>
-                      <a:pPr algn="ctr"/>
-                      <a:r>
-                        <a:rPr kumimoji="1" lang="ja-JP" altLang="en-US" sz="4000" dirty="0" smtClean="0">
-                          <a:solidFill>
-                            <a:srgbClr val="FF0000"/>
-                          </a:solidFill>
-                        </a:rPr>
-                        <a:t>大分トリニータ</a:t>
-                      </a:r>
-                      <a:endParaRPr kumimoji="1" lang="ja-JP" altLang="en-US" sz="4000" dirty="0">
-                        <a:solidFill>
-                          <a:srgbClr val="FF0000"/>
-                        </a:solidFill>
-                      </a:endParaRPr>
-                    </a:p>
-                  </a:txBody>
-                  <a:tcPr anchor="ctr"/>
-                </a:tc>
-              </a:tr>
-            </a:tbl>
-          </a:graphicData>
-        </a:graphic>
-      </p:graphicFrame>
-      <p:sp>
-        <p:nvSpPr>
-          <p:cNvPr id="4" name="テキスト ボックス 3"/>
-          <p:cNvSpPr txBox="1"/>
-          <p:nvPr/>
-        </p:nvSpPr>
-        <p:spPr>
-          <a:xfrm>
-            <a:off x="183762" y="14298538"/>
-            <a:ext cx="3537749" cy="769441"/>
+        </p:nvPicPr>
+        <p:blipFill>
+          <a:blip r:embed="rId2">
+            <a:extLst>
+              <a:ext uri="{28A0092B-C50C-407E-A947-70E740481C1C}">
+                <a14:useLocalDpi xmlns:a14="http://schemas.microsoft.com/office/drawing/2010/main" val="0"/>
+              </a:ext>
+            </a:extLst>
+          </a:blip>
+          <a:srcRect/>
+          <a:stretch>
+            <a:fillRect/>
+          </a:stretch>
+        </p:blipFill>
+        <p:spPr bwMode="auto">
+          <a:xfrm>
+            <a:off x="5667279" y="7709079"/>
+            <a:ext cx="12457384" cy="13100723"/>
           </a:xfrm>
           <a:prstGeom prst="rect">
             <a:avLst/>
           </a:prstGeom>
           <a:noFill/>
+          <a:extLst>
+            <a:ext uri="{909E8E84-426E-40DD-AFC4-6F175D3DCCD1}">
+              <a14:hiddenFill xmlns:a14="http://schemas.microsoft.com/office/drawing/2010/main">
+                <a:solidFill>
+                  <a:srgbClr val="FFFFFF"/>
+                </a:solidFill>
+              </a14:hiddenFill>
+            </a:ext>
+          </a:extLst>
+        </p:spPr>
+      </p:pic>
+      <p:sp>
+        <p:nvSpPr>
+          <p:cNvPr id="5" name="テキスト ボックス 4"/>
+          <p:cNvSpPr txBox="1"/>
+          <p:nvPr/>
+        </p:nvSpPr>
+        <p:spPr>
+          <a:xfrm>
+            <a:off x="15949984" y="17476181"/>
+            <a:ext cx="2016224" cy="400110"/>
+          </a:xfrm>
+          <a:prstGeom prst="rect">
+            <a:avLst/>
+          </a:prstGeom>
+          <a:noFill/>
         </p:spPr>
         <p:txBody>
           <a:bodyPr wrap="square" rtlCol="0">
@@ -6982,23 +6111,23 @@
           <a:lstStyle/>
           <a:p>
             <a:r>
-              <a:rPr kumimoji="1" lang="ja-JP" altLang="en-US" sz="4400" dirty="0" smtClean="0"/>
-              <a:t>リーグ</a:t>
-            </a:r>
-            <a:endParaRPr kumimoji="1" lang="ja-JP" altLang="en-US" sz="4400" dirty="0"/>
-          </a:p>
-        </p:txBody>
-      </p:sp>
-      <p:sp>
-        <p:nvSpPr>
-          <p:cNvPr id="5" name="テキスト ボックス 4"/>
+              <a:rPr kumimoji="1" lang="ja-JP" altLang="en-US" sz="2000" dirty="0" smtClean="0"/>
+              <a:t>浦和レッズ</a:t>
+            </a:r>
+            <a:endParaRPr kumimoji="1" lang="ja-JP" altLang="en-US" sz="2000" dirty="0"/>
+          </a:p>
+        </p:txBody>
+      </p:sp>
+      <p:sp>
+        <p:nvSpPr>
+          <p:cNvPr id="8" name="テキスト ボックス 7"/>
           <p:cNvSpPr txBox="1"/>
           <p:nvPr/>
         </p:nvSpPr>
         <p:spPr>
           <a:xfrm>
-            <a:off x="7525048" y="14370546"/>
-            <a:ext cx="4176464" cy="769441"/>
+            <a:off x="14653840" y="18124253"/>
+            <a:ext cx="2304256" cy="400110"/>
           </a:xfrm>
           <a:prstGeom prst="rect">
             <a:avLst/>
@@ -7012,23 +6141,31 @@
           <a:lstStyle/>
           <a:p>
             <a:r>
-              <a:rPr kumimoji="1" lang="ja-JP" altLang="en-US" sz="4400" dirty="0" smtClean="0"/>
-              <a:t>ボール支配率</a:t>
-            </a:r>
-            <a:endParaRPr kumimoji="1" lang="ja-JP" altLang="en-US" sz="4400" dirty="0"/>
-          </a:p>
-        </p:txBody>
-      </p:sp>
-      <p:sp>
-        <p:nvSpPr>
-          <p:cNvPr id="6" name="テキスト ボックス 5"/>
+              <a:rPr lang="ja-JP" altLang="en-US" sz="2000" dirty="0" smtClean="0"/>
+              <a:t>横浜</a:t>
+            </a:r>
+            <a:r>
+              <a:rPr lang="en-US" altLang="ja-JP" sz="2000" dirty="0" smtClean="0"/>
+              <a:t>F</a:t>
+            </a:r>
+            <a:r>
+              <a:rPr lang="ja-JP" altLang="en-US" sz="2000" dirty="0" smtClean="0"/>
+              <a:t>・マリノス</a:t>
+            </a:r>
+            <a:endParaRPr kumimoji="1" lang="ja-JP" altLang="en-US" sz="2000" dirty="0"/>
+          </a:p>
+        </p:txBody>
+      </p:sp>
+      <p:sp>
+        <p:nvSpPr>
+          <p:cNvPr id="9" name="テキスト ボックス 8"/>
           <p:cNvSpPr txBox="1"/>
           <p:nvPr/>
         </p:nvSpPr>
         <p:spPr>
           <a:xfrm>
-            <a:off x="15013880" y="14347899"/>
-            <a:ext cx="4248472" cy="769441"/>
+            <a:off x="13523337" y="12651645"/>
+            <a:ext cx="2304256" cy="400110"/>
           </a:xfrm>
           <a:prstGeom prst="rect">
             <a:avLst/>
@@ -7042,23 +6179,23 @@
           <a:lstStyle/>
           <a:p>
             <a:r>
-              <a:rPr kumimoji="1" lang="ja-JP" altLang="en-US" sz="4400" dirty="0" smtClean="0"/>
-              <a:t>チャンス構築率</a:t>
-            </a:r>
-            <a:endParaRPr kumimoji="1" lang="ja-JP" altLang="en-US" sz="4400" dirty="0"/>
-          </a:p>
-        </p:txBody>
-      </p:sp>
-      <p:sp>
-        <p:nvSpPr>
-          <p:cNvPr id="7" name="テキスト ボックス 6"/>
+              <a:rPr kumimoji="1" lang="ja-JP" altLang="en-US" sz="2000" dirty="0" smtClean="0"/>
+              <a:t>名古屋グランパス</a:t>
+            </a:r>
+            <a:endParaRPr kumimoji="1" lang="ja-JP" altLang="en-US" sz="2000" dirty="0"/>
+          </a:p>
+        </p:txBody>
+      </p:sp>
+      <p:sp>
+        <p:nvSpPr>
+          <p:cNvPr id="10" name="テキスト ボックス 9"/>
           <p:cNvSpPr txBox="1"/>
           <p:nvPr/>
         </p:nvSpPr>
         <p:spPr>
           <a:xfrm>
-            <a:off x="11197456" y="19364359"/>
-            <a:ext cx="3816424" cy="600164"/>
+            <a:off x="13354129" y="16900117"/>
+            <a:ext cx="2642671" cy="400110"/>
           </a:xfrm>
           <a:prstGeom prst="rect">
             <a:avLst/>
@@ -7072,35 +6209,23 @@
           <a:lstStyle/>
           <a:p>
             <a:r>
-              <a:rPr kumimoji="1" lang="en-US" altLang="ja-JP" dirty="0" smtClean="0"/>
-              <a:t>※</a:t>
-            </a:r>
-            <a:r>
-              <a:rPr kumimoji="1" lang="ja-JP" altLang="en-US" dirty="0" smtClean="0"/>
-              <a:t>広島は</a:t>
-            </a:r>
-            <a:r>
-              <a:rPr kumimoji="1" lang="en-US" altLang="ja-JP" dirty="0" smtClean="0"/>
-              <a:t>3</a:t>
-            </a:r>
-            <a:r>
-              <a:rPr kumimoji="1" lang="ja-JP" altLang="en-US" dirty="0" smtClean="0"/>
-              <a:t>位</a:t>
-            </a:r>
-            <a:endParaRPr kumimoji="1" lang="en-US" altLang="ja-JP" dirty="0" smtClean="0"/>
-          </a:p>
-        </p:txBody>
-      </p:sp>
-      <p:sp>
-        <p:nvSpPr>
-          <p:cNvPr id="15" name="テキスト ボックス 14"/>
+              <a:rPr lang="ja-JP" altLang="en-US" sz="2000" dirty="0"/>
+              <a:t>サンフレッチェ広島</a:t>
+            </a:r>
+            <a:endParaRPr kumimoji="1" lang="ja-JP" altLang="en-US" sz="2000" dirty="0"/>
+          </a:p>
+        </p:txBody>
+      </p:sp>
+      <p:sp>
+        <p:nvSpPr>
+          <p:cNvPr id="11" name="テキスト ボックス 10"/>
           <p:cNvSpPr txBox="1"/>
           <p:nvPr/>
         </p:nvSpPr>
         <p:spPr>
           <a:xfrm>
-            <a:off x="18686288" y="19364359"/>
-            <a:ext cx="2700512" cy="600164"/>
+            <a:off x="13285688" y="13267779"/>
+            <a:ext cx="2304256" cy="400110"/>
           </a:xfrm>
           <a:prstGeom prst="rect">
             <a:avLst/>
@@ -7114,39 +6239,23 @@
           <a:lstStyle/>
           <a:p>
             <a:r>
-              <a:rPr lang="en-US" altLang="ja-JP" dirty="0"/>
-              <a:t>※</a:t>
-            </a:r>
-            <a:r>
-              <a:rPr lang="ja-JP" altLang="en-US" dirty="0"/>
-              <a:t>広島</a:t>
-            </a:r>
-            <a:r>
-              <a:rPr lang="ja-JP" altLang="en-US" dirty="0" smtClean="0"/>
-              <a:t>は</a:t>
-            </a:r>
-            <a:r>
-              <a:rPr lang="en-US" altLang="ja-JP" dirty="0" smtClean="0"/>
-              <a:t>7</a:t>
-            </a:r>
-            <a:r>
-              <a:rPr lang="ja-JP" altLang="en-US" dirty="0" smtClean="0"/>
-              <a:t>位</a:t>
-            </a:r>
-            <a:endParaRPr kumimoji="1" lang="ja-JP" altLang="en-US" dirty="0"/>
-          </a:p>
-        </p:txBody>
-      </p:sp>
-      <p:sp>
-        <p:nvSpPr>
-          <p:cNvPr id="16" name="テキスト ボックス 15"/>
+              <a:rPr lang="ja-JP" altLang="en-US" sz="2000" dirty="0" smtClean="0"/>
+              <a:t>川崎フロンターレ</a:t>
+            </a:r>
+            <a:endParaRPr kumimoji="1" lang="ja-JP" altLang="en-US" sz="2000" dirty="0"/>
+          </a:p>
+        </p:txBody>
+      </p:sp>
+      <p:sp>
+        <p:nvSpPr>
+          <p:cNvPr id="12" name="テキスト ボックス 11"/>
           <p:cNvSpPr txBox="1"/>
           <p:nvPr/>
         </p:nvSpPr>
         <p:spPr>
           <a:xfrm>
-            <a:off x="3721510" y="19364359"/>
-            <a:ext cx="3371489" cy="1107996"/>
+            <a:off x="12368771" y="16252045"/>
+            <a:ext cx="1636997" cy="400110"/>
           </a:xfrm>
           <a:prstGeom prst="rect">
             <a:avLst/>
@@ -7160,48 +6269,385 @@
           <a:lstStyle/>
           <a:p>
             <a:r>
-              <a:rPr kumimoji="1" lang="en-US" altLang="ja-JP" dirty="0" smtClean="0"/>
-              <a:t>※</a:t>
-            </a:r>
-            <a:r>
-              <a:rPr kumimoji="1" lang="ja-JP" altLang="en-US" dirty="0" smtClean="0"/>
-              <a:t>浦和は</a:t>
-            </a:r>
-            <a:r>
-              <a:rPr kumimoji="1" lang="en-US" altLang="ja-JP" dirty="0" smtClean="0"/>
-              <a:t>6</a:t>
-            </a:r>
-            <a:r>
-              <a:rPr kumimoji="1" lang="ja-JP" altLang="en-US" dirty="0" smtClean="0"/>
-              <a:t>位</a:t>
-            </a:r>
-            <a:endParaRPr kumimoji="1" lang="en-US" altLang="ja-JP" dirty="0" smtClean="0"/>
-          </a:p>
-          <a:p>
-            <a:r>
-              <a:rPr lang="ja-JP" altLang="en-US" dirty="0"/>
-              <a:t>　</a:t>
-            </a:r>
-            <a:r>
-              <a:rPr lang="ja-JP" altLang="en-US" dirty="0" smtClean="0"/>
-              <a:t>川崎は</a:t>
-            </a:r>
-            <a:r>
-              <a:rPr lang="en-US" altLang="ja-JP" dirty="0" smtClean="0"/>
-              <a:t>3</a:t>
-            </a:r>
-            <a:r>
-              <a:rPr lang="ja-JP" altLang="en-US" dirty="0" smtClean="0"/>
-              <a:t>位</a:t>
-            </a:r>
-            <a:endParaRPr kumimoji="1" lang="ja-JP" altLang="en-US" dirty="0"/>
+              <a:rPr lang="ja-JP" altLang="en-US" sz="2000" dirty="0"/>
+              <a:t>柏レイソル</a:t>
+            </a:r>
+            <a:endParaRPr kumimoji="1" lang="ja-JP" altLang="en-US" sz="2000" dirty="0"/>
+          </a:p>
+        </p:txBody>
+      </p:sp>
+      <p:sp>
+        <p:nvSpPr>
+          <p:cNvPr id="13" name="テキスト ボックス 12"/>
+          <p:cNvSpPr txBox="1"/>
+          <p:nvPr/>
+        </p:nvSpPr>
+        <p:spPr>
+          <a:xfrm>
+            <a:off x="11629504" y="13371725"/>
+            <a:ext cx="2304256" cy="400110"/>
+          </a:xfrm>
+          <a:prstGeom prst="rect">
+            <a:avLst/>
+          </a:prstGeom>
+          <a:noFill/>
+        </p:spPr>
+        <p:txBody>
+          <a:bodyPr wrap="square" rtlCol="0">
+            <a:spAutoFit/>
+          </a:bodyPr>
+          <a:lstStyle/>
+          <a:p>
+            <a:r>
+              <a:rPr lang="ja-JP" altLang="en-US" sz="2000" dirty="0"/>
+              <a:t>ジュビロ磐田</a:t>
+            </a:r>
+            <a:endParaRPr kumimoji="1" lang="ja-JP" altLang="en-US" sz="2000" dirty="0"/>
+          </a:p>
+        </p:txBody>
+      </p:sp>
+      <p:sp>
+        <p:nvSpPr>
+          <p:cNvPr id="14" name="テキスト ボックス 13"/>
+          <p:cNvSpPr txBox="1"/>
+          <p:nvPr/>
+        </p:nvSpPr>
+        <p:spPr>
+          <a:xfrm>
+            <a:off x="11917536" y="17476181"/>
+            <a:ext cx="1152128" cy="400110"/>
+          </a:xfrm>
+          <a:prstGeom prst="rect">
+            <a:avLst/>
+          </a:prstGeom>
+          <a:noFill/>
+        </p:spPr>
+        <p:txBody>
+          <a:bodyPr wrap="square" rtlCol="0">
+            <a:spAutoFit/>
+          </a:bodyPr>
+          <a:lstStyle/>
+          <a:p>
+            <a:r>
+              <a:rPr kumimoji="1" lang="en-US" altLang="ja-JP" sz="2000" dirty="0" smtClean="0"/>
+              <a:t>FC</a:t>
+            </a:r>
+            <a:r>
+              <a:rPr kumimoji="1" lang="ja-JP" altLang="en-US" sz="2000" dirty="0" smtClean="0"/>
+              <a:t>東京</a:t>
+            </a:r>
+            <a:endParaRPr kumimoji="1" lang="ja-JP" altLang="en-US" sz="2000" dirty="0"/>
+          </a:p>
+        </p:txBody>
+      </p:sp>
+      <p:sp>
+        <p:nvSpPr>
+          <p:cNvPr id="15" name="テキスト ボックス 14"/>
+          <p:cNvSpPr txBox="1"/>
+          <p:nvPr/>
+        </p:nvSpPr>
+        <p:spPr>
+          <a:xfrm>
+            <a:off x="11049873" y="14883893"/>
+            <a:ext cx="2304256" cy="400110"/>
+          </a:xfrm>
+          <a:prstGeom prst="rect">
+            <a:avLst/>
+          </a:prstGeom>
+          <a:noFill/>
+        </p:spPr>
+        <p:txBody>
+          <a:bodyPr wrap="square" rtlCol="0">
+            <a:spAutoFit/>
+          </a:bodyPr>
+          <a:lstStyle/>
+          <a:p>
+            <a:r>
+              <a:rPr kumimoji="1" lang="ja-JP" altLang="en-US" sz="2000" dirty="0" smtClean="0"/>
+              <a:t>鹿島アントラーズ</a:t>
+            </a:r>
+            <a:endParaRPr kumimoji="1" lang="ja-JP" altLang="en-US" sz="2000" dirty="0"/>
+          </a:p>
+        </p:txBody>
+      </p:sp>
+      <p:sp>
+        <p:nvSpPr>
+          <p:cNvPr id="16" name="テキスト ボックス 15"/>
+          <p:cNvSpPr txBox="1"/>
+          <p:nvPr/>
+        </p:nvSpPr>
+        <p:spPr>
+          <a:xfrm>
+            <a:off x="11125448" y="14019797"/>
+            <a:ext cx="1728192" cy="400110"/>
+          </a:xfrm>
+          <a:prstGeom prst="rect">
+            <a:avLst/>
+          </a:prstGeom>
+          <a:noFill/>
+        </p:spPr>
+        <p:txBody>
+          <a:bodyPr wrap="square" rtlCol="0">
+            <a:spAutoFit/>
+          </a:bodyPr>
+          <a:lstStyle/>
+          <a:p>
+            <a:r>
+              <a:rPr lang="ja-JP" altLang="en-US" sz="2000" dirty="0" smtClean="0"/>
+              <a:t>ベガルタ仙台</a:t>
+            </a:r>
+            <a:endParaRPr kumimoji="1" lang="ja-JP" altLang="en-US" sz="2000" dirty="0"/>
+          </a:p>
+        </p:txBody>
+      </p:sp>
+      <p:sp>
+        <p:nvSpPr>
+          <p:cNvPr id="17" name="テキスト ボックス 16"/>
+          <p:cNvSpPr txBox="1"/>
+          <p:nvPr/>
+        </p:nvSpPr>
+        <p:spPr>
+          <a:xfrm>
+            <a:off x="10981432" y="12710565"/>
+            <a:ext cx="1730811" cy="413198"/>
+          </a:xfrm>
+          <a:prstGeom prst="rect">
+            <a:avLst/>
+          </a:prstGeom>
+          <a:noFill/>
+        </p:spPr>
+        <p:txBody>
+          <a:bodyPr wrap="square" rtlCol="0">
+            <a:spAutoFit/>
+          </a:bodyPr>
+          <a:lstStyle/>
+          <a:p>
+            <a:r>
+              <a:rPr lang="ja-JP" altLang="en-US" sz="2000" dirty="0"/>
+              <a:t>セレッソ大阪</a:t>
+            </a:r>
+            <a:endParaRPr kumimoji="1" lang="ja-JP" altLang="en-US" sz="2000" dirty="0"/>
+          </a:p>
+        </p:txBody>
+      </p:sp>
+      <p:sp>
+        <p:nvSpPr>
+          <p:cNvPr id="18" name="テキスト ボックス 17"/>
+          <p:cNvSpPr txBox="1"/>
+          <p:nvPr/>
+        </p:nvSpPr>
+        <p:spPr>
+          <a:xfrm>
+            <a:off x="10738702" y="15788059"/>
+            <a:ext cx="2618994" cy="400110"/>
+          </a:xfrm>
+          <a:prstGeom prst="rect">
+            <a:avLst/>
+          </a:prstGeom>
+          <a:noFill/>
+        </p:spPr>
+        <p:txBody>
+          <a:bodyPr wrap="square" rtlCol="0">
+            <a:spAutoFit/>
+          </a:bodyPr>
+          <a:lstStyle/>
+          <a:p>
+            <a:r>
+              <a:rPr lang="ja-JP" altLang="en-US" sz="2000" dirty="0" smtClean="0"/>
+              <a:t>アルビレックス新潟</a:t>
+            </a:r>
+            <a:endParaRPr kumimoji="1" lang="ja-JP" altLang="en-US" sz="2000" dirty="0"/>
+          </a:p>
+        </p:txBody>
+      </p:sp>
+      <p:sp>
+        <p:nvSpPr>
+          <p:cNvPr id="19" name="テキスト ボックス 18"/>
+          <p:cNvSpPr txBox="1"/>
+          <p:nvPr/>
+        </p:nvSpPr>
+        <p:spPr>
+          <a:xfrm>
+            <a:off x="9397256" y="12363613"/>
+            <a:ext cx="2682473" cy="400110"/>
+          </a:xfrm>
+          <a:prstGeom prst="rect">
+            <a:avLst/>
+          </a:prstGeom>
+          <a:noFill/>
+        </p:spPr>
+        <p:txBody>
+          <a:bodyPr wrap="square" rtlCol="0">
+            <a:spAutoFit/>
+          </a:bodyPr>
+          <a:lstStyle/>
+          <a:p>
+            <a:r>
+              <a:rPr lang="ja-JP" altLang="en-US" sz="2000" dirty="0" smtClean="0"/>
+              <a:t>大宮アルディージャ</a:t>
+            </a:r>
+            <a:endParaRPr kumimoji="1" lang="ja-JP" altLang="en-US" sz="2000" dirty="0"/>
+          </a:p>
+        </p:txBody>
+      </p:sp>
+      <p:sp>
+        <p:nvSpPr>
+          <p:cNvPr id="20" name="テキスト ボックス 19"/>
+          <p:cNvSpPr txBox="1"/>
+          <p:nvPr/>
+        </p:nvSpPr>
+        <p:spPr>
+          <a:xfrm>
+            <a:off x="9856512" y="15315941"/>
+            <a:ext cx="1484960" cy="400110"/>
+          </a:xfrm>
+          <a:prstGeom prst="rect">
+            <a:avLst/>
+          </a:prstGeom>
+          <a:noFill/>
+        </p:spPr>
+        <p:txBody>
+          <a:bodyPr wrap="square" rtlCol="0">
+            <a:spAutoFit/>
+          </a:bodyPr>
+          <a:lstStyle/>
+          <a:p>
+            <a:r>
+              <a:rPr lang="ja-JP" altLang="en-US" sz="2000" dirty="0"/>
+              <a:t>サガン鳥栖</a:t>
+            </a:r>
+            <a:endParaRPr kumimoji="1" lang="ja-JP" altLang="en-US" sz="2000" dirty="0"/>
+          </a:p>
+        </p:txBody>
+      </p:sp>
+      <p:sp>
+        <p:nvSpPr>
+          <p:cNvPr id="21" name="テキスト ボックス 20"/>
+          <p:cNvSpPr txBox="1"/>
+          <p:nvPr/>
+        </p:nvSpPr>
+        <p:spPr>
+          <a:xfrm>
+            <a:off x="8461152" y="15788059"/>
+            <a:ext cx="1965424" cy="400110"/>
+          </a:xfrm>
+          <a:prstGeom prst="rect">
+            <a:avLst/>
+          </a:prstGeom>
+          <a:noFill/>
+        </p:spPr>
+        <p:txBody>
+          <a:bodyPr wrap="square" rtlCol="0">
+            <a:spAutoFit/>
+          </a:bodyPr>
+          <a:lstStyle/>
+          <a:p>
+            <a:r>
+              <a:rPr lang="ja-JP" altLang="en-US" sz="2000" dirty="0" smtClean="0"/>
+              <a:t>清水エスパルス</a:t>
+            </a:r>
+            <a:endParaRPr kumimoji="1" lang="ja-JP" altLang="en-US" sz="2000" dirty="0"/>
+          </a:p>
+        </p:txBody>
+      </p:sp>
+      <p:sp>
+        <p:nvSpPr>
+          <p:cNvPr id="22" name="テキスト ボックス 21"/>
+          <p:cNvSpPr txBox="1"/>
+          <p:nvPr/>
+        </p:nvSpPr>
+        <p:spPr>
+          <a:xfrm>
+            <a:off x="8101112" y="14739877"/>
+            <a:ext cx="2493364" cy="400110"/>
+          </a:xfrm>
+          <a:prstGeom prst="rect">
+            <a:avLst/>
+          </a:prstGeom>
+          <a:noFill/>
+        </p:spPr>
+        <p:txBody>
+          <a:bodyPr wrap="square" rtlCol="0">
+            <a:spAutoFit/>
+          </a:bodyPr>
+          <a:lstStyle/>
+          <a:p>
+            <a:r>
+              <a:rPr lang="ja-JP" altLang="en-US" sz="2000" dirty="0" smtClean="0"/>
+              <a:t>ヴァンフォーレ甲府</a:t>
+            </a:r>
+            <a:endParaRPr kumimoji="1" lang="ja-JP" altLang="en-US" sz="2000" dirty="0"/>
+          </a:p>
+        </p:txBody>
+      </p:sp>
+      <p:sp>
+        <p:nvSpPr>
+          <p:cNvPr id="23" name="テキスト ボックス 22"/>
+          <p:cNvSpPr txBox="1"/>
+          <p:nvPr/>
+        </p:nvSpPr>
+        <p:spPr>
+          <a:xfrm>
+            <a:off x="7093000" y="10275381"/>
+            <a:ext cx="2038770" cy="400110"/>
+          </a:xfrm>
+          <a:prstGeom prst="rect">
+            <a:avLst/>
+          </a:prstGeom>
+          <a:noFill/>
+        </p:spPr>
+        <p:txBody>
+          <a:bodyPr wrap="square" rtlCol="0">
+            <a:spAutoFit/>
+          </a:bodyPr>
+          <a:lstStyle/>
+          <a:p>
+            <a:r>
+              <a:rPr lang="ja-JP" altLang="en-US" sz="2000" dirty="0" smtClean="0"/>
+              <a:t>大分トリニータ</a:t>
+            </a:r>
+            <a:endParaRPr kumimoji="1" lang="ja-JP" altLang="en-US" sz="2000" dirty="0"/>
+          </a:p>
+        </p:txBody>
+      </p:sp>
+      <p:sp>
+        <p:nvSpPr>
+          <p:cNvPr id="24" name="テキスト ボックス 23"/>
+          <p:cNvSpPr txBox="1"/>
+          <p:nvPr/>
+        </p:nvSpPr>
+        <p:spPr>
+          <a:xfrm>
+            <a:off x="7885088" y="9595371"/>
+            <a:ext cx="2065686" cy="400110"/>
+          </a:xfrm>
+          <a:prstGeom prst="rect">
+            <a:avLst/>
+          </a:prstGeom>
+          <a:noFill/>
+        </p:spPr>
+        <p:txBody>
+          <a:bodyPr wrap="square" rtlCol="0">
+            <a:spAutoFit/>
+          </a:bodyPr>
+          <a:lstStyle/>
+          <a:p>
+            <a:r>
+              <a:rPr lang="ja-JP" altLang="en-US" sz="2000" dirty="0"/>
+              <a:t>湘</a:t>
+            </a:r>
+            <a:r>
+              <a:rPr lang="ja-JP" altLang="en-US" sz="2000" dirty="0" smtClean="0"/>
+              <a:t>南ベルマーゼ</a:t>
+            </a:r>
+            <a:endParaRPr kumimoji="1" lang="ja-JP" altLang="en-US" sz="2000" dirty="0"/>
           </a:p>
         </p:txBody>
       </p:sp>
     </p:spTree>
     <p:extLst>
       <p:ext uri="{BB962C8B-B14F-4D97-AF65-F5344CB8AC3E}">
-        <p14:creationId xmlns:p14="http://schemas.microsoft.com/office/powerpoint/2010/main" val="833697811"/>
+        <p14:creationId xmlns:p14="http://schemas.microsoft.com/office/powerpoint/2010/main" val="3457409666"/>
       </p:ext>
     </p:extLst>
   </p:cSld>

--- a/課題研究/2013/丸山準人/ポスター.pptx
+++ b/課題研究/2013/丸山準人/ポスター.pptx
@@ -3488,7 +3488,7 @@
 <p:sldMaster xmlns:a="http://schemas.openxmlformats.org/drawingml/2006/main" xmlns:r="http://schemas.openxmlformats.org/officeDocument/2006/relationships" xmlns:p="http://schemas.openxmlformats.org/presentationml/2006/main">
   <p:cSld>
     <p:bg>
-      <p:bgRef idx="1003">
+      <p:bgRef idx="1002">
         <a:schemeClr val="bg2"/>
       </p:bgRef>
     </p:bg>
@@ -4415,8 +4415,38 @@
 </file>
 
 <file path=ppt/slides/slide1.xml><?xml version="1.0" encoding="utf-8"?>
-<p:sld xmlns:a="http://schemas.openxmlformats.org/drawingml/2006/main" xmlns:r="http://schemas.openxmlformats.org/officeDocument/2006/relationships" xmlns:p="http://schemas.openxmlformats.org/presentationml/2006/main">
+<p:sld xmlns:a="http://schemas.openxmlformats.org/drawingml/2006/main" xmlns:r="http://schemas.openxmlformats.org/officeDocument/2006/relationships" xmlns:p="http://schemas.openxmlformats.org/presentationml/2006/main" showMasterSp="0">
   <p:cSld>
+    <p:bg>
+      <p:bgPr>
+        <a:gradFill rotWithShape="1">
+          <a:gsLst>
+            <a:gs pos="0">
+              <a:schemeClr val="bg2">
+                <a:tint val="60000"/>
+                <a:satMod val="355000"/>
+              </a:schemeClr>
+            </a:gs>
+            <a:gs pos="34000">
+              <a:schemeClr val="bg2">
+                <a:tint val="85000"/>
+                <a:satMod val="320000"/>
+              </a:schemeClr>
+            </a:gs>
+            <a:gs pos="100000">
+              <a:schemeClr val="bg2">
+                <a:shade val="55000"/>
+                <a:satMod val="300000"/>
+              </a:schemeClr>
+            </a:gs>
+          </a:gsLst>
+          <a:path path="circle">
+            <a:fillToRect l="-24500" t="-20000" r="124500" b="120000"/>
+          </a:path>
+        </a:gradFill>
+        <a:effectLst/>
+      </p:bgPr>
+    </p:bg>
     <p:spTree>
       <p:nvGrpSpPr>
         <p:cNvPr id="1" name=""/>
@@ -4445,9 +4475,7 @@
           <a:prstGeom prst="horizontalScroll">
             <a:avLst/>
           </a:prstGeom>
-          <a:solidFill>
-            <a:schemeClr val="bg1"/>
-          </a:solidFill>
+          <a:noFill/>
         </p:spPr>
         <p:style>
           <a:lnRef idx="2">
@@ -4594,7 +4622,7 @@
         </p:blipFill>
         <p:spPr bwMode="auto">
           <a:xfrm>
-            <a:off x="18177048" y="3001107"/>
+            <a:off x="17296694" y="4338787"/>
             <a:ext cx="2957512" cy="2755900"/>
           </a:xfrm>
           <a:prstGeom prst="rect">
@@ -4649,9 +4677,7 @@
           <a:prstGeom prst="ellipse">
             <a:avLst/>
           </a:prstGeom>
-          <a:solidFill>
-            <a:schemeClr val="bg1"/>
-          </a:solidFill>
+          <a:noFill/>
         </p:spPr>
         <p:style>
           <a:lnRef idx="2">
@@ -4981,9 +5007,7 @@
           <a:prstGeom prst="rect">
             <a:avLst/>
           </a:prstGeom>
-          <a:solidFill>
-            <a:schemeClr val="bg1"/>
-          </a:solidFill>
+          <a:noFill/>
         </p:spPr>
         <p:style>
           <a:lnRef idx="2">
@@ -5310,15 +5334,13 @@
         </p:nvSpPr>
         <p:spPr>
           <a:xfrm>
-            <a:off x="396256" y="16580147"/>
+            <a:off x="396256" y="17075951"/>
             <a:ext cx="4491167" cy="2384516"/>
           </a:xfrm>
           <a:prstGeom prst="ellipse">
             <a:avLst/>
           </a:prstGeom>
-          <a:solidFill>
-            <a:schemeClr val="bg1"/>
-          </a:solidFill>
+          <a:noFill/>
         </p:spPr>
         <p:style>
           <a:lnRef idx="2">
@@ -5369,15 +5391,13 @@
         </p:nvSpPr>
         <p:spPr>
           <a:xfrm>
-            <a:off x="540272" y="20684603"/>
-            <a:ext cx="9545021" cy="7272808"/>
+            <a:off x="468264" y="21116651"/>
+            <a:ext cx="9138434" cy="7272808"/>
           </a:xfrm>
           <a:prstGeom prst="roundRect">
             <a:avLst/>
           </a:prstGeom>
-          <a:solidFill>
-            <a:schemeClr val="bg1"/>
-          </a:solidFill>
+          <a:noFill/>
         </p:spPr>
         <p:style>
           <a:lnRef idx="2">
@@ -5487,15 +5507,13 @@
         </p:nvSpPr>
         <p:spPr>
           <a:xfrm>
-            <a:off x="10090939" y="16580147"/>
+            <a:off x="10090939" y="17156211"/>
             <a:ext cx="7920880" cy="2384516"/>
           </a:xfrm>
           <a:prstGeom prst="ellipse">
             <a:avLst/>
           </a:prstGeom>
-          <a:solidFill>
-            <a:schemeClr val="bg1"/>
-          </a:solidFill>
+          <a:noFill/>
         </p:spPr>
         <p:style>
           <a:lnRef idx="2">
@@ -5557,15 +5575,13 @@
         </p:nvSpPr>
         <p:spPr>
           <a:xfrm>
-            <a:off x="11300258" y="20684603"/>
+            <a:off x="11421699" y="21116651"/>
             <a:ext cx="9545021" cy="7272808"/>
           </a:xfrm>
           <a:prstGeom prst="roundRect">
             <a:avLst/>
           </a:prstGeom>
-          <a:solidFill>
-            <a:schemeClr val="bg1"/>
-          </a:solidFill>
+          <a:noFill/>
         </p:spPr>
         <p:style>
           <a:lnRef idx="2">
@@ -5654,21 +5670,19 @@
       </p:sp>
       <p:sp>
         <p:nvSpPr>
-          <p:cNvPr id="7" name="雲形吹き出し 6"/>
+          <p:cNvPr id="18" name="雲形吹き出し 17"/>
           <p:cNvSpPr/>
           <p:nvPr/>
         </p:nvSpPr>
         <p:spPr>
           <a:xfrm rot="5400000">
-            <a:off x="13857239" y="8189531"/>
+            <a:off x="13241210" y="8189531"/>
             <a:ext cx="3757616" cy="11301507"/>
           </a:xfrm>
           <a:prstGeom prst="cloudCallout">
             <a:avLst/>
           </a:prstGeom>
-          <a:solidFill>
-            <a:schemeClr val="bg1"/>
-          </a:solidFill>
+          <a:noFill/>
         </p:spPr>
         <p:style>
           <a:lnRef idx="2">
@@ -5766,7 +5780,7 @@
 </file>
 
 <file path=ppt/slides/slide2.xml><?xml version="1.0" encoding="utf-8"?>
-<p:sld xmlns:a="http://schemas.openxmlformats.org/drawingml/2006/main" xmlns:r="http://schemas.openxmlformats.org/officeDocument/2006/relationships" xmlns:p="http://schemas.openxmlformats.org/presentationml/2006/main">
+<p:sld xmlns:a="http://schemas.openxmlformats.org/drawingml/2006/main" xmlns:r="http://schemas.openxmlformats.org/officeDocument/2006/relationships" xmlns:p="http://schemas.openxmlformats.org/presentationml/2006/main" showMasterSp="0">
   <p:cSld>
     <p:spTree>
       <p:nvGrpSpPr>
@@ -5796,9 +5810,7 @@
           <a:prstGeom prst="ellipse">
             <a:avLst/>
           </a:prstGeom>
-          <a:solidFill>
-            <a:schemeClr val="bg1"/>
-          </a:solidFill>
+          <a:noFill/>
         </p:spPr>
         <p:style>
           <a:lnRef idx="2">
@@ -5843,21 +5855,19 @@
       </p:sp>
       <p:sp>
         <p:nvSpPr>
-          <p:cNvPr id="3" name="角丸四角形 2"/>
+          <p:cNvPr id="4" name="円/楕円 3"/>
           <p:cNvSpPr/>
           <p:nvPr/>
         </p:nvSpPr>
         <p:spPr>
           <a:xfrm>
-            <a:off x="458907" y="3367690"/>
-            <a:ext cx="20603645" cy="4499489"/>
+            <a:off x="225569" y="7602773"/>
+            <a:ext cx="5427271" cy="2384516"/>
           </a:xfrm>
-          <a:prstGeom prst="roundRect">
+          <a:prstGeom prst="ellipse">
             <a:avLst/>
           </a:prstGeom>
-          <a:solidFill>
-            <a:schemeClr val="bg1"/>
-          </a:solidFill>
+          <a:noFill/>
         </p:spPr>
         <p:style>
           <a:lnRef idx="2">
@@ -5879,153 +5889,6 @@
           <a:bodyPr lIns="165872" tIns="82935" rIns="165872" bIns="82935" spcCol="0" rtlCol="0" anchor="ctr"/>
           <a:lstStyle/>
           <a:p>
-            <a:pPr marL="742950" indent="-742950">
-              <a:buFont typeface="+mj-ea"/>
-              <a:buAutoNum type="circleNumDbPlain"/>
-            </a:pPr>
-            <a:r>
-              <a:rPr lang="en-US" altLang="ja-JP" sz="4000" dirty="0" smtClean="0">
-                <a:solidFill>
-                  <a:schemeClr val="tx1"/>
-                </a:solidFill>
-                <a:latin typeface="Century" panose="02040604050505020304" pitchFamily="18" charset="0"/>
-              </a:rPr>
-              <a:t>J</a:t>
-            </a:r>
-            <a:r>
-              <a:rPr lang="ja-JP" altLang="en-US" sz="4000" dirty="0" smtClean="0">
-                <a:solidFill>
-                  <a:schemeClr val="tx1"/>
-                </a:solidFill>
-              </a:rPr>
-              <a:t>リーグ</a:t>
-            </a:r>
-            <a:r>
-              <a:rPr lang="ja-JP" altLang="en-US" sz="4000" dirty="0">
-                <a:solidFill>
-                  <a:schemeClr val="tx1"/>
-                </a:solidFill>
-              </a:rPr>
-              <a:t>のチームに関するデータを</a:t>
-            </a:r>
-            <a:r>
-              <a:rPr lang="ja-JP" altLang="en-US" sz="4000" dirty="0" smtClean="0">
-                <a:solidFill>
-                  <a:schemeClr val="tx1"/>
-                </a:solidFill>
-              </a:rPr>
-              <a:t>集める</a:t>
-            </a:r>
-            <a:endParaRPr lang="en-US" altLang="ja-JP" sz="4000" dirty="0" smtClean="0">
-              <a:solidFill>
-                <a:schemeClr val="tx1"/>
-              </a:solidFill>
-            </a:endParaRPr>
-          </a:p>
-          <a:p>
-            <a:pPr marL="742950" indent="-742950">
-              <a:buFont typeface="+mj-ea"/>
-              <a:buAutoNum type="circleNumDbPlain"/>
-            </a:pPr>
-            <a:r>
-              <a:rPr lang="ja-JP" altLang="en-US" sz="4000" dirty="0">
-                <a:solidFill>
-                  <a:schemeClr val="tx1"/>
-                </a:solidFill>
-              </a:rPr>
-              <a:t>チームに関するデータを解析する</a:t>
-            </a:r>
-          </a:p>
-          <a:p>
-            <a:pPr marL="742950" indent="-742950">
-              <a:buFont typeface="+mj-ea"/>
-              <a:buAutoNum type="circleNumDbPlain"/>
-            </a:pPr>
-            <a:r>
-              <a:rPr lang="en-US" altLang="ja-JP" sz="4000" dirty="0">
-                <a:solidFill>
-                  <a:schemeClr val="tx1"/>
-                </a:solidFill>
-                <a:latin typeface="Century" panose="02040604050505020304" pitchFamily="18" charset="0"/>
-              </a:rPr>
-              <a:t>J</a:t>
-            </a:r>
-            <a:r>
-              <a:rPr lang="ja-JP" altLang="en-US" sz="4000" dirty="0">
-                <a:solidFill>
-                  <a:schemeClr val="tx1"/>
-                </a:solidFill>
-              </a:rPr>
-              <a:t>リーグのプレイヤーに関するデータを集める</a:t>
-            </a:r>
-          </a:p>
-          <a:p>
-            <a:pPr marL="742950" indent="-742950">
-              <a:buFont typeface="+mj-ea"/>
-              <a:buAutoNum type="circleNumDbPlain"/>
-            </a:pPr>
-            <a:r>
-              <a:rPr lang="ja-JP" altLang="en-US" sz="4000" dirty="0">
-                <a:solidFill>
-                  <a:schemeClr val="tx1"/>
-                </a:solidFill>
-              </a:rPr>
-              <a:t>プレイヤーに関するデータを解析し，チームの成績との関係を</a:t>
-            </a:r>
-            <a:r>
-              <a:rPr lang="ja-JP" altLang="en-US" sz="4000" dirty="0" smtClean="0">
-                <a:solidFill>
-                  <a:schemeClr val="tx1"/>
-                </a:solidFill>
-              </a:rPr>
-              <a:t>見出す</a:t>
-            </a:r>
-            <a:endParaRPr lang="ja-JP" altLang="en-US" sz="4000" dirty="0">
-              <a:solidFill>
-                <a:schemeClr val="tx1"/>
-              </a:solidFill>
-            </a:endParaRPr>
-          </a:p>
-        </p:txBody>
-      </p:sp>
-      <p:sp>
-        <p:nvSpPr>
-          <p:cNvPr id="4" name="円/楕円 3"/>
-          <p:cNvSpPr/>
-          <p:nvPr/>
-        </p:nvSpPr>
-        <p:spPr>
-          <a:xfrm>
-            <a:off x="225569" y="8795031"/>
-            <a:ext cx="5427271" cy="2384516"/>
-          </a:xfrm>
-          <a:prstGeom prst="ellipse">
-            <a:avLst/>
-          </a:prstGeom>
-          <a:solidFill>
-            <a:schemeClr val="bg1"/>
-          </a:solidFill>
-        </p:spPr>
-        <p:style>
-          <a:lnRef idx="2">
-            <a:schemeClr val="accent1">
-              <a:shade val="50000"/>
-            </a:schemeClr>
-          </a:lnRef>
-          <a:fillRef idx="1">
-            <a:schemeClr val="accent1"/>
-          </a:fillRef>
-          <a:effectRef idx="0">
-            <a:schemeClr val="accent1"/>
-          </a:effectRef>
-          <a:fontRef idx="minor">
-            <a:schemeClr val="lt1"/>
-          </a:fontRef>
-        </p:style>
-        <p:txBody>
-          <a:bodyPr lIns="165872" tIns="82935" rIns="165872" bIns="82935" spcCol="0" rtlCol="0" anchor="ctr"/>
-          <a:lstStyle/>
-          <a:p>
             <a:pPr algn="ctr"/>
             <a:r>
               <a:rPr kumimoji="1" lang="ja-JP" altLang="en-US" sz="6000" b="1" dirty="0" smtClean="0">
@@ -6049,7 +5912,7 @@
       </p:sp>
       <p:pic>
         <p:nvPicPr>
-          <p:cNvPr id="1027" name="Picture 3" descr="C:\it-chiba\ボール支配率.jpg"/>
+          <p:cNvPr id="1026" name="Picture 2"/>
           <p:cNvPicPr>
             <a:picLocks noChangeAspect="1" noChangeArrowheads="1"/>
           </p:cNvPicPr>
@@ -6070,34 +5933,165 @@
         </p:blipFill>
         <p:spPr bwMode="auto">
           <a:xfrm>
-            <a:off x="5667279" y="7709079"/>
-            <a:ext cx="12457384" cy="13100723"/>
+            <a:off x="540271" y="10999307"/>
+            <a:ext cx="6989587" cy="6082078"/>
           </a:xfrm>
           <a:prstGeom prst="rect">
             <a:avLst/>
           </a:prstGeom>
           <a:noFill/>
+          <a:ln>
+            <a:noFill/>
+          </a:ln>
+          <a:effectLst/>
           <a:extLst>
             <a:ext uri="{909E8E84-426E-40DD-AFC4-6F175D3DCCD1}">
               <a14:hiddenFill xmlns:a14="http://schemas.microsoft.com/office/drawing/2010/main">
                 <a:solidFill>
-                  <a:srgbClr val="FFFFFF"/>
+                  <a:schemeClr val="accent1"/>
                 </a:solidFill>
               </a14:hiddenFill>
+            </a:ext>
+            <a:ext uri="{91240B29-F687-4F45-9708-019B960494DF}">
+              <a14:hiddenLine xmlns:a14="http://schemas.microsoft.com/office/drawing/2010/main" w="9525">
+                <a:solidFill>
+                  <a:schemeClr val="tx1"/>
+                </a:solidFill>
+                <a:miter lim="800000"/>
+                <a:headEnd/>
+                <a:tailEnd/>
+              </a14:hiddenLine>
+            </a:ext>
+            <a:ext uri="{AF507438-7753-43E0-B8FC-AC1667EBCBE1}">
+              <a14:hiddenEffects xmlns:a14="http://schemas.microsoft.com/office/drawing/2010/main">
+                <a:effectLst>
+                  <a:outerShdw dist="35921" dir="2700000" algn="ctr" rotWithShape="0">
+                    <a:schemeClr val="bg2"/>
+                  </a:outerShdw>
+                </a:effectLst>
+              </a14:hiddenEffects>
             </a:ext>
           </a:extLst>
         </p:spPr>
       </p:pic>
       <p:sp>
         <p:nvSpPr>
-          <p:cNvPr id="5" name="テキスト ボックス 4"/>
+          <p:cNvPr id="6" name="右矢印 5"/>
+          <p:cNvSpPr/>
+          <p:nvPr/>
+        </p:nvSpPr>
+        <p:spPr>
+          <a:xfrm>
+            <a:off x="7937902" y="11988118"/>
+            <a:ext cx="4976076" cy="4104456"/>
+          </a:xfrm>
+          <a:prstGeom prst="rightArrow">
+            <a:avLst>
+              <a:gd name="adj1" fmla="val 50000"/>
+              <a:gd name="adj2" fmla="val 51536"/>
+            </a:avLst>
+          </a:prstGeom>
+          <a:noFill/>
+        </p:spPr>
+        <p:style>
+          <a:lnRef idx="2">
+            <a:schemeClr val="accent1">
+              <a:shade val="50000"/>
+            </a:schemeClr>
+          </a:lnRef>
+          <a:fillRef idx="1">
+            <a:schemeClr val="accent1"/>
+          </a:fillRef>
+          <a:effectRef idx="0">
+            <a:schemeClr val="accent1"/>
+          </a:effectRef>
+          <a:fontRef idx="minor">
+            <a:schemeClr val="lt1"/>
+          </a:fontRef>
+        </p:style>
+        <p:txBody>
+          <a:bodyPr rtlCol="0" anchor="ctr"/>
+          <a:lstStyle/>
+          <a:p>
+            <a:pPr algn="ctr"/>
+            <a:endParaRPr kumimoji="1" lang="ja-JP" altLang="en-US"/>
+          </a:p>
+        </p:txBody>
+      </p:sp>
+      <p:pic>
+        <p:nvPicPr>
+          <p:cNvPr id="1027" name="Picture 3"/>
+          <p:cNvPicPr>
+            <a:picLocks noChangeAspect="1" noChangeArrowheads="1"/>
+          </p:cNvPicPr>
+          <p:nvPr/>
+        </p:nvPicPr>
+        <p:blipFill>
+          <a:blip r:embed="rId3" cstate="print">
+            <a:extLst>
+              <a:ext uri="{28A0092B-C50C-407E-A947-70E740481C1C}">
+                <a14:useLocalDpi xmlns:a14="http://schemas.microsoft.com/office/drawing/2010/main" val="0"/>
+              </a:ext>
+            </a:extLst>
+          </a:blip>
+          <a:srcRect/>
+          <a:stretch>
+            <a:fillRect/>
+          </a:stretch>
+        </p:blipFill>
+        <p:spPr bwMode="auto">
+          <a:xfrm>
+            <a:off x="14077776" y="10582513"/>
+            <a:ext cx="6574616" cy="6915665"/>
+          </a:xfrm>
+          <a:prstGeom prst="rect">
+            <a:avLst/>
+          </a:prstGeom>
+          <a:noFill/>
+          <a:ln>
+            <a:noFill/>
+          </a:ln>
+          <a:effectLst/>
+          <a:extLst>
+            <a:ext uri="{909E8E84-426E-40DD-AFC4-6F175D3DCCD1}">
+              <a14:hiddenFill xmlns:a14="http://schemas.microsoft.com/office/drawing/2010/main">
+                <a:solidFill>
+                  <a:schemeClr val="accent1"/>
+                </a:solidFill>
+              </a14:hiddenFill>
+            </a:ext>
+            <a:ext uri="{91240B29-F687-4F45-9708-019B960494DF}">
+              <a14:hiddenLine xmlns:a14="http://schemas.microsoft.com/office/drawing/2010/main" w="9525">
+                <a:solidFill>
+                  <a:schemeClr val="tx1"/>
+                </a:solidFill>
+                <a:miter lim="800000"/>
+                <a:headEnd/>
+                <a:tailEnd/>
+              </a14:hiddenLine>
+            </a:ext>
+            <a:ext uri="{AF507438-7753-43E0-B8FC-AC1667EBCBE1}">
+              <a14:hiddenEffects xmlns:a14="http://schemas.microsoft.com/office/drawing/2010/main">
+                <a:effectLst>
+                  <a:outerShdw dist="35921" dir="2700000" algn="ctr" rotWithShape="0">
+                    <a:schemeClr val="bg2"/>
+                  </a:outerShdw>
+                </a:effectLst>
+              </a14:hiddenEffects>
+            </a:ext>
+          </a:extLst>
+        </p:spPr>
+      </p:pic>
+      <p:sp>
+        <p:nvSpPr>
+          <p:cNvPr id="7" name="テキスト ボックス 6"/>
           <p:cNvSpPr txBox="1"/>
           <p:nvPr/>
         </p:nvSpPr>
         <p:spPr>
           <a:xfrm>
-            <a:off x="15949984" y="17476181"/>
-            <a:ext cx="2016224" cy="400110"/>
+            <a:off x="8777485" y="9752113"/>
+            <a:ext cx="3296910" cy="1015663"/>
           </a:xfrm>
           <a:prstGeom prst="rect">
             <a:avLst/>
@@ -6111,23 +6105,714 @@
           <a:lstStyle/>
           <a:p>
             <a:r>
-              <a:rPr kumimoji="1" lang="ja-JP" altLang="en-US" sz="2000" dirty="0" smtClean="0"/>
-              <a:t>浦和レッズ</a:t>
-            </a:r>
-            <a:endParaRPr kumimoji="1" lang="ja-JP" altLang="en-US" sz="2000" dirty="0"/>
-          </a:p>
-        </p:txBody>
-      </p:sp>
-      <p:sp>
-        <p:nvSpPr>
-          <p:cNvPr id="8" name="テキスト ボックス 7"/>
+              <a:rPr kumimoji="1" lang="ja-JP" altLang="en-US" sz="6000" dirty="0" smtClean="0"/>
+              <a:t>回帰分析</a:t>
+            </a:r>
+            <a:endParaRPr kumimoji="1" lang="ja-JP" altLang="en-US" sz="6000" dirty="0"/>
+          </a:p>
+        </p:txBody>
+      </p:sp>
+      <p:grpSp>
+        <p:nvGrpSpPr>
+          <p:cNvPr id="16" name="グループ化 15"/>
+          <p:cNvGrpSpPr/>
+          <p:nvPr/>
+        </p:nvGrpSpPr>
+        <p:grpSpPr>
+          <a:xfrm>
+            <a:off x="540272" y="18012055"/>
+            <a:ext cx="9477493" cy="10592809"/>
+            <a:chOff x="476196" y="17796650"/>
+            <a:chExt cx="9477494" cy="10592809"/>
+          </a:xfrm>
+          <a:noFill/>
+        </p:grpSpPr>
+        <p:sp>
+          <p:nvSpPr>
+            <p:cNvPr id="11" name="角丸四角形 10"/>
+            <p:cNvSpPr/>
+            <p:nvPr/>
+          </p:nvSpPr>
+          <p:spPr>
+            <a:xfrm>
+              <a:off x="476196" y="17796650"/>
+              <a:ext cx="9477494" cy="10592809"/>
+            </a:xfrm>
+            <a:prstGeom prst="roundRect">
+              <a:avLst/>
+            </a:prstGeom>
+            <a:grpFill/>
+            <a:ln>
+              <a:noFill/>
+            </a:ln>
+          </p:spPr>
+          <p:style>
+            <a:lnRef idx="2">
+              <a:schemeClr val="accent1">
+                <a:shade val="50000"/>
+              </a:schemeClr>
+            </a:lnRef>
+            <a:fillRef idx="1">
+              <a:schemeClr val="accent1"/>
+            </a:fillRef>
+            <a:effectRef idx="0">
+              <a:schemeClr val="accent1"/>
+            </a:effectRef>
+            <a:fontRef idx="minor">
+              <a:schemeClr val="lt1"/>
+            </a:fontRef>
+          </p:style>
+          <p:txBody>
+            <a:bodyPr lIns="165872" tIns="82935" rIns="165872" bIns="82935" spcCol="0" rtlCol="0" anchor="ctr"/>
+            <a:lstStyle/>
+            <a:p>
+              <a:endParaRPr lang="ja-JP" altLang="en-US" sz="4000" dirty="0">
+                <a:solidFill>
+                  <a:schemeClr val="tx1"/>
+                </a:solidFill>
+              </a:endParaRPr>
+            </a:p>
+          </p:txBody>
+        </p:sp>
+        <p:sp>
+          <p:nvSpPr>
+            <p:cNvPr id="10" name="テキスト ボックス 9"/>
+            <p:cNvSpPr txBox="1"/>
+            <p:nvPr/>
+          </p:nvSpPr>
+          <p:spPr>
+            <a:xfrm>
+              <a:off x="737876" y="19604483"/>
+              <a:ext cx="3709406" cy="769442"/>
+            </a:xfrm>
+            <a:prstGeom prst="rect">
+              <a:avLst/>
+            </a:prstGeom>
+            <a:grpFill/>
+            <a:ln>
+              <a:noFill/>
+            </a:ln>
+          </p:spPr>
+          <p:txBody>
+            <a:bodyPr wrap="square" rtlCol="0">
+              <a:spAutoFit/>
+            </a:bodyPr>
+            <a:lstStyle/>
+            <a:p>
+              <a:r>
+                <a:rPr kumimoji="1" lang="ja-JP" altLang="en-US" sz="4400" dirty="0" smtClean="0"/>
+                <a:t>今回は・・・</a:t>
+              </a:r>
+              <a:endParaRPr kumimoji="1" lang="en-US" altLang="ja-JP" sz="4400" dirty="0" smtClean="0"/>
+            </a:p>
+          </p:txBody>
+        </p:sp>
+        <p:sp>
+          <p:nvSpPr>
+            <p:cNvPr id="13" name="テキスト ボックス 12"/>
+            <p:cNvSpPr txBox="1"/>
+            <p:nvPr/>
+          </p:nvSpPr>
+          <p:spPr>
+            <a:xfrm>
+              <a:off x="1739844" y="18092315"/>
+              <a:ext cx="7098638" cy="923330"/>
+            </a:xfrm>
+            <a:prstGeom prst="rect">
+              <a:avLst/>
+            </a:prstGeom>
+            <a:grpFill/>
+            <a:ln>
+              <a:noFill/>
+            </a:ln>
+          </p:spPr>
+          <p:txBody>
+            <a:bodyPr wrap="square" rtlCol="0">
+              <a:spAutoFit/>
+            </a:bodyPr>
+            <a:lstStyle/>
+            <a:p>
+              <a:r>
+                <a:rPr lang="ja-JP" altLang="en-US" sz="5400" dirty="0" smtClean="0"/>
+                <a:t>チームに</a:t>
+              </a:r>
+              <a:r>
+                <a:rPr lang="ja-JP" altLang="en-US" sz="5400" dirty="0"/>
+                <a:t>関する</a:t>
+              </a:r>
+              <a:r>
+                <a:rPr lang="ja-JP" altLang="en-US" sz="5400" dirty="0" smtClean="0"/>
+                <a:t>データ</a:t>
+              </a:r>
+              <a:endParaRPr lang="ja-JP" altLang="en-US" sz="5400" dirty="0"/>
+            </a:p>
+          </p:txBody>
+        </p:sp>
+        <p:sp>
+          <p:nvSpPr>
+            <p:cNvPr id="14" name="フローチャート : 結合子 13"/>
+            <p:cNvSpPr/>
+            <p:nvPr/>
+          </p:nvSpPr>
+          <p:spPr>
+            <a:xfrm>
+              <a:off x="2991067" y="20828619"/>
+              <a:ext cx="4259362" cy="3516667"/>
+            </a:xfrm>
+            <a:prstGeom prst="flowChartConnector">
+              <a:avLst/>
+            </a:prstGeom>
+            <a:blipFill>
+              <a:blip r:embed="rId4"/>
+              <a:tile tx="0" ty="0" sx="100000" sy="100000" flip="none" algn="tl"/>
+            </a:blipFill>
+            <a:ln>
+              <a:noFill/>
+            </a:ln>
+          </p:spPr>
+          <p:style>
+            <a:lnRef idx="2">
+              <a:schemeClr val="accent1">
+                <a:shade val="50000"/>
+              </a:schemeClr>
+            </a:lnRef>
+            <a:fillRef idx="1">
+              <a:schemeClr val="accent1"/>
+            </a:fillRef>
+            <a:effectRef idx="0">
+              <a:schemeClr val="accent1"/>
+            </a:effectRef>
+            <a:fontRef idx="minor">
+              <a:schemeClr val="lt1"/>
+            </a:fontRef>
+          </p:style>
+          <p:txBody>
+            <a:bodyPr rtlCol="0" anchor="ctr"/>
+            <a:lstStyle/>
+            <a:p>
+              <a:pPr algn="ctr"/>
+              <a:r>
+                <a:rPr kumimoji="1" lang="ja-JP" altLang="en-US" sz="3600" dirty="0" smtClean="0">
+                  <a:solidFill>
+                    <a:schemeClr val="tx1"/>
+                  </a:solidFill>
+                </a:rPr>
+                <a:t>ボール支配率</a:t>
+              </a:r>
+              <a:endParaRPr kumimoji="1" lang="ja-JP" altLang="en-US" sz="3600" dirty="0">
+                <a:solidFill>
+                  <a:schemeClr val="tx1"/>
+                </a:solidFill>
+              </a:endParaRPr>
+            </a:p>
+          </p:txBody>
+        </p:sp>
+        <p:sp>
+          <p:nvSpPr>
+            <p:cNvPr id="20" name="フローチャート : 結合子 19"/>
+            <p:cNvSpPr/>
+            <p:nvPr/>
+          </p:nvSpPr>
+          <p:spPr>
+            <a:xfrm>
+              <a:off x="5508824" y="24501027"/>
+              <a:ext cx="4259362" cy="3516667"/>
+            </a:xfrm>
+            <a:prstGeom prst="flowChartConnector">
+              <a:avLst/>
+            </a:prstGeom>
+            <a:blipFill>
+              <a:blip r:embed="rId4"/>
+              <a:tile tx="0" ty="0" sx="100000" sy="100000" flip="none" algn="tl"/>
+            </a:blipFill>
+            <a:ln>
+              <a:noFill/>
+            </a:ln>
+          </p:spPr>
+          <p:style>
+            <a:lnRef idx="2">
+              <a:schemeClr val="accent1">
+                <a:shade val="50000"/>
+              </a:schemeClr>
+            </a:lnRef>
+            <a:fillRef idx="1">
+              <a:schemeClr val="accent1"/>
+            </a:fillRef>
+            <a:effectRef idx="0">
+              <a:schemeClr val="accent1"/>
+            </a:effectRef>
+            <a:fontRef idx="minor">
+              <a:schemeClr val="lt1"/>
+            </a:fontRef>
+          </p:style>
+          <p:txBody>
+            <a:bodyPr rtlCol="0" anchor="ctr"/>
+            <a:lstStyle/>
+            <a:p>
+              <a:pPr algn="ctr"/>
+              <a:r>
+                <a:rPr kumimoji="1" lang="ja-JP" altLang="en-US" sz="3600" dirty="0" smtClean="0">
+                  <a:solidFill>
+                    <a:schemeClr val="tx1"/>
+                  </a:solidFill>
+                </a:rPr>
+                <a:t>失点数</a:t>
+              </a:r>
+              <a:endParaRPr kumimoji="1" lang="ja-JP" altLang="en-US" sz="3600" dirty="0">
+                <a:solidFill>
+                  <a:schemeClr val="tx1"/>
+                </a:solidFill>
+              </a:endParaRPr>
+            </a:p>
+          </p:txBody>
+        </p:sp>
+        <p:sp>
+          <p:nvSpPr>
+            <p:cNvPr id="21" name="フローチャート : 結合子 20"/>
+            <p:cNvSpPr/>
+            <p:nvPr/>
+          </p:nvSpPr>
+          <p:spPr>
+            <a:xfrm>
+              <a:off x="684288" y="24501027"/>
+              <a:ext cx="4259362" cy="3516667"/>
+            </a:xfrm>
+            <a:prstGeom prst="flowChartConnector">
+              <a:avLst/>
+            </a:prstGeom>
+            <a:blipFill>
+              <a:blip r:embed="rId4"/>
+              <a:tile tx="0" ty="0" sx="100000" sy="100000" flip="none" algn="tl"/>
+            </a:blipFill>
+            <a:ln>
+              <a:noFill/>
+            </a:ln>
+          </p:spPr>
+          <p:style>
+            <a:lnRef idx="2">
+              <a:schemeClr val="accent1">
+                <a:shade val="50000"/>
+              </a:schemeClr>
+            </a:lnRef>
+            <a:fillRef idx="1">
+              <a:schemeClr val="accent1"/>
+            </a:fillRef>
+            <a:effectRef idx="0">
+              <a:schemeClr val="accent1"/>
+            </a:effectRef>
+            <a:fontRef idx="minor">
+              <a:schemeClr val="lt1"/>
+            </a:fontRef>
+          </p:style>
+          <p:txBody>
+            <a:bodyPr rtlCol="0" anchor="ctr"/>
+            <a:lstStyle/>
+            <a:p>
+              <a:pPr algn="ctr"/>
+              <a:r>
+                <a:rPr lang="ja-JP" altLang="en-US" sz="3600" dirty="0">
+                  <a:solidFill>
+                    <a:schemeClr val="tx1"/>
+                  </a:solidFill>
+                </a:rPr>
+                <a:t>被シュート</a:t>
+              </a:r>
+              <a:endParaRPr kumimoji="1" lang="ja-JP" altLang="en-US" sz="3600" dirty="0">
+                <a:solidFill>
+                  <a:schemeClr val="tx1"/>
+                </a:solidFill>
+              </a:endParaRPr>
+            </a:p>
+          </p:txBody>
+        </p:sp>
+      </p:grpSp>
+      <p:sp>
+        <p:nvSpPr>
+          <p:cNvPr id="24" name="円/楕円 23"/>
+          <p:cNvSpPr/>
+          <p:nvPr/>
+        </p:nvSpPr>
+        <p:spPr>
+          <a:xfrm>
+            <a:off x="10869658" y="18012055"/>
+            <a:ext cx="6088438" cy="2384516"/>
+          </a:xfrm>
+          <a:prstGeom prst="ellipse">
+            <a:avLst/>
+          </a:prstGeom>
+          <a:noFill/>
+        </p:spPr>
+        <p:style>
+          <a:lnRef idx="2">
+            <a:schemeClr val="accent1">
+              <a:shade val="50000"/>
+            </a:schemeClr>
+          </a:lnRef>
+          <a:fillRef idx="1">
+            <a:schemeClr val="accent1"/>
+          </a:fillRef>
+          <a:effectRef idx="0">
+            <a:schemeClr val="accent1"/>
+          </a:effectRef>
+          <a:fontRef idx="minor">
+            <a:schemeClr val="lt1"/>
+          </a:fontRef>
+        </p:style>
+        <p:txBody>
+          <a:bodyPr lIns="165872" tIns="82935" rIns="165872" bIns="82935" spcCol="0" rtlCol="0" anchor="ctr"/>
+          <a:lstStyle/>
+          <a:p>
+            <a:pPr algn="ctr"/>
+            <a:r>
+              <a:rPr lang="ja-JP" altLang="en-US" sz="6000" b="1" dirty="0">
+                <a:solidFill>
+                  <a:schemeClr val="bg2">
+                    <a:lumMod val="10000"/>
+                  </a:schemeClr>
+                </a:solidFill>
+              </a:rPr>
+              <a:t>今後の計画</a:t>
+            </a:r>
+            <a:endParaRPr kumimoji="1" lang="ja-JP" altLang="en-US" sz="6000" b="1" dirty="0">
+              <a:solidFill>
+                <a:schemeClr val="bg2">
+                  <a:lumMod val="10000"/>
+                </a:schemeClr>
+              </a:solidFill>
+            </a:endParaRPr>
+          </a:p>
+        </p:txBody>
+      </p:sp>
+      <p:graphicFrame>
+        <p:nvGraphicFramePr>
+          <p:cNvPr id="22" name="表 21"/>
+          <p:cNvGraphicFramePr>
+            <a:graphicFrameLocks noGrp="1"/>
+          </p:cNvGraphicFramePr>
+          <p:nvPr>
+            <p:extLst>
+              <p:ext uri="{D42A27DB-BD31-4B8C-83A1-F6EECF244321}">
+                <p14:modId xmlns:p14="http://schemas.microsoft.com/office/powerpoint/2010/main" val="1425985734"/>
+              </p:ext>
+            </p:extLst>
+          </p:nvPr>
+        </p:nvGraphicFramePr>
+        <p:xfrm>
+          <a:off x="10760729" y="20900216"/>
+          <a:ext cx="9940211" cy="8641371"/>
+        </p:xfrm>
+        <a:graphic>
+          <a:graphicData uri="http://schemas.openxmlformats.org/drawingml/2006/table">
+            <a:tbl>
+              <a:tblPr firstRow="1" bandRow="1">
+                <a:tableStyleId>{5C22544A-7EE6-4342-B048-85BDC9FD1C3A}</a:tableStyleId>
+              </a:tblPr>
+              <a:tblGrid>
+                <a:gridCol w="3813578"/>
+                <a:gridCol w="6126633"/>
+              </a:tblGrid>
+              <a:tr h="1368971">
+                <a:tc>
+                  <a:txBody>
+                    <a:bodyPr/>
+                    <a:lstStyle/>
+                    <a:p>
+                      <a:r>
+                        <a:rPr kumimoji="1" lang="en-US" altLang="ja-JP" sz="4400" dirty="0" smtClean="0"/>
+                        <a:t>2013</a:t>
+                      </a:r>
+                      <a:r>
+                        <a:rPr kumimoji="1" lang="ja-JP" altLang="en-US" sz="4400" dirty="0" smtClean="0"/>
+                        <a:t>年</a:t>
+                      </a:r>
+                      <a:r>
+                        <a:rPr kumimoji="1" lang="en-US" altLang="ja-JP" sz="4400" dirty="0" smtClean="0"/>
+                        <a:t>12</a:t>
+                      </a:r>
+                      <a:r>
+                        <a:rPr kumimoji="1" lang="ja-JP" altLang="en-US" sz="4400" dirty="0" smtClean="0"/>
+                        <a:t>月～</a:t>
+                      </a:r>
+                      <a:r>
+                        <a:rPr kumimoji="1" lang="en-US" altLang="ja-JP" sz="4400" dirty="0" smtClean="0"/>
+                        <a:t>2014</a:t>
+                      </a:r>
+                      <a:r>
+                        <a:rPr kumimoji="1" lang="ja-JP" altLang="en-US" sz="4400" dirty="0" smtClean="0"/>
+                        <a:t>年</a:t>
+                      </a:r>
+                      <a:r>
+                        <a:rPr kumimoji="1" lang="en-US" altLang="ja-JP" sz="4400" dirty="0" smtClean="0"/>
+                        <a:t>1</a:t>
+                      </a:r>
+                      <a:r>
+                        <a:rPr kumimoji="1" lang="ja-JP" altLang="en-US" sz="4400" dirty="0" smtClean="0"/>
+                        <a:t>月</a:t>
+                      </a:r>
+                      <a:endParaRPr kumimoji="1" lang="ja-JP" altLang="en-US" sz="4400" dirty="0"/>
+                    </a:p>
+                  </a:txBody>
+                  <a:tcPr/>
+                </a:tc>
+                <a:tc>
+                  <a:txBody>
+                    <a:bodyPr/>
+                    <a:lstStyle/>
+                    <a:p>
+                      <a:r>
+                        <a:rPr kumimoji="1" lang="ja-JP" altLang="en-US" sz="4400" dirty="0" smtClean="0"/>
+                        <a:t>選手の成績をポジション別に調査</a:t>
+                      </a:r>
+                    </a:p>
+                  </a:txBody>
+                  <a:tcPr/>
+                </a:tc>
+              </a:tr>
+              <a:tr h="1478377">
+                <a:tc>
+                  <a:txBody>
+                    <a:bodyPr/>
+                    <a:lstStyle/>
+                    <a:p>
+                      <a:r>
+                        <a:rPr kumimoji="1" lang="en-US" altLang="ja-JP" sz="4400" dirty="0" smtClean="0"/>
+                        <a:t>2014</a:t>
+                      </a:r>
+                      <a:r>
+                        <a:rPr kumimoji="1" lang="ja-JP" altLang="en-US" sz="4400" dirty="0" smtClean="0"/>
+                        <a:t>年</a:t>
+                      </a:r>
+                      <a:r>
+                        <a:rPr kumimoji="1" lang="en-US" altLang="ja-JP" sz="4400" dirty="0" smtClean="0"/>
+                        <a:t>2</a:t>
+                      </a:r>
+                      <a:r>
+                        <a:rPr kumimoji="1" lang="ja-JP" altLang="en-US" sz="4400" dirty="0" smtClean="0"/>
+                        <a:t>月～</a:t>
+                      </a:r>
+                      <a:r>
+                        <a:rPr kumimoji="1" lang="en-US" altLang="ja-JP" sz="4400" dirty="0" smtClean="0"/>
+                        <a:t>2014</a:t>
+                      </a:r>
+                      <a:r>
+                        <a:rPr kumimoji="1" lang="ja-JP" altLang="en-US" sz="4400" dirty="0" smtClean="0"/>
+                        <a:t>年</a:t>
+                      </a:r>
+                      <a:r>
+                        <a:rPr kumimoji="1" lang="en-US" altLang="ja-JP" sz="4400" dirty="0" smtClean="0"/>
+                        <a:t>5</a:t>
+                      </a:r>
+                      <a:r>
+                        <a:rPr kumimoji="1" lang="ja-JP" altLang="en-US" sz="4400" dirty="0" smtClean="0"/>
+                        <a:t>月</a:t>
+                      </a:r>
+                      <a:endParaRPr kumimoji="1" lang="ja-JP" altLang="en-US" sz="4400" dirty="0"/>
+                    </a:p>
+                  </a:txBody>
+                  <a:tcPr/>
+                </a:tc>
+                <a:tc>
+                  <a:txBody>
+                    <a:bodyPr/>
+                    <a:lstStyle/>
+                    <a:p>
+                      <a:r>
+                        <a:rPr kumimoji="1" lang="en-US" altLang="ja-JP" sz="4400" dirty="0" smtClean="0"/>
+                        <a:t>J</a:t>
+                      </a:r>
+                      <a:r>
+                        <a:rPr kumimoji="1" lang="ja-JP" altLang="en-US" sz="4400" dirty="0" smtClean="0"/>
+                        <a:t>リーグのプレイヤーに関するデータを集める</a:t>
+                      </a:r>
+                      <a:endParaRPr kumimoji="1" lang="ja-JP" altLang="en-US" sz="4400" dirty="0" smtClean="0"/>
+                    </a:p>
+                  </a:txBody>
+                  <a:tcPr/>
+                </a:tc>
+              </a:tr>
+              <a:tr h="2487356">
+                <a:tc>
+                  <a:txBody>
+                    <a:bodyPr/>
+                    <a:lstStyle/>
+                    <a:p>
+                      <a:r>
+                        <a:rPr kumimoji="1" lang="en-US" altLang="ja-JP" sz="4400" dirty="0" smtClean="0"/>
+                        <a:t>2014</a:t>
+                      </a:r>
+                      <a:r>
+                        <a:rPr kumimoji="1" lang="ja-JP" altLang="en-US" sz="4400" dirty="0" smtClean="0"/>
+                        <a:t>年</a:t>
+                      </a:r>
+                      <a:r>
+                        <a:rPr kumimoji="1" lang="en-US" altLang="ja-JP" sz="4400" dirty="0" smtClean="0"/>
+                        <a:t>6</a:t>
+                      </a:r>
+                      <a:r>
+                        <a:rPr kumimoji="1" lang="ja-JP" altLang="en-US" sz="4400" dirty="0" smtClean="0"/>
+                        <a:t>月～</a:t>
+                      </a:r>
+                      <a:r>
+                        <a:rPr kumimoji="1" lang="en-US" altLang="ja-JP" sz="4400" dirty="0" smtClean="0"/>
+                        <a:t>2014</a:t>
+                      </a:r>
+                      <a:r>
+                        <a:rPr kumimoji="1" lang="ja-JP" altLang="en-US" sz="4400" dirty="0" smtClean="0"/>
+                        <a:t>年</a:t>
+                      </a:r>
+                      <a:r>
+                        <a:rPr kumimoji="1" lang="en-US" altLang="ja-JP" sz="4400" dirty="0" smtClean="0"/>
+                        <a:t>9</a:t>
+                      </a:r>
+                      <a:r>
+                        <a:rPr kumimoji="1" lang="ja-JP" altLang="en-US" sz="4400" dirty="0" smtClean="0"/>
+                        <a:t>月</a:t>
+                      </a:r>
+                      <a:endParaRPr kumimoji="1" lang="ja-JP" altLang="en-US" sz="4400" dirty="0"/>
+                    </a:p>
+                  </a:txBody>
+                  <a:tcPr anchor="ctr"/>
+                </a:tc>
+                <a:tc>
+                  <a:txBody>
+                    <a:bodyPr/>
+                    <a:lstStyle/>
+                    <a:p>
+                      <a:r>
+                        <a:rPr kumimoji="1" lang="ja-JP" altLang="en-US" sz="4400" dirty="0" smtClean="0"/>
+                        <a:t>プレイヤーに関するデータを解析し，チームの成績との関係を見出す</a:t>
+                      </a:r>
+                      <a:endParaRPr kumimoji="1" lang="ja-JP" altLang="en-US" sz="4400" dirty="0" smtClean="0"/>
+                    </a:p>
+                  </a:txBody>
+                  <a:tcPr/>
+                </a:tc>
+              </a:tr>
+              <a:tr h="1478377">
+                <a:tc>
+                  <a:txBody>
+                    <a:bodyPr/>
+                    <a:lstStyle/>
+                    <a:p>
+                      <a:r>
+                        <a:rPr kumimoji="1" lang="en-US" altLang="zh-TW" sz="4400" dirty="0" smtClean="0">
+                          <a:latin typeface="+mn-lt"/>
+                        </a:rPr>
+                        <a:t>2014</a:t>
+                      </a:r>
+                      <a:r>
+                        <a:rPr kumimoji="1" lang="zh-TW" altLang="en-US" sz="4400" dirty="0" smtClean="0">
+                          <a:latin typeface="HGPｺﾞｼｯｸE" panose="020B0900000000000000" pitchFamily="50" charset="-128"/>
+                          <a:ea typeface="HGPｺﾞｼｯｸE" panose="020B0900000000000000" pitchFamily="50" charset="-128"/>
+                        </a:rPr>
+                        <a:t>年</a:t>
+                      </a:r>
+                      <a:r>
+                        <a:rPr kumimoji="1" lang="en-US" altLang="zh-TW" sz="4400" dirty="0" smtClean="0">
+                          <a:latin typeface="+mn-lt"/>
+                          <a:ea typeface="HGPｺﾞｼｯｸE" panose="020B0900000000000000" pitchFamily="50" charset="-128"/>
+                        </a:rPr>
+                        <a:t>7</a:t>
+                      </a:r>
+                      <a:r>
+                        <a:rPr kumimoji="1" lang="zh-TW" altLang="en-US" sz="4400" dirty="0" smtClean="0">
+                          <a:latin typeface="HGPｺﾞｼｯｸE" panose="020B0900000000000000" pitchFamily="50" charset="-128"/>
+                          <a:ea typeface="HGPｺﾞｼｯｸE" panose="020B0900000000000000" pitchFamily="50" charset="-128"/>
+                        </a:rPr>
+                        <a:t>月～	</a:t>
+                      </a:r>
+                      <a:endParaRPr kumimoji="1" lang="ja-JP" altLang="en-US" sz="4400" dirty="0">
+                        <a:latin typeface="HGPｺﾞｼｯｸE" panose="020B0900000000000000" pitchFamily="50" charset="-128"/>
+                        <a:ea typeface="HGPｺﾞｼｯｸE" panose="020B0900000000000000" pitchFamily="50" charset="-128"/>
+                      </a:endParaRPr>
+                    </a:p>
+                  </a:txBody>
+                  <a:tcPr anchor="ctr"/>
+                </a:tc>
+                <a:tc>
+                  <a:txBody>
+                    <a:bodyPr/>
+                    <a:lstStyle/>
+                    <a:p>
+                      <a:r>
+                        <a:rPr kumimoji="1" lang="ja-JP" altLang="en-US" sz="4400" dirty="0" smtClean="0"/>
+                        <a:t>論文執筆</a:t>
+                      </a:r>
+                    </a:p>
+                  </a:txBody>
+                  <a:tcPr/>
+                </a:tc>
+              </a:tr>
+              <a:tr h="1478377">
+                <a:tc>
+                  <a:txBody>
+                    <a:bodyPr/>
+                    <a:lstStyle/>
+                    <a:p>
+                      <a:r>
+                        <a:rPr kumimoji="1" lang="en-US" altLang="ja-JP" sz="4400" dirty="0" smtClean="0">
+                          <a:latin typeface="HGPｺﾞｼｯｸE" panose="020B0900000000000000" pitchFamily="50" charset="-128"/>
+                          <a:ea typeface="HGPｺﾞｼｯｸE" panose="020B0900000000000000" pitchFamily="50" charset="-128"/>
+                        </a:rPr>
+                        <a:t>2014</a:t>
+                      </a:r>
+                      <a:r>
+                        <a:rPr kumimoji="1" lang="ja-JP" altLang="en-US" sz="4400" dirty="0" smtClean="0">
+                          <a:latin typeface="HGPｺﾞｼｯｸE" panose="020B0900000000000000" pitchFamily="50" charset="-128"/>
+                          <a:ea typeface="HGPｺﾞｼｯｸE" panose="020B0900000000000000" pitchFamily="50" charset="-128"/>
+                        </a:rPr>
+                        <a:t>年</a:t>
+                      </a:r>
+                      <a:r>
+                        <a:rPr kumimoji="1" lang="en-US" altLang="ja-JP" sz="4400" dirty="0" smtClean="0">
+                          <a:latin typeface="HGPｺﾞｼｯｸE" panose="020B0900000000000000" pitchFamily="50" charset="-128"/>
+                          <a:ea typeface="HGPｺﾞｼｯｸE" panose="020B0900000000000000" pitchFamily="50" charset="-128"/>
+                        </a:rPr>
+                        <a:t>10</a:t>
+                      </a:r>
+                      <a:r>
+                        <a:rPr kumimoji="1" lang="ja-JP" altLang="en-US" sz="4400" dirty="0" smtClean="0">
+                          <a:latin typeface="HGPｺﾞｼｯｸE" panose="020B0900000000000000" pitchFamily="50" charset="-128"/>
+                          <a:ea typeface="HGPｺﾞｼｯｸE" panose="020B0900000000000000" pitchFamily="50" charset="-128"/>
+                        </a:rPr>
+                        <a:t>月～</a:t>
+                      </a:r>
+                      <a:endParaRPr kumimoji="1" lang="ja-JP" altLang="en-US" sz="4400" dirty="0">
+                        <a:latin typeface="HGPｺﾞｼｯｸE" panose="020B0900000000000000" pitchFamily="50" charset="-128"/>
+                        <a:ea typeface="HGPｺﾞｼｯｸE" panose="020B0900000000000000" pitchFamily="50" charset="-128"/>
+                      </a:endParaRPr>
+                    </a:p>
+                  </a:txBody>
+                  <a:tcPr/>
+                </a:tc>
+                <a:tc>
+                  <a:txBody>
+                    <a:bodyPr/>
+                    <a:lstStyle/>
+                    <a:p>
+                      <a:r>
+                        <a:rPr kumimoji="1" lang="ja-JP" altLang="en-US" sz="4400" dirty="0" smtClean="0"/>
+                        <a:t>発表準備</a:t>
+                      </a:r>
+                    </a:p>
+                  </a:txBody>
+                  <a:tcPr/>
+                </a:tc>
+              </a:tr>
+            </a:tbl>
+          </a:graphicData>
+        </a:graphic>
+      </p:graphicFrame>
+      <p:sp>
+        <p:nvSpPr>
+          <p:cNvPr id="23" name="テキスト ボックス 22"/>
           <p:cNvSpPr txBox="1"/>
           <p:nvPr/>
         </p:nvSpPr>
         <p:spPr>
           <a:xfrm>
-            <a:off x="14653840" y="18124253"/>
-            <a:ext cx="2304256" cy="400110"/>
+            <a:off x="1188344" y="3762723"/>
+            <a:ext cx="20198456" cy="3046988"/>
           </a:xfrm>
           <a:prstGeom prst="rect">
             <a:avLst/>
@@ -6140,507 +6825,56 @@
           </a:bodyPr>
           <a:lstStyle/>
           <a:p>
-            <a:r>
-              <a:rPr lang="ja-JP" altLang="en-US" sz="2000" dirty="0" smtClean="0"/>
-              <a:t>横浜</a:t>
-            </a:r>
-            <a:r>
-              <a:rPr lang="en-US" altLang="ja-JP" sz="2000" dirty="0" smtClean="0"/>
-              <a:t>F</a:t>
-            </a:r>
-            <a:r>
-              <a:rPr lang="ja-JP" altLang="en-US" sz="2000" dirty="0" smtClean="0"/>
-              <a:t>・マリノス</a:t>
-            </a:r>
-            <a:endParaRPr kumimoji="1" lang="ja-JP" altLang="en-US" sz="2000" dirty="0"/>
-          </a:p>
-        </p:txBody>
-      </p:sp>
-      <p:sp>
-        <p:nvSpPr>
-          <p:cNvPr id="9" name="テキスト ボックス 8"/>
-          <p:cNvSpPr txBox="1"/>
-          <p:nvPr/>
-        </p:nvSpPr>
-        <p:spPr>
-          <a:xfrm>
-            <a:off x="13523337" y="12651645"/>
-            <a:ext cx="2304256" cy="400110"/>
-          </a:xfrm>
-          <a:prstGeom prst="rect">
-            <a:avLst/>
-          </a:prstGeom>
-          <a:noFill/>
-        </p:spPr>
-        <p:txBody>
-          <a:bodyPr wrap="square" rtlCol="0">
-            <a:spAutoFit/>
-          </a:bodyPr>
-          <a:lstStyle/>
-          <a:p>
-            <a:r>
-              <a:rPr kumimoji="1" lang="ja-JP" altLang="en-US" sz="2000" dirty="0" smtClean="0"/>
-              <a:t>名古屋グランパス</a:t>
-            </a:r>
-            <a:endParaRPr kumimoji="1" lang="ja-JP" altLang="en-US" sz="2000" dirty="0"/>
-          </a:p>
-        </p:txBody>
-      </p:sp>
-      <p:sp>
-        <p:nvSpPr>
-          <p:cNvPr id="10" name="テキスト ボックス 9"/>
-          <p:cNvSpPr txBox="1"/>
-          <p:nvPr/>
-        </p:nvSpPr>
-        <p:spPr>
-          <a:xfrm>
-            <a:off x="13354129" y="16900117"/>
-            <a:ext cx="2642671" cy="400110"/>
-          </a:xfrm>
-          <a:prstGeom prst="rect">
-            <a:avLst/>
-          </a:prstGeom>
-          <a:noFill/>
-        </p:spPr>
-        <p:txBody>
-          <a:bodyPr wrap="square" rtlCol="0">
-            <a:spAutoFit/>
-          </a:bodyPr>
-          <a:lstStyle/>
-          <a:p>
-            <a:r>
-              <a:rPr lang="ja-JP" altLang="en-US" sz="2000" dirty="0"/>
-              <a:t>サンフレッチェ広島</a:t>
-            </a:r>
-            <a:endParaRPr kumimoji="1" lang="ja-JP" altLang="en-US" sz="2000" dirty="0"/>
-          </a:p>
-        </p:txBody>
-      </p:sp>
-      <p:sp>
-        <p:nvSpPr>
-          <p:cNvPr id="11" name="テキスト ボックス 10"/>
-          <p:cNvSpPr txBox="1"/>
-          <p:nvPr/>
-        </p:nvSpPr>
-        <p:spPr>
-          <a:xfrm>
-            <a:off x="13285688" y="13267779"/>
-            <a:ext cx="2304256" cy="400110"/>
-          </a:xfrm>
-          <a:prstGeom prst="rect">
-            <a:avLst/>
-          </a:prstGeom>
-          <a:noFill/>
-        </p:spPr>
-        <p:txBody>
-          <a:bodyPr wrap="square" rtlCol="0">
-            <a:spAutoFit/>
-          </a:bodyPr>
-          <a:lstStyle/>
-          <a:p>
-            <a:r>
-              <a:rPr lang="ja-JP" altLang="en-US" sz="2000" dirty="0" smtClean="0"/>
-              <a:t>川崎フロンターレ</a:t>
-            </a:r>
-            <a:endParaRPr kumimoji="1" lang="ja-JP" altLang="en-US" sz="2000" dirty="0"/>
-          </a:p>
-        </p:txBody>
-      </p:sp>
-      <p:sp>
-        <p:nvSpPr>
-          <p:cNvPr id="12" name="テキスト ボックス 11"/>
-          <p:cNvSpPr txBox="1"/>
-          <p:nvPr/>
-        </p:nvSpPr>
-        <p:spPr>
-          <a:xfrm>
-            <a:off x="12368771" y="16252045"/>
-            <a:ext cx="1636997" cy="400110"/>
-          </a:xfrm>
-          <a:prstGeom prst="rect">
-            <a:avLst/>
-          </a:prstGeom>
-          <a:noFill/>
-        </p:spPr>
-        <p:txBody>
-          <a:bodyPr wrap="square" rtlCol="0">
-            <a:spAutoFit/>
-          </a:bodyPr>
-          <a:lstStyle/>
-          <a:p>
-            <a:r>
-              <a:rPr lang="ja-JP" altLang="en-US" sz="2000" dirty="0"/>
-              <a:t>柏レイソル</a:t>
-            </a:r>
-            <a:endParaRPr kumimoji="1" lang="ja-JP" altLang="en-US" sz="2000" dirty="0"/>
-          </a:p>
-        </p:txBody>
-      </p:sp>
-      <p:sp>
-        <p:nvSpPr>
-          <p:cNvPr id="13" name="テキスト ボックス 12"/>
-          <p:cNvSpPr txBox="1"/>
-          <p:nvPr/>
-        </p:nvSpPr>
-        <p:spPr>
-          <a:xfrm>
-            <a:off x="11629504" y="13371725"/>
-            <a:ext cx="2304256" cy="400110"/>
-          </a:xfrm>
-          <a:prstGeom prst="rect">
-            <a:avLst/>
-          </a:prstGeom>
-          <a:noFill/>
-        </p:spPr>
-        <p:txBody>
-          <a:bodyPr wrap="square" rtlCol="0">
-            <a:spAutoFit/>
-          </a:bodyPr>
-          <a:lstStyle/>
-          <a:p>
-            <a:r>
-              <a:rPr lang="ja-JP" altLang="en-US" sz="2000" dirty="0"/>
-              <a:t>ジュビロ磐田</a:t>
-            </a:r>
-            <a:endParaRPr kumimoji="1" lang="ja-JP" altLang="en-US" sz="2000" dirty="0"/>
-          </a:p>
-        </p:txBody>
-      </p:sp>
-      <p:sp>
-        <p:nvSpPr>
-          <p:cNvPr id="14" name="テキスト ボックス 13"/>
-          <p:cNvSpPr txBox="1"/>
-          <p:nvPr/>
-        </p:nvSpPr>
-        <p:spPr>
-          <a:xfrm>
-            <a:off x="11917536" y="17476181"/>
-            <a:ext cx="1152128" cy="400110"/>
-          </a:xfrm>
-          <a:prstGeom prst="rect">
-            <a:avLst/>
-          </a:prstGeom>
-          <a:noFill/>
-        </p:spPr>
-        <p:txBody>
-          <a:bodyPr wrap="square" rtlCol="0">
-            <a:spAutoFit/>
-          </a:bodyPr>
-          <a:lstStyle/>
-          <a:p>
-            <a:r>
-              <a:rPr kumimoji="1" lang="en-US" altLang="ja-JP" sz="2000" dirty="0" smtClean="0"/>
-              <a:t>FC</a:t>
-            </a:r>
-            <a:r>
-              <a:rPr kumimoji="1" lang="ja-JP" altLang="en-US" sz="2000" dirty="0" smtClean="0"/>
-              <a:t>東京</a:t>
-            </a:r>
-            <a:endParaRPr kumimoji="1" lang="ja-JP" altLang="en-US" sz="2000" dirty="0"/>
-          </a:p>
-        </p:txBody>
-      </p:sp>
-      <p:sp>
-        <p:nvSpPr>
-          <p:cNvPr id="15" name="テキスト ボックス 14"/>
-          <p:cNvSpPr txBox="1"/>
-          <p:nvPr/>
-        </p:nvSpPr>
-        <p:spPr>
-          <a:xfrm>
-            <a:off x="11049873" y="14883893"/>
-            <a:ext cx="2304256" cy="400110"/>
-          </a:xfrm>
-          <a:prstGeom prst="rect">
-            <a:avLst/>
-          </a:prstGeom>
-          <a:noFill/>
-        </p:spPr>
-        <p:txBody>
-          <a:bodyPr wrap="square" rtlCol="0">
-            <a:spAutoFit/>
-          </a:bodyPr>
-          <a:lstStyle/>
-          <a:p>
-            <a:r>
-              <a:rPr kumimoji="1" lang="ja-JP" altLang="en-US" sz="2000" dirty="0" smtClean="0"/>
-              <a:t>鹿島アントラーズ</a:t>
-            </a:r>
-            <a:endParaRPr kumimoji="1" lang="ja-JP" altLang="en-US" sz="2000" dirty="0"/>
-          </a:p>
-        </p:txBody>
-      </p:sp>
-      <p:sp>
-        <p:nvSpPr>
-          <p:cNvPr id="16" name="テキスト ボックス 15"/>
-          <p:cNvSpPr txBox="1"/>
-          <p:nvPr/>
-        </p:nvSpPr>
-        <p:spPr>
-          <a:xfrm>
-            <a:off x="11125448" y="14019797"/>
-            <a:ext cx="1728192" cy="400110"/>
-          </a:xfrm>
-          <a:prstGeom prst="rect">
-            <a:avLst/>
-          </a:prstGeom>
-          <a:noFill/>
-        </p:spPr>
-        <p:txBody>
-          <a:bodyPr wrap="square" rtlCol="0">
-            <a:spAutoFit/>
-          </a:bodyPr>
-          <a:lstStyle/>
-          <a:p>
-            <a:r>
-              <a:rPr lang="ja-JP" altLang="en-US" sz="2000" dirty="0" smtClean="0"/>
-              <a:t>ベガルタ仙台</a:t>
-            </a:r>
-            <a:endParaRPr kumimoji="1" lang="ja-JP" altLang="en-US" sz="2000" dirty="0"/>
-          </a:p>
-        </p:txBody>
-      </p:sp>
-      <p:sp>
-        <p:nvSpPr>
-          <p:cNvPr id="17" name="テキスト ボックス 16"/>
-          <p:cNvSpPr txBox="1"/>
-          <p:nvPr/>
-        </p:nvSpPr>
-        <p:spPr>
-          <a:xfrm>
-            <a:off x="10981432" y="12710565"/>
-            <a:ext cx="1730811" cy="413198"/>
-          </a:xfrm>
-          <a:prstGeom prst="rect">
-            <a:avLst/>
-          </a:prstGeom>
-          <a:noFill/>
-        </p:spPr>
-        <p:txBody>
-          <a:bodyPr wrap="square" rtlCol="0">
-            <a:spAutoFit/>
-          </a:bodyPr>
-          <a:lstStyle/>
-          <a:p>
-            <a:r>
-              <a:rPr lang="ja-JP" altLang="en-US" sz="2000" dirty="0"/>
-              <a:t>セレッソ大阪</a:t>
-            </a:r>
-            <a:endParaRPr kumimoji="1" lang="ja-JP" altLang="en-US" sz="2000" dirty="0"/>
-          </a:p>
-        </p:txBody>
-      </p:sp>
-      <p:sp>
-        <p:nvSpPr>
-          <p:cNvPr id="18" name="テキスト ボックス 17"/>
-          <p:cNvSpPr txBox="1"/>
-          <p:nvPr/>
-        </p:nvSpPr>
-        <p:spPr>
-          <a:xfrm>
-            <a:off x="10738702" y="15788059"/>
-            <a:ext cx="2618994" cy="400110"/>
-          </a:xfrm>
-          <a:prstGeom prst="rect">
-            <a:avLst/>
-          </a:prstGeom>
-          <a:noFill/>
-        </p:spPr>
-        <p:txBody>
-          <a:bodyPr wrap="square" rtlCol="0">
-            <a:spAutoFit/>
-          </a:bodyPr>
-          <a:lstStyle/>
-          <a:p>
-            <a:r>
-              <a:rPr lang="ja-JP" altLang="en-US" sz="2000" dirty="0" smtClean="0"/>
-              <a:t>アルビレックス新潟</a:t>
-            </a:r>
-            <a:endParaRPr kumimoji="1" lang="ja-JP" altLang="en-US" sz="2000" dirty="0"/>
-          </a:p>
-        </p:txBody>
-      </p:sp>
-      <p:sp>
-        <p:nvSpPr>
-          <p:cNvPr id="19" name="テキスト ボックス 18"/>
-          <p:cNvSpPr txBox="1"/>
-          <p:nvPr/>
-        </p:nvSpPr>
-        <p:spPr>
-          <a:xfrm>
-            <a:off x="9397256" y="12363613"/>
-            <a:ext cx="2682473" cy="400110"/>
-          </a:xfrm>
-          <a:prstGeom prst="rect">
-            <a:avLst/>
-          </a:prstGeom>
-          <a:noFill/>
-        </p:spPr>
-        <p:txBody>
-          <a:bodyPr wrap="square" rtlCol="0">
-            <a:spAutoFit/>
-          </a:bodyPr>
-          <a:lstStyle/>
-          <a:p>
-            <a:r>
-              <a:rPr lang="ja-JP" altLang="en-US" sz="2000" dirty="0" smtClean="0"/>
-              <a:t>大宮アルディージャ</a:t>
-            </a:r>
-            <a:endParaRPr kumimoji="1" lang="ja-JP" altLang="en-US" sz="2000" dirty="0"/>
-          </a:p>
-        </p:txBody>
-      </p:sp>
-      <p:sp>
-        <p:nvSpPr>
-          <p:cNvPr id="20" name="テキスト ボックス 19"/>
-          <p:cNvSpPr txBox="1"/>
-          <p:nvPr/>
-        </p:nvSpPr>
-        <p:spPr>
-          <a:xfrm>
-            <a:off x="9856512" y="15315941"/>
-            <a:ext cx="1484960" cy="400110"/>
-          </a:xfrm>
-          <a:prstGeom prst="rect">
-            <a:avLst/>
-          </a:prstGeom>
-          <a:noFill/>
-        </p:spPr>
-        <p:txBody>
-          <a:bodyPr wrap="square" rtlCol="0">
-            <a:spAutoFit/>
-          </a:bodyPr>
-          <a:lstStyle/>
-          <a:p>
-            <a:r>
-              <a:rPr lang="ja-JP" altLang="en-US" sz="2000" dirty="0"/>
-              <a:t>サガン鳥栖</a:t>
-            </a:r>
-            <a:endParaRPr kumimoji="1" lang="ja-JP" altLang="en-US" sz="2000" dirty="0"/>
-          </a:p>
-        </p:txBody>
-      </p:sp>
-      <p:sp>
-        <p:nvSpPr>
-          <p:cNvPr id="21" name="テキスト ボックス 20"/>
-          <p:cNvSpPr txBox="1"/>
-          <p:nvPr/>
-        </p:nvSpPr>
-        <p:spPr>
-          <a:xfrm>
-            <a:off x="8461152" y="15788059"/>
-            <a:ext cx="1965424" cy="400110"/>
-          </a:xfrm>
-          <a:prstGeom prst="rect">
-            <a:avLst/>
-          </a:prstGeom>
-          <a:noFill/>
-        </p:spPr>
-        <p:txBody>
-          <a:bodyPr wrap="square" rtlCol="0">
-            <a:spAutoFit/>
-          </a:bodyPr>
-          <a:lstStyle/>
-          <a:p>
-            <a:r>
-              <a:rPr lang="ja-JP" altLang="en-US" sz="2000" dirty="0" smtClean="0"/>
-              <a:t>清水エスパルス</a:t>
-            </a:r>
-            <a:endParaRPr kumimoji="1" lang="ja-JP" altLang="en-US" sz="2000" dirty="0"/>
-          </a:p>
-        </p:txBody>
-      </p:sp>
-      <p:sp>
-        <p:nvSpPr>
-          <p:cNvPr id="22" name="テキスト ボックス 21"/>
-          <p:cNvSpPr txBox="1"/>
-          <p:nvPr/>
-        </p:nvSpPr>
-        <p:spPr>
-          <a:xfrm>
-            <a:off x="8101112" y="14739877"/>
-            <a:ext cx="2493364" cy="400110"/>
-          </a:xfrm>
-          <a:prstGeom prst="rect">
-            <a:avLst/>
-          </a:prstGeom>
-          <a:noFill/>
-        </p:spPr>
-        <p:txBody>
-          <a:bodyPr wrap="square" rtlCol="0">
-            <a:spAutoFit/>
-          </a:bodyPr>
-          <a:lstStyle/>
-          <a:p>
-            <a:r>
-              <a:rPr lang="ja-JP" altLang="en-US" sz="2000" dirty="0" smtClean="0"/>
-              <a:t>ヴァンフォーレ甲府</a:t>
-            </a:r>
-            <a:endParaRPr kumimoji="1" lang="ja-JP" altLang="en-US" sz="2000" dirty="0"/>
-          </a:p>
-        </p:txBody>
-      </p:sp>
-      <p:sp>
-        <p:nvSpPr>
-          <p:cNvPr id="23" name="テキスト ボックス 22"/>
-          <p:cNvSpPr txBox="1"/>
-          <p:nvPr/>
-        </p:nvSpPr>
-        <p:spPr>
-          <a:xfrm>
-            <a:off x="7093000" y="10275381"/>
-            <a:ext cx="2038770" cy="400110"/>
-          </a:xfrm>
-          <a:prstGeom prst="rect">
-            <a:avLst/>
-          </a:prstGeom>
-          <a:noFill/>
-        </p:spPr>
-        <p:txBody>
-          <a:bodyPr wrap="square" rtlCol="0">
-            <a:spAutoFit/>
-          </a:bodyPr>
-          <a:lstStyle/>
-          <a:p>
-            <a:r>
-              <a:rPr lang="ja-JP" altLang="en-US" sz="2000" dirty="0" smtClean="0"/>
-              <a:t>大分トリニータ</a:t>
-            </a:r>
-            <a:endParaRPr kumimoji="1" lang="ja-JP" altLang="en-US" sz="2000" dirty="0"/>
-          </a:p>
-        </p:txBody>
-      </p:sp>
-      <p:sp>
-        <p:nvSpPr>
-          <p:cNvPr id="24" name="テキスト ボックス 23"/>
-          <p:cNvSpPr txBox="1"/>
-          <p:nvPr/>
-        </p:nvSpPr>
-        <p:spPr>
-          <a:xfrm>
-            <a:off x="7885088" y="9595371"/>
-            <a:ext cx="2065686" cy="400110"/>
-          </a:xfrm>
-          <a:prstGeom prst="rect">
-            <a:avLst/>
-          </a:prstGeom>
-          <a:noFill/>
-        </p:spPr>
-        <p:txBody>
-          <a:bodyPr wrap="square" rtlCol="0">
-            <a:spAutoFit/>
-          </a:bodyPr>
-          <a:lstStyle/>
-          <a:p>
-            <a:r>
-              <a:rPr lang="ja-JP" altLang="en-US" sz="2000" dirty="0"/>
-              <a:t>湘</a:t>
-            </a:r>
-            <a:r>
-              <a:rPr lang="ja-JP" altLang="en-US" sz="2000" dirty="0" smtClean="0"/>
-              <a:t>南ベルマーゼ</a:t>
-            </a:r>
-            <a:endParaRPr kumimoji="1" lang="ja-JP" altLang="en-US" sz="2000" dirty="0"/>
+            <a:pPr marL="514350" indent="-514350">
+              <a:buFont typeface="+mj-ea"/>
+              <a:buAutoNum type="circleNumDbPlain"/>
+            </a:pPr>
+            <a:r>
+              <a:rPr lang="en-US" altLang="ja-JP" sz="4800" dirty="0">
+                <a:latin typeface="Century" panose="02040604050505020304" pitchFamily="18" charset="0"/>
+              </a:rPr>
+              <a:t>J</a:t>
+            </a:r>
+            <a:r>
+              <a:rPr lang="ja-JP" altLang="en-US" sz="4800" dirty="0"/>
+              <a:t>リーグのチームに関するデータを集める</a:t>
+            </a:r>
+          </a:p>
+          <a:p>
+            <a:pPr marL="514350" indent="-514350">
+              <a:buFont typeface="+mj-ea"/>
+              <a:buAutoNum type="circleNumDbPlain"/>
+            </a:pPr>
+            <a:r>
+              <a:rPr lang="ja-JP" altLang="en-US" sz="4800" dirty="0"/>
+              <a:t>チームに関するデータを解析する</a:t>
+            </a:r>
+          </a:p>
+          <a:p>
+            <a:pPr marL="514350" indent="-514350">
+              <a:buFont typeface="+mj-ea"/>
+              <a:buAutoNum type="circleNumDbPlain"/>
+            </a:pPr>
+            <a:r>
+              <a:rPr lang="en-US" altLang="ja-JP" sz="4800" dirty="0">
+                <a:latin typeface="Century" panose="02040604050505020304" pitchFamily="18" charset="0"/>
+              </a:rPr>
+              <a:t>J</a:t>
+            </a:r>
+            <a:r>
+              <a:rPr lang="ja-JP" altLang="en-US" sz="4800" dirty="0"/>
+              <a:t>リーグのプレイヤーに関するデータを集める</a:t>
+            </a:r>
+          </a:p>
+          <a:p>
+            <a:pPr marL="514350" indent="-514350">
+              <a:buFont typeface="+mj-ea"/>
+              <a:buAutoNum type="circleNumDbPlain"/>
+            </a:pPr>
+            <a:r>
+              <a:rPr lang="ja-JP" altLang="en-US" sz="4800" dirty="0"/>
+              <a:t>プレイヤーに関するデータを解析し，チームの成績との関係を見出す</a:t>
+            </a:r>
           </a:p>
         </p:txBody>
       </p:sp>
@@ -6984,7 +7218,43 @@
       </a:bgFillStyleLst>
     </a:fmtScheme>
   </a:themeElements>
-  <a:objectDefaults/>
+  <a:objectDefaults>
+    <a:spDef>
+      <a:spPr>
+        <a:solidFill>
+          <a:schemeClr val="bg1"/>
+        </a:solidFill>
+      </a:spPr>
+      <a:bodyPr lIns="165872" tIns="82935" rIns="165872" bIns="82935" spcCol="0" rtlCol="0" anchor="ctr"/>
+      <a:lstStyle>
+        <a:defPPr algn="ctr">
+          <a:defRPr sz="6000" b="1" dirty="0">
+            <a:solidFill>
+              <a:schemeClr val="bg2">
+                <a:lumMod val="10000"/>
+              </a:schemeClr>
+            </a:solidFill>
+          </a:defRPr>
+        </a:defPPr>
+      </a:lstStyle>
+      <a:style>
+        <a:lnRef idx="2">
+          <a:schemeClr val="accent1">
+            <a:shade val="50000"/>
+          </a:schemeClr>
+        </a:lnRef>
+        <a:fillRef idx="1">
+          <a:schemeClr val="accent1"/>
+        </a:fillRef>
+        <a:effectRef idx="0">
+          <a:schemeClr val="accent1"/>
+        </a:effectRef>
+        <a:fontRef idx="minor">
+          <a:schemeClr val="lt1"/>
+        </a:fontRef>
+      </a:style>
+    </a:spDef>
+  </a:objectDefaults>
   <a:extraClrSchemeLst/>
 </a:theme>
 </file>
--- a/課題研究/2013/丸山準人/ポスター.pptx
+++ b/課題研究/2013/丸山準人/ポスター.pptx
@@ -242,7 +242,7 @@
           <a:p>
             <a:fld id="{4D7C5F46-0C4F-49B7-B018-34633777EF9A}" type="datetimeFigureOut">
               <a:rPr kumimoji="1" lang="ja-JP" altLang="en-US" smtClean="0"/>
-              <a:t>2013/12/11</a:t>
+              <a:t>2013/12/12</a:t>
             </a:fld>
             <a:endParaRPr kumimoji="1" lang="ja-JP" altLang="en-US" dirty="0"/>
           </a:p>
@@ -587,7 +587,7 @@
           <a:p>
             <a:fld id="{4D7C5F46-0C4F-49B7-B018-34633777EF9A}" type="datetimeFigureOut">
               <a:rPr kumimoji="1" lang="ja-JP" altLang="en-US" smtClean="0"/>
-              <a:t>2013/12/11</a:t>
+              <a:t>2013/12/12</a:t>
             </a:fld>
             <a:endParaRPr kumimoji="1" lang="ja-JP" altLang="en-US" dirty="0"/>
           </a:p>
@@ -804,7 +804,7 @@
           <a:p>
             <a:fld id="{4D7C5F46-0C4F-49B7-B018-34633777EF9A}" type="datetimeFigureOut">
               <a:rPr kumimoji="1" lang="ja-JP" altLang="en-US" smtClean="0"/>
-              <a:t>2013/12/11</a:t>
+              <a:t>2013/12/12</a:t>
             </a:fld>
             <a:endParaRPr kumimoji="1" lang="ja-JP" altLang="en-US" dirty="0"/>
           </a:p>
@@ -1011,7 +1011,7 @@
           <a:p>
             <a:fld id="{4D7C5F46-0C4F-49B7-B018-34633777EF9A}" type="datetimeFigureOut">
               <a:rPr kumimoji="1" lang="ja-JP" altLang="en-US" smtClean="0"/>
-              <a:t>2013/12/11</a:t>
+              <a:t>2013/12/12</a:t>
             </a:fld>
             <a:endParaRPr kumimoji="1" lang="ja-JP" altLang="en-US" dirty="0"/>
           </a:p>
@@ -1279,7 +1279,7 @@
           <a:p>
             <a:fld id="{4D7C5F46-0C4F-49B7-B018-34633777EF9A}" type="datetimeFigureOut">
               <a:rPr kumimoji="1" lang="ja-JP" altLang="en-US" smtClean="0"/>
-              <a:t>2013/12/11</a:t>
+              <a:t>2013/12/12</a:t>
             </a:fld>
             <a:endParaRPr kumimoji="1" lang="ja-JP" altLang="en-US" dirty="0"/>
           </a:p>
@@ -1811,7 +1811,7 @@
           <a:p>
             <a:fld id="{4D7C5F46-0C4F-49B7-B018-34633777EF9A}" type="datetimeFigureOut">
               <a:rPr kumimoji="1" lang="ja-JP" altLang="en-US" smtClean="0"/>
-              <a:t>2013/12/11</a:t>
+              <a:t>2013/12/12</a:t>
             </a:fld>
             <a:endParaRPr kumimoji="1" lang="ja-JP" altLang="en-US" dirty="0"/>
           </a:p>
@@ -2364,7 +2364,7 @@
           <a:p>
             <a:fld id="{4D7C5F46-0C4F-49B7-B018-34633777EF9A}" type="datetimeFigureOut">
               <a:rPr kumimoji="1" lang="ja-JP" altLang="en-US" smtClean="0"/>
-              <a:t>2013/12/11</a:t>
+              <a:t>2013/12/12</a:t>
             </a:fld>
             <a:endParaRPr kumimoji="1" lang="ja-JP" altLang="en-US" dirty="0"/>
           </a:p>
@@ -2490,7 +2490,7 @@
           <a:p>
             <a:fld id="{4D7C5F46-0C4F-49B7-B018-34633777EF9A}" type="datetimeFigureOut">
               <a:rPr kumimoji="1" lang="ja-JP" altLang="en-US" smtClean="0"/>
-              <a:t>2013/12/11</a:t>
+              <a:t>2013/12/12</a:t>
             </a:fld>
             <a:endParaRPr kumimoji="1" lang="ja-JP" altLang="en-US" dirty="0"/>
           </a:p>
@@ -2634,7 +2634,7 @@
           <a:p>
             <a:fld id="{4D7C5F46-0C4F-49B7-B018-34633777EF9A}" type="datetimeFigureOut">
               <a:rPr kumimoji="1" lang="ja-JP" altLang="en-US" smtClean="0"/>
-              <a:t>2013/12/11</a:t>
+              <a:t>2013/12/12</a:t>
             </a:fld>
             <a:endParaRPr kumimoji="1" lang="ja-JP" altLang="en-US" dirty="0"/>
           </a:p>
@@ -2988,7 +2988,7 @@
           <a:p>
             <a:fld id="{4D7C5F46-0C4F-49B7-B018-34633777EF9A}" type="datetimeFigureOut">
               <a:rPr kumimoji="1" lang="ja-JP" altLang="en-US" smtClean="0"/>
-              <a:t>2013/12/11</a:t>
+              <a:t>2013/12/12</a:t>
             </a:fld>
             <a:endParaRPr kumimoji="1" lang="ja-JP" altLang="en-US" dirty="0"/>
           </a:p>
@@ -3122,7 +3122,7 @@
           <a:p>
             <a:fld id="{4D7C5F46-0C4F-49B7-B018-34633777EF9A}" type="datetimeFigureOut">
               <a:rPr kumimoji="1" lang="ja-JP" altLang="en-US" smtClean="0"/>
-              <a:t>2013/12/11</a:t>
+              <a:t>2013/12/12</a:t>
             </a:fld>
             <a:endParaRPr kumimoji="1" lang="ja-JP" altLang="en-US" dirty="0"/>
           </a:p>
@@ -3935,7 +3935,7 @@
           <a:p>
             <a:fld id="{4D7C5F46-0C4F-49B7-B018-34633777EF9A}" type="datetimeFigureOut">
               <a:rPr kumimoji="1" lang="ja-JP" altLang="en-US" smtClean="0"/>
-              <a:t>2013/12/11</a:t>
+              <a:t>2013/12/12</a:t>
             </a:fld>
             <a:endParaRPr kumimoji="1" lang="ja-JP" altLang="en-US" dirty="0"/>
           </a:p>
@@ -4469,7 +4469,7 @@
         </p:nvSpPr>
         <p:spPr>
           <a:xfrm>
-            <a:off x="2988544" y="234331"/>
+            <a:off x="2484488" y="247920"/>
             <a:ext cx="16489832" cy="2664296"/>
           </a:xfrm>
           <a:prstGeom prst="horizontalScroll">
@@ -4498,22 +4498,6 @@
           <a:lstStyle/>
           <a:p>
             <a:pPr algn="ctr"/>
-            <a:r>
-              <a:rPr lang="ja-JP" altLang="en-US" sz="5400" b="1" dirty="0">
-                <a:solidFill>
-                  <a:schemeClr val="tx1"/>
-                </a:solidFill>
-              </a:rPr>
-              <a:t>セイバーメトリクスを</a:t>
-            </a:r>
-            <a:r>
-              <a:rPr lang="ja-JP" altLang="en-US" sz="5400" b="1" dirty="0" smtClean="0">
-                <a:solidFill>
-                  <a:schemeClr val="tx1"/>
-                </a:solidFill>
-              </a:rPr>
-              <a:t>駆使したチーム作りの調査</a:t>
-            </a:r>
             <a:endParaRPr kumimoji="1" lang="ja-JP" altLang="en-US" sz="5400" b="1" dirty="0">
               <a:solidFill>
                 <a:schemeClr val="tx1"/>
@@ -4530,7 +4514,7 @@
         </p:nvSpPr>
         <p:spPr>
           <a:xfrm>
-            <a:off x="4562301" y="2970635"/>
+            <a:off x="3991446" y="2970635"/>
             <a:ext cx="13475915" cy="906154"/>
           </a:xfrm>
           <a:prstGeom prst="rect">
@@ -4707,6 +4691,13 @@
                     <a:lumMod val="10000"/>
                   </a:schemeClr>
                 </a:solidFill>
+                <a:effectLst>
+                  <a:outerShdw blurRad="38100" dist="38100" dir="2700000" algn="tl">
+                    <a:srgbClr val="000000">
+                      <a:alpha val="43137"/>
+                    </a:srgbClr>
+                  </a:outerShdw>
+                </a:effectLst>
               </a:rPr>
               <a:t>背景</a:t>
             </a:r>
@@ -4716,6 +4707,13 @@
                   <a:lumMod val="10000"/>
                 </a:schemeClr>
               </a:solidFill>
+              <a:effectLst>
+                <a:outerShdw blurRad="38100" dist="38100" dir="2700000" algn="tl">
+                  <a:srgbClr val="000000">
+                    <a:alpha val="43137"/>
+                  </a:srgbClr>
+                </a:outerShdw>
+              </a:effectLst>
             </a:endParaRPr>
           </a:p>
         </p:txBody>
@@ -5035,25 +5033,30 @@
                   <a:schemeClr val="tx1"/>
                 </a:solidFill>
               </a:rPr>
-              <a:t>マネーボールの選手の調査</a:t>
+              <a:t>マネーボールのチームの編成基準</a:t>
+            </a:r>
+            <a:endParaRPr lang="en-US" altLang="ja-JP" dirty="0" smtClean="0">
+              <a:solidFill>
+                <a:schemeClr val="tx1"/>
+              </a:solidFill>
+            </a:endParaRPr>
+          </a:p>
+          <a:p>
+            <a:r>
+              <a:rPr lang="ja-JP" altLang="en-US" dirty="0" smtClean="0">
+                <a:solidFill>
+                  <a:srgbClr val="FF0000"/>
+                </a:solidFill>
+              </a:rPr>
+              <a:t>野手</a:t>
             </a:r>
             <a:r>
               <a:rPr lang="ja-JP" altLang="en-US" dirty="0">
                 <a:solidFill>
-                  <a:schemeClr val="tx1"/>
+                  <a:srgbClr val="FF0000"/>
                 </a:solidFill>
               </a:rPr>
-              <a:t>対象</a:t>
-            </a:r>
-          </a:p>
-          <a:p>
-            <a:r>
-              <a:rPr lang="ja-JP" altLang="en-US" dirty="0">
-                <a:solidFill>
-                  <a:srgbClr val="FF0000"/>
-                </a:solidFill>
-              </a:rPr>
-              <a:t>野手の場合</a:t>
+              <a:t>の場合</a:t>
             </a:r>
           </a:p>
           <a:p>
@@ -5370,6 +5373,13 @@
                     <a:lumMod val="10000"/>
                   </a:schemeClr>
                 </a:solidFill>
+                <a:effectLst>
+                  <a:outerShdw blurRad="38100" dist="38100" dir="2700000" algn="tl">
+                    <a:srgbClr val="000000">
+                      <a:alpha val="43137"/>
+                    </a:srgbClr>
+                  </a:outerShdw>
+                </a:effectLst>
               </a:rPr>
               <a:t>目的</a:t>
             </a:r>
@@ -5379,6 +5389,13 @@
                   <a:lumMod val="10000"/>
                 </a:schemeClr>
               </a:solidFill>
+              <a:effectLst>
+                <a:outerShdw blurRad="38100" dist="38100" dir="2700000" algn="tl">
+                  <a:srgbClr val="000000">
+                    <a:alpha val="43137"/>
+                  </a:srgbClr>
+                </a:outerShdw>
+              </a:effectLst>
             </a:endParaRPr>
           </a:p>
         </p:txBody>
@@ -5543,6 +5560,13 @@
                     <a:lumMod val="10000"/>
                   </a:schemeClr>
                 </a:solidFill>
+                <a:effectLst>
+                  <a:outerShdw blurRad="38100" dist="38100" dir="2700000" algn="tl">
+                    <a:srgbClr val="000000">
+                      <a:alpha val="43137"/>
+                    </a:srgbClr>
+                  </a:outerShdw>
+                </a:effectLst>
                 <a:latin typeface="Century" panose="02040604050505020304" pitchFamily="18" charset="0"/>
               </a:rPr>
               <a:t>PM</a:t>
@@ -5554,6 +5578,13 @@
                     <a:lumMod val="10000"/>
                   </a:schemeClr>
                 </a:solidFill>
+                <a:effectLst>
+                  <a:outerShdw blurRad="38100" dist="38100" dir="2700000" algn="tl">
+                    <a:srgbClr val="000000">
+                      <a:alpha val="43137"/>
+                    </a:srgbClr>
+                  </a:outerShdw>
+                </a:effectLst>
               </a:rPr>
               <a:t>との関連性</a:t>
             </a:r>
@@ -5563,6 +5594,13 @@
                   <a:lumMod val="10000"/>
                 </a:schemeClr>
               </a:solidFill>
+              <a:effectLst>
+                <a:outerShdw blurRad="38100" dist="38100" dir="2700000" algn="tl">
+                  <a:srgbClr val="000000">
+                    <a:alpha val="43137"/>
+                  </a:srgbClr>
+                </a:outerShdw>
+              </a:effectLst>
             </a:endParaRPr>
           </a:p>
         </p:txBody>
@@ -5609,7 +5647,23 @@
                   <a:schemeClr val="tx1"/>
                 </a:solidFill>
               </a:rPr>
-              <a:t>チームスポーツにおいてプレイヤーを評価する客観的な方法を確立することは</a:t>
+              <a:t>チームスポーツに</a:t>
+            </a:r>
+            <a:r>
+              <a:rPr lang="ja-JP" altLang="en-US" sz="4800" dirty="0" smtClean="0">
+                <a:solidFill>
+                  <a:schemeClr val="tx1"/>
+                </a:solidFill>
+              </a:rPr>
+              <a:t>おいて選手を</a:t>
+            </a:r>
+            <a:r>
+              <a:rPr lang="ja-JP" altLang="en-US" sz="4800" dirty="0">
+                <a:solidFill>
+                  <a:schemeClr val="tx1"/>
+                </a:solidFill>
+              </a:rPr>
+              <a:t>評価する客観的な方法を確立することは</a:t>
             </a:r>
             <a:r>
               <a:rPr lang="ja-JP" altLang="en-US" sz="4800" dirty="0" smtClean="0">
@@ -5756,6 +5810,176 @@
               </a:rPr>
               <a:t>ハードワーク</a:t>
             </a:r>
+          </a:p>
+        </p:txBody>
+      </p:sp>
+      <p:sp>
+        <p:nvSpPr>
+          <p:cNvPr id="4" name="正方形/長方形 3"/>
+          <p:cNvSpPr/>
+          <p:nvPr/>
+        </p:nvSpPr>
+        <p:spPr>
+          <a:xfrm>
+            <a:off x="3304115" y="1118403"/>
+            <a:ext cx="15490138" cy="923330"/>
+          </a:xfrm>
+          <a:prstGeom prst="rect">
+            <a:avLst/>
+          </a:prstGeom>
+          <a:noFill/>
+        </p:spPr>
+        <p:txBody>
+          <a:bodyPr wrap="none" lIns="91440" tIns="45720" rIns="91440" bIns="45720">
+            <a:spAutoFit/>
+          </a:bodyPr>
+          <a:lstStyle/>
+          <a:p>
+            <a:pPr algn="ctr"/>
+            <a:r>
+              <a:rPr lang="ja-JP" altLang="en-US" sz="5400" b="1" dirty="0">
+                <a:ln w="10541" cmpd="sng">
+                  <a:solidFill>
+                    <a:schemeClr val="accent1">
+                      <a:shade val="88000"/>
+                      <a:satMod val="110000"/>
+                    </a:schemeClr>
+                  </a:solidFill>
+                  <a:prstDash val="solid"/>
+                </a:ln>
+                <a:gradFill>
+                  <a:gsLst>
+                    <a:gs pos="0">
+                      <a:schemeClr val="accent1">
+                        <a:tint val="40000"/>
+                        <a:satMod val="250000"/>
+                      </a:schemeClr>
+                    </a:gs>
+                    <a:gs pos="9000">
+                      <a:schemeClr val="accent1">
+                        <a:tint val="52000"/>
+                        <a:satMod val="300000"/>
+                      </a:schemeClr>
+                    </a:gs>
+                    <a:gs pos="50000">
+                      <a:schemeClr val="accent1">
+                        <a:shade val="20000"/>
+                        <a:satMod val="300000"/>
+                      </a:schemeClr>
+                    </a:gs>
+                    <a:gs pos="79000">
+                      <a:schemeClr val="accent1">
+                        <a:tint val="52000"/>
+                        <a:satMod val="300000"/>
+                      </a:schemeClr>
+                    </a:gs>
+                    <a:gs pos="100000">
+                      <a:schemeClr val="accent1">
+                        <a:tint val="40000"/>
+                        <a:satMod val="250000"/>
+                      </a:schemeClr>
+                    </a:gs>
+                  </a:gsLst>
+                  <a:lin ang="5400000"/>
+                </a:gradFill>
+              </a:rPr>
+              <a:t>セイバーメトリクスを</a:t>
+            </a:r>
+            <a:r>
+              <a:rPr lang="ja-JP" altLang="en-US" sz="5400" b="1" dirty="0" smtClean="0">
+                <a:ln w="10541" cmpd="sng">
+                  <a:solidFill>
+                    <a:schemeClr val="accent1">
+                      <a:shade val="88000"/>
+                      <a:satMod val="110000"/>
+                    </a:schemeClr>
+                  </a:solidFill>
+                  <a:prstDash val="solid"/>
+                </a:ln>
+                <a:gradFill>
+                  <a:gsLst>
+                    <a:gs pos="0">
+                      <a:schemeClr val="accent1">
+                        <a:tint val="40000"/>
+                        <a:satMod val="250000"/>
+                      </a:schemeClr>
+                    </a:gs>
+                    <a:gs pos="9000">
+                      <a:schemeClr val="accent1">
+                        <a:tint val="52000"/>
+                        <a:satMod val="300000"/>
+                      </a:schemeClr>
+                    </a:gs>
+                    <a:gs pos="50000">
+                      <a:schemeClr val="accent1">
+                        <a:shade val="20000"/>
+                        <a:satMod val="300000"/>
+                      </a:schemeClr>
+                    </a:gs>
+                    <a:gs pos="79000">
+                      <a:schemeClr val="accent1">
+                        <a:tint val="52000"/>
+                        <a:satMod val="300000"/>
+                      </a:schemeClr>
+                    </a:gs>
+                    <a:gs pos="100000">
+                      <a:schemeClr val="accent1">
+                        <a:tint val="40000"/>
+                        <a:satMod val="250000"/>
+                      </a:schemeClr>
+                    </a:gs>
+                  </a:gsLst>
+                  <a:lin ang="5400000"/>
+                </a:gradFill>
+              </a:rPr>
+              <a:t>駆使したチーム作りの調査</a:t>
+            </a:r>
+            <a:endParaRPr lang="ja-JP" altLang="en-US" sz="5400" b="1" dirty="0">
+              <a:ln w="10541" cmpd="sng">
+                <a:solidFill>
+                  <a:schemeClr val="accent1">
+                    <a:shade val="88000"/>
+                    <a:satMod val="110000"/>
+                  </a:schemeClr>
+                </a:solidFill>
+                <a:prstDash val="solid"/>
+              </a:ln>
+              <a:gradFill>
+                <a:gsLst>
+                  <a:gs pos="0">
+                    <a:schemeClr val="accent1">
+                      <a:tint val="40000"/>
+                      <a:satMod val="250000"/>
+                    </a:schemeClr>
+                  </a:gs>
+                  <a:gs pos="9000">
+                    <a:schemeClr val="accent1">
+                      <a:tint val="52000"/>
+                      <a:satMod val="300000"/>
+                    </a:schemeClr>
+                  </a:gs>
+                  <a:gs pos="50000">
+                    <a:schemeClr val="accent1">
+                      <a:shade val="20000"/>
+                      <a:satMod val="300000"/>
+                    </a:schemeClr>
+                  </a:gs>
+                  <a:gs pos="79000">
+                    <a:schemeClr val="accent1">
+                      <a:tint val="52000"/>
+                      <a:satMod val="300000"/>
+                    </a:schemeClr>
+                  </a:gs>
+                  <a:gs pos="100000">
+                    <a:schemeClr val="accent1">
+                      <a:tint val="40000"/>
+                      <a:satMod val="250000"/>
+                    </a:schemeClr>
+                  </a:gs>
+                </a:gsLst>
+                <a:lin ang="5400000"/>
+              </a:gradFill>
+            </a:endParaRPr>
           </a:p>
         </p:txBody>
       </p:sp>
@@ -5840,6 +6064,13 @@
                     <a:lumMod val="10000"/>
                   </a:schemeClr>
                 </a:solidFill>
+                <a:effectLst>
+                  <a:outerShdw blurRad="38100" dist="38100" dir="2700000" algn="tl">
+                    <a:srgbClr val="000000">
+                      <a:alpha val="43137"/>
+                    </a:srgbClr>
+                  </a:outerShdw>
+                </a:effectLst>
               </a:rPr>
               <a:t>研究方法</a:t>
             </a:r>
@@ -5849,6 +6080,13 @@
                   <a:lumMod val="10000"/>
                 </a:schemeClr>
               </a:solidFill>
+              <a:effectLst>
+                <a:outerShdw blurRad="38100" dist="38100" dir="2700000" algn="tl">
+                  <a:srgbClr val="000000">
+                    <a:alpha val="43137"/>
+                  </a:srgbClr>
+                </a:outerShdw>
+              </a:effectLst>
             </a:endParaRPr>
           </a:p>
         </p:txBody>
@@ -5861,7 +6099,7 @@
         </p:nvSpPr>
         <p:spPr>
           <a:xfrm>
-            <a:off x="225569" y="7602773"/>
+            <a:off x="225569" y="7219107"/>
             <a:ext cx="5427271" cy="2384516"/>
           </a:xfrm>
           <a:prstGeom prst="ellipse">
@@ -5897,6 +6135,13 @@
                     <a:lumMod val="10000"/>
                   </a:schemeClr>
                 </a:solidFill>
+                <a:effectLst>
+                  <a:outerShdw blurRad="38100" dist="38100" dir="2700000" algn="tl">
+                    <a:srgbClr val="000000">
+                      <a:alpha val="43137"/>
+                    </a:srgbClr>
+                  </a:outerShdw>
+                </a:effectLst>
               </a:rPr>
               <a:t>進捗状況</a:t>
             </a:r>
@@ -5906,209 +6151,14 @@
                   <a:lumMod val="10000"/>
                 </a:schemeClr>
               </a:solidFill>
+              <a:effectLst>
+                <a:outerShdw blurRad="38100" dist="38100" dir="2700000" algn="tl">
+                  <a:srgbClr val="000000">
+                    <a:alpha val="43137"/>
+                  </a:srgbClr>
+                </a:outerShdw>
+              </a:effectLst>
             </a:endParaRPr>
-          </a:p>
-        </p:txBody>
-      </p:sp>
-      <p:pic>
-        <p:nvPicPr>
-          <p:cNvPr id="1026" name="Picture 2"/>
-          <p:cNvPicPr>
-            <a:picLocks noChangeAspect="1" noChangeArrowheads="1"/>
-          </p:cNvPicPr>
-          <p:nvPr/>
-        </p:nvPicPr>
-        <p:blipFill>
-          <a:blip r:embed="rId2">
-            <a:extLst>
-              <a:ext uri="{28A0092B-C50C-407E-A947-70E740481C1C}">
-                <a14:useLocalDpi xmlns:a14="http://schemas.microsoft.com/office/drawing/2010/main" val="0"/>
-              </a:ext>
-            </a:extLst>
-          </a:blip>
-          <a:srcRect/>
-          <a:stretch>
-            <a:fillRect/>
-          </a:stretch>
-        </p:blipFill>
-        <p:spPr bwMode="auto">
-          <a:xfrm>
-            <a:off x="540271" y="10999307"/>
-            <a:ext cx="6989587" cy="6082078"/>
-          </a:xfrm>
-          <a:prstGeom prst="rect">
-            <a:avLst/>
-          </a:prstGeom>
-          <a:noFill/>
-          <a:ln>
-            <a:noFill/>
-          </a:ln>
-          <a:effectLst/>
-          <a:extLst>
-            <a:ext uri="{909E8E84-426E-40DD-AFC4-6F175D3DCCD1}">
-              <a14:hiddenFill xmlns:a14="http://schemas.microsoft.com/office/drawing/2010/main">
-                <a:solidFill>
-                  <a:schemeClr val="accent1"/>
-                </a:solidFill>
-              </a14:hiddenFill>
-            </a:ext>
-            <a:ext uri="{91240B29-F687-4F45-9708-019B960494DF}">
-              <a14:hiddenLine xmlns:a14="http://schemas.microsoft.com/office/drawing/2010/main" w="9525">
-                <a:solidFill>
-                  <a:schemeClr val="tx1"/>
-                </a:solidFill>
-                <a:miter lim="800000"/>
-                <a:headEnd/>
-                <a:tailEnd/>
-              </a14:hiddenLine>
-            </a:ext>
-            <a:ext uri="{AF507438-7753-43E0-B8FC-AC1667EBCBE1}">
-              <a14:hiddenEffects xmlns:a14="http://schemas.microsoft.com/office/drawing/2010/main">
-                <a:effectLst>
-                  <a:outerShdw dist="35921" dir="2700000" algn="ctr" rotWithShape="0">
-                    <a:schemeClr val="bg2"/>
-                  </a:outerShdw>
-                </a:effectLst>
-              </a14:hiddenEffects>
-            </a:ext>
-          </a:extLst>
-        </p:spPr>
-      </p:pic>
-      <p:sp>
-        <p:nvSpPr>
-          <p:cNvPr id="6" name="右矢印 5"/>
-          <p:cNvSpPr/>
-          <p:nvPr/>
-        </p:nvSpPr>
-        <p:spPr>
-          <a:xfrm>
-            <a:off x="7937902" y="11988118"/>
-            <a:ext cx="4976076" cy="4104456"/>
-          </a:xfrm>
-          <a:prstGeom prst="rightArrow">
-            <a:avLst>
-              <a:gd name="adj1" fmla="val 50000"/>
-              <a:gd name="adj2" fmla="val 51536"/>
-            </a:avLst>
-          </a:prstGeom>
-          <a:noFill/>
-        </p:spPr>
-        <p:style>
-          <a:lnRef idx="2">
-            <a:schemeClr val="accent1">
-              <a:shade val="50000"/>
-            </a:schemeClr>
-          </a:lnRef>
-          <a:fillRef idx="1">
-            <a:schemeClr val="accent1"/>
-          </a:fillRef>
-          <a:effectRef idx="0">
-            <a:schemeClr val="accent1"/>
-          </a:effectRef>
-          <a:fontRef idx="minor">
-            <a:schemeClr val="lt1"/>
-          </a:fontRef>
-        </p:style>
-        <p:txBody>
-          <a:bodyPr rtlCol="0" anchor="ctr"/>
-          <a:lstStyle/>
-          <a:p>
-            <a:pPr algn="ctr"/>
-            <a:endParaRPr kumimoji="1" lang="ja-JP" altLang="en-US"/>
-          </a:p>
-        </p:txBody>
-      </p:sp>
-      <p:pic>
-        <p:nvPicPr>
-          <p:cNvPr id="1027" name="Picture 3"/>
-          <p:cNvPicPr>
-            <a:picLocks noChangeAspect="1" noChangeArrowheads="1"/>
-          </p:cNvPicPr>
-          <p:nvPr/>
-        </p:nvPicPr>
-        <p:blipFill>
-          <a:blip r:embed="rId3" cstate="print">
-            <a:extLst>
-              <a:ext uri="{28A0092B-C50C-407E-A947-70E740481C1C}">
-                <a14:useLocalDpi xmlns:a14="http://schemas.microsoft.com/office/drawing/2010/main" val="0"/>
-              </a:ext>
-            </a:extLst>
-          </a:blip>
-          <a:srcRect/>
-          <a:stretch>
-            <a:fillRect/>
-          </a:stretch>
-        </p:blipFill>
-        <p:spPr bwMode="auto">
-          <a:xfrm>
-            <a:off x="14077776" y="10582513"/>
-            <a:ext cx="6574616" cy="6915665"/>
-          </a:xfrm>
-          <a:prstGeom prst="rect">
-            <a:avLst/>
-          </a:prstGeom>
-          <a:noFill/>
-          <a:ln>
-            <a:noFill/>
-          </a:ln>
-          <a:effectLst/>
-          <a:extLst>
-            <a:ext uri="{909E8E84-426E-40DD-AFC4-6F175D3DCCD1}">
-              <a14:hiddenFill xmlns:a14="http://schemas.microsoft.com/office/drawing/2010/main">
-                <a:solidFill>
-                  <a:schemeClr val="accent1"/>
-                </a:solidFill>
-              </a14:hiddenFill>
-            </a:ext>
-            <a:ext uri="{91240B29-F687-4F45-9708-019B960494DF}">
-              <a14:hiddenLine xmlns:a14="http://schemas.microsoft.com/office/drawing/2010/main" w="9525">
-                <a:solidFill>
-                  <a:schemeClr val="tx1"/>
-                </a:solidFill>
-                <a:miter lim="800000"/>
-                <a:headEnd/>
-                <a:tailEnd/>
-              </a14:hiddenLine>
-            </a:ext>
-            <a:ext uri="{AF507438-7753-43E0-B8FC-AC1667EBCBE1}">
-              <a14:hiddenEffects xmlns:a14="http://schemas.microsoft.com/office/drawing/2010/main">
-                <a:effectLst>
-                  <a:outerShdw dist="35921" dir="2700000" algn="ctr" rotWithShape="0">
-                    <a:schemeClr val="bg2"/>
-                  </a:outerShdw>
-                </a:effectLst>
-              </a14:hiddenEffects>
-            </a:ext>
-          </a:extLst>
-        </p:spPr>
-      </p:pic>
-      <p:sp>
-        <p:nvSpPr>
-          <p:cNvPr id="7" name="テキスト ボックス 6"/>
-          <p:cNvSpPr txBox="1"/>
-          <p:nvPr/>
-        </p:nvSpPr>
-        <p:spPr>
-          <a:xfrm>
-            <a:off x="8777485" y="9752113"/>
-            <a:ext cx="3296910" cy="1015663"/>
-          </a:xfrm>
-          <a:prstGeom prst="rect">
-            <a:avLst/>
-          </a:prstGeom>
-          <a:noFill/>
-        </p:spPr>
-        <p:txBody>
-          <a:bodyPr wrap="square" rtlCol="0">
-            <a:spAutoFit/>
-          </a:bodyPr>
-          <a:lstStyle/>
-          <a:p>
-            <a:r>
-              <a:rPr kumimoji="1" lang="ja-JP" altLang="en-US" sz="6000" dirty="0" smtClean="0"/>
-              <a:t>回帰分析</a:t>
-            </a:r>
-            <a:endParaRPr kumimoji="1" lang="ja-JP" altLang="en-US" sz="6000" dirty="0"/>
           </a:p>
         </p:txBody>
       </p:sp>
@@ -6120,7 +6170,7 @@
         </p:nvGrpSpPr>
         <p:grpSpPr>
           <a:xfrm>
-            <a:off x="540272" y="18012055"/>
+            <a:off x="225569" y="18832548"/>
             <a:ext cx="9477493" cy="10592809"/>
             <a:chOff x="476196" y="17796650"/>
             <a:chExt cx="9477494" cy="10592809"/>
@@ -6263,7 +6313,7 @@
               <a:avLst/>
             </a:prstGeom>
             <a:blipFill>
-              <a:blip r:embed="rId4"/>
+              <a:blip r:embed="rId2"/>
               <a:tile tx="0" ty="0" sx="100000" sy="100000" flip="none" algn="tl"/>
             </a:blipFill>
             <a:ln>
@@ -6297,7 +6347,7 @@
                     <a:schemeClr val="tx1"/>
                   </a:solidFill>
                 </a:rPr>
-                <a:t>ボール支配率</a:t>
+                <a:t>勝率</a:t>
               </a:r>
               <a:endParaRPr kumimoji="1" lang="ja-JP" altLang="en-US" sz="3600" dirty="0">
                 <a:solidFill>
@@ -6322,7 +6372,7 @@
               <a:avLst/>
             </a:prstGeom>
             <a:blipFill>
-              <a:blip r:embed="rId4"/>
+              <a:blip r:embed="rId2"/>
               <a:tile tx="0" ty="0" sx="100000" sy="100000" flip="none" algn="tl"/>
             </a:blipFill>
             <a:ln>
@@ -6351,18 +6401,13 @@
             <a:p>
               <a:pPr algn="ctr"/>
               <a:r>
-                <a:rPr kumimoji="1" lang="ja-JP" altLang="en-US" sz="3600" dirty="0" smtClean="0">
+                <a:rPr lang="ja-JP" altLang="en-US" sz="3600" dirty="0">
                   <a:solidFill>
                     <a:schemeClr val="tx1"/>
                   </a:solidFill>
                 </a:rPr>
-                <a:t>失点数</a:t>
+                <a:t>ボール支配率</a:t>
               </a:r>
-              <a:endParaRPr kumimoji="1" lang="ja-JP" altLang="en-US" sz="3600" dirty="0">
-                <a:solidFill>
-                  <a:schemeClr val="tx1"/>
-                </a:solidFill>
-              </a:endParaRPr>
             </a:p>
           </p:txBody>
         </p:sp>
@@ -6381,7 +6426,7 @@
               <a:avLst/>
             </a:prstGeom>
             <a:blipFill>
-              <a:blip r:embed="rId4"/>
+              <a:blip r:embed="rId2"/>
               <a:tile tx="0" ty="0" sx="100000" sy="100000" flip="none" algn="tl"/>
             </a:blipFill>
             <a:ln>
@@ -6470,6 +6515,13 @@
                     <a:lumMod val="10000"/>
                   </a:schemeClr>
                 </a:solidFill>
+                <a:effectLst>
+                  <a:outerShdw blurRad="38100" dist="38100" dir="2700000" algn="tl">
+                    <a:srgbClr val="000000">
+                      <a:alpha val="43137"/>
+                    </a:srgbClr>
+                  </a:outerShdw>
+                </a:effectLst>
               </a:rPr>
               <a:t>今後の計画</a:t>
             </a:r>
@@ -6479,6 +6531,13 @@
                   <a:lumMod val="10000"/>
                 </a:schemeClr>
               </a:solidFill>
+              <a:effectLst>
+                <a:outerShdw blurRad="38100" dist="38100" dir="2700000" algn="tl">
+                  <a:srgbClr val="000000">
+                    <a:alpha val="43137"/>
+                  </a:srgbClr>
+                </a:outerShdw>
+              </a:effectLst>
             </a:endParaRPr>
           </a:p>
         </p:txBody>
@@ -6492,14 +6551,14 @@
           <p:nvPr>
             <p:extLst>
               <p:ext uri="{D42A27DB-BD31-4B8C-83A1-F6EECF244321}">
-                <p14:modId xmlns:p14="http://schemas.microsoft.com/office/powerpoint/2010/main" val="1425985734"/>
+                <p14:modId xmlns:p14="http://schemas.microsoft.com/office/powerpoint/2010/main" val="3448697389"/>
               </p:ext>
             </p:extLst>
           </p:nvPr>
         </p:nvGraphicFramePr>
         <p:xfrm>
           <a:off x="10760729" y="20900216"/>
-          <a:ext cx="9940211" cy="8641371"/>
+          <a:ext cx="9940211" cy="8355047"/>
         </p:xfrm>
         <a:graphic>
           <a:graphicData uri="http://schemas.openxmlformats.org/drawingml/2006/table">
@@ -6617,14 +6676,15 @@
                     <a:lstStyle/>
                     <a:p>
                       <a:r>
-                        <a:rPr kumimoji="1" lang="en-US" altLang="ja-JP" sz="4400" dirty="0" smtClean="0"/>
+                        <a:rPr kumimoji="1" lang="en-US" altLang="ja-JP" sz="4400" dirty="0" smtClean="0">
+                          <a:latin typeface="Century" panose="02040604050505020304" pitchFamily="18" charset="0"/>
+                        </a:rPr>
                         <a:t>J</a:t>
                       </a:r>
                       <a:r>
                         <a:rPr kumimoji="1" lang="ja-JP" altLang="en-US" sz="4400" dirty="0" smtClean="0"/>
-                        <a:t>リーグのプレイヤーに関するデータを集める</a:t>
+                        <a:t>リーグの選手に関するデータを集める</a:t>
                       </a:r>
-                      <a:endParaRPr kumimoji="1" lang="ja-JP" altLang="en-US" sz="4400" dirty="0" smtClean="0"/>
                     </a:p>
                   </a:txBody>
                   <a:tcPr/>
@@ -6680,9 +6740,8 @@
                     <a:p>
                       <a:r>
                         <a:rPr kumimoji="1" lang="ja-JP" altLang="en-US" sz="4400" dirty="0" smtClean="0"/>
-                        <a:t>プレイヤーに関するデータを解析し，チームの成績との関係を見出す</a:t>
+                        <a:t>選手に関するデータを解析し，チームの成績との関係を見出す</a:t>
                       </a:r>
-                      <a:endParaRPr kumimoji="1" lang="ja-JP" altLang="en-US" sz="4400" dirty="0" smtClean="0"/>
                     </a:p>
                   </a:txBody>
                   <a:tcPr/>
@@ -6811,7 +6870,7 @@
         </p:nvSpPr>
         <p:spPr>
           <a:xfrm>
-            <a:off x="1188344" y="3762723"/>
+            <a:off x="1188344" y="3546699"/>
             <a:ext cx="20198456" cy="3046988"/>
           </a:xfrm>
           <a:prstGeom prst="rect">
@@ -6863,7 +6922,23 @@
             </a:r>
             <a:r>
               <a:rPr lang="ja-JP" altLang="en-US" sz="4800" dirty="0"/>
-              <a:t>リーグのプレイヤーに関するデータを集める</a:t>
+              <a:t>リーグ</a:t>
+            </a:r>
+            <a:r>
+              <a:rPr lang="ja-JP" altLang="en-US" sz="4800" dirty="0" smtClean="0"/>
+              <a:t>の</a:t>
+            </a:r>
+            <a:r>
+              <a:rPr lang="ja-JP" altLang="en-US" sz="4800" dirty="0"/>
+              <a:t>選手</a:t>
+            </a:r>
+            <a:r>
+              <a:rPr lang="ja-JP" altLang="en-US" sz="4800" dirty="0" smtClean="0"/>
+              <a:t>に</a:t>
+            </a:r>
+            <a:r>
+              <a:rPr lang="ja-JP" altLang="en-US" sz="4800" dirty="0"/>
+              <a:t>関するデータを集める</a:t>
             </a:r>
           </a:p>
           <a:p>
@@ -6872,9 +6947,255 @@
               <a:buAutoNum type="circleNumDbPlain"/>
             </a:pPr>
             <a:r>
+              <a:rPr lang="ja-JP" altLang="en-US" sz="4800" dirty="0" smtClean="0"/>
+              <a:t>選手に</a:t>
+            </a:r>
+            <a:r>
               <a:rPr lang="ja-JP" altLang="en-US" sz="4800" dirty="0"/>
-              <a:t>プレイヤーに関するデータを解析し，チームの成績との関係を見出す</a:t>
-            </a:r>
+              <a:t>関するデータを解析し，チームの成績との関係を見出す</a:t>
+            </a:r>
+          </a:p>
+        </p:txBody>
+      </p:sp>
+      <p:sp>
+        <p:nvSpPr>
+          <p:cNvPr id="5" name="正方形/長方形 4"/>
+          <p:cNvSpPr/>
+          <p:nvPr/>
+        </p:nvSpPr>
+        <p:spPr>
+          <a:xfrm>
+            <a:off x="9646193" y="13771835"/>
+            <a:ext cx="11089232" cy="1569660"/>
+          </a:xfrm>
+          <a:prstGeom prst="rect">
+            <a:avLst/>
+          </a:prstGeom>
+        </p:spPr>
+        <p:txBody>
+          <a:bodyPr wrap="square">
+            <a:spAutoFit/>
+          </a:bodyPr>
+          <a:lstStyle/>
+          <a:p>
+            <a:r>
+              <a:rPr lang="ja-JP" altLang="en-US" sz="4800" dirty="0"/>
+              <a:t>勝率＝ボール</a:t>
+            </a:r>
+            <a:r>
+              <a:rPr lang="ja-JP" altLang="en-US" sz="4800" dirty="0" smtClean="0"/>
+              <a:t>支配率</a:t>
+            </a:r>
+            <a:r>
+              <a:rPr lang="en-US" altLang="ja-JP" sz="4800" dirty="0" smtClean="0"/>
+              <a:t>×1.406422+</a:t>
+            </a:r>
+          </a:p>
+          <a:p>
+            <a:r>
+              <a:rPr lang="ja-JP" altLang="en-US" sz="4800" dirty="0" smtClean="0"/>
+              <a:t>被シュート数</a:t>
+            </a:r>
+            <a:r>
+              <a:rPr lang="en-US" altLang="ja-JP" sz="4800" dirty="0" smtClean="0"/>
+              <a:t>×</a:t>
+            </a:r>
+            <a:r>
+              <a:rPr lang="ja-JP" altLang="en-US" sz="4800" dirty="0" smtClean="0"/>
+              <a:t>（</a:t>
+            </a:r>
+            <a:r>
+              <a:rPr lang="en-US" altLang="ja-JP" sz="4800" dirty="0"/>
+              <a:t>-2.04525</a:t>
+            </a:r>
+            <a:r>
+              <a:rPr lang="ja-JP" altLang="en-US" sz="4800" dirty="0"/>
+              <a:t>）</a:t>
+            </a:r>
+            <a:r>
+              <a:rPr lang="en-US" altLang="ja-JP" sz="4800" dirty="0"/>
+              <a:t>+27.41675</a:t>
+            </a:r>
+            <a:endParaRPr lang="ja-JP" altLang="en-US" sz="4800" dirty="0"/>
+          </a:p>
+        </p:txBody>
+      </p:sp>
+      <p:pic>
+        <p:nvPicPr>
+          <p:cNvPr id="12" name="Picture 2"/>
+          <p:cNvPicPr>
+            <a:picLocks noChangeAspect="1" noChangeArrowheads="1"/>
+          </p:cNvPicPr>
+          <p:nvPr/>
+        </p:nvPicPr>
+        <p:blipFill>
+          <a:blip r:embed="rId3">
+            <a:extLst>
+              <a:ext uri="{28A0092B-C50C-407E-A947-70E740481C1C}">
+                <a14:useLocalDpi xmlns:a14="http://schemas.microsoft.com/office/drawing/2010/main" val="0"/>
+              </a:ext>
+            </a:extLst>
+          </a:blip>
+          <a:srcRect/>
+          <a:stretch>
+            <a:fillRect/>
+          </a:stretch>
+        </p:blipFill>
+        <p:spPr bwMode="auto">
+          <a:xfrm>
+            <a:off x="275609" y="10091175"/>
+            <a:ext cx="8834827" cy="7920880"/>
+          </a:xfrm>
+          <a:prstGeom prst="rect">
+            <a:avLst/>
+          </a:prstGeom>
+          <a:noFill/>
+          <a:ln>
+            <a:noFill/>
+          </a:ln>
+          <a:effectLst/>
+          <a:extLst>
+            <a:ext uri="{909E8E84-426E-40DD-AFC4-6F175D3DCCD1}">
+              <a14:hiddenFill xmlns:a14="http://schemas.microsoft.com/office/drawing/2010/main">
+                <a:solidFill>
+                  <a:schemeClr val="accent1"/>
+                </a:solidFill>
+              </a14:hiddenFill>
+            </a:ext>
+            <a:ext uri="{91240B29-F687-4F45-9708-019B960494DF}">
+              <a14:hiddenLine xmlns:a14="http://schemas.microsoft.com/office/drawing/2010/main" w="9525">
+                <a:solidFill>
+                  <a:schemeClr val="tx1"/>
+                </a:solidFill>
+                <a:miter lim="800000"/>
+                <a:headEnd/>
+                <a:tailEnd/>
+              </a14:hiddenLine>
+            </a:ext>
+            <a:ext uri="{AF507438-7753-43E0-B8FC-AC1667EBCBE1}">
+              <a14:hiddenEffects xmlns:a14="http://schemas.microsoft.com/office/drawing/2010/main">
+                <a:effectLst>
+                  <a:outerShdw dist="35921" dir="2700000" algn="ctr" rotWithShape="0">
+                    <a:schemeClr val="bg2"/>
+                  </a:outerShdw>
+                </a:effectLst>
+              </a14:hiddenEffects>
+            </a:ext>
+          </a:extLst>
+        </p:spPr>
+      </p:pic>
+      <p:sp>
+        <p:nvSpPr>
+          <p:cNvPr id="15" name="テキスト ボックス 14"/>
+          <p:cNvSpPr txBox="1"/>
+          <p:nvPr/>
+        </p:nvSpPr>
+        <p:spPr>
+          <a:xfrm>
+            <a:off x="12580696" y="7811200"/>
+            <a:ext cx="5220228" cy="1200329"/>
+          </a:xfrm>
+          <a:prstGeom prst="rect">
+            <a:avLst/>
+          </a:prstGeom>
+          <a:noFill/>
+        </p:spPr>
+        <p:txBody>
+          <a:bodyPr wrap="square" rtlCol="0">
+            <a:spAutoFit/>
+          </a:bodyPr>
+          <a:lstStyle/>
+          <a:p>
+            <a:r>
+              <a:rPr lang="ja-JP" altLang="en-US" sz="7200" dirty="0"/>
+              <a:t>重回帰分析</a:t>
+            </a:r>
+            <a:endParaRPr kumimoji="1" lang="ja-JP" altLang="en-US" sz="7200" dirty="0"/>
+          </a:p>
+        </p:txBody>
+      </p:sp>
+      <p:sp>
+        <p:nvSpPr>
+          <p:cNvPr id="17" name="下矢印 16"/>
+          <p:cNvSpPr/>
+          <p:nvPr/>
+        </p:nvSpPr>
+        <p:spPr>
+          <a:xfrm>
+            <a:off x="13041203" y="9637609"/>
+            <a:ext cx="4299213" cy="3777413"/>
+          </a:xfrm>
+          <a:prstGeom prst="downArrow">
+            <a:avLst/>
+          </a:prstGeom>
+          <a:noFill/>
+        </p:spPr>
+        <p:style>
+          <a:lnRef idx="2">
+            <a:schemeClr val="accent1">
+              <a:shade val="50000"/>
+            </a:schemeClr>
+          </a:lnRef>
+          <a:fillRef idx="1">
+            <a:schemeClr val="accent1"/>
+          </a:fillRef>
+          <a:effectRef idx="0">
+            <a:schemeClr val="accent1"/>
+          </a:effectRef>
+          <a:fontRef idx="minor">
+            <a:schemeClr val="lt1"/>
+          </a:fontRef>
+        </p:style>
+        <p:txBody>
+          <a:bodyPr lIns="165872" tIns="82935" rIns="165872" bIns="82935" spcCol="0" rtlCol="0" anchor="ctr"/>
+          <a:lstStyle/>
+          <a:p>
+            <a:pPr algn="ctr"/>
+            <a:endParaRPr kumimoji="1" lang="ja-JP" altLang="en-US" sz="6000" b="1" dirty="0">
+              <a:solidFill>
+                <a:schemeClr val="bg2">
+                  <a:lumMod val="10000"/>
+                </a:schemeClr>
+              </a:solidFill>
+            </a:endParaRPr>
+          </a:p>
+        </p:txBody>
+      </p:sp>
+      <p:sp>
+        <p:nvSpPr>
+          <p:cNvPr id="19" name="テキスト ボックス 18"/>
+          <p:cNvSpPr txBox="1"/>
+          <p:nvPr/>
+        </p:nvSpPr>
+        <p:spPr>
+          <a:xfrm>
+            <a:off x="9809757" y="16004040"/>
+            <a:ext cx="10762105" cy="1754326"/>
+          </a:xfrm>
+          <a:prstGeom prst="rect">
+            <a:avLst/>
+          </a:prstGeom>
+          <a:noFill/>
+        </p:spPr>
+        <p:txBody>
+          <a:bodyPr wrap="square" rtlCol="0">
+            <a:spAutoFit/>
+          </a:bodyPr>
+          <a:lstStyle/>
+          <a:p>
+            <a:r>
+              <a:rPr kumimoji="1" lang="ja-JP" altLang="en-US" sz="5400" dirty="0" smtClean="0">
+                <a:solidFill>
+                  <a:srgbClr val="FF0000"/>
+                </a:solidFill>
+              </a:rPr>
+              <a:t>チームの勝率を求める数式が求められる！！</a:t>
+            </a:r>
+            <a:endParaRPr kumimoji="1" lang="ja-JP" altLang="en-US" sz="5400" dirty="0">
+              <a:solidFill>
+                <a:srgbClr val="FF0000"/>
+              </a:solidFill>
+            </a:endParaRPr>
           </a:p>
         </p:txBody>
       </p:sp>

--- a/課題研究/2013/丸山準人/ポスター.pptx
+++ b/課題研究/2013/丸山準人/ポスター.pptx
@@ -7184,12 +7184,20 @@
           <a:lstStyle/>
           <a:p>
             <a:r>
+              <a:rPr lang="ja-JP" altLang="en-US" sz="5400" dirty="0">
+                <a:solidFill>
+                  <a:srgbClr val="FF0000"/>
+                </a:solidFill>
+              </a:rPr>
+              <a:t>チームについての統計解析はできるようになっている！</a:t>
+            </a:r>
+            <a:r>
               <a:rPr kumimoji="1" lang="ja-JP" altLang="en-US" sz="5400" dirty="0" smtClean="0">
                 <a:solidFill>
                   <a:srgbClr val="FF0000"/>
                 </a:solidFill>
               </a:rPr>
-              <a:t>チームの勝率を求める数式が求められる！！</a:t>
+              <a:t>！</a:t>
             </a:r>
             <a:endParaRPr kumimoji="1" lang="ja-JP" altLang="en-US" sz="5400" dirty="0">
               <a:solidFill>

--- a/課題研究/2013/丸山準人/ポスター.pptx
+++ b/課題研究/2013/丸山準人/ポスター.pptx
@@ -242,7 +242,7 @@
           <a:p>
             <a:fld id="{4D7C5F46-0C4F-49B7-B018-34633777EF9A}" type="datetimeFigureOut">
               <a:rPr kumimoji="1" lang="ja-JP" altLang="en-US" smtClean="0"/>
-              <a:t>2013/12/11</a:t>
+              <a:t>2013/12/12</a:t>
             </a:fld>
             <a:endParaRPr kumimoji="1" lang="ja-JP" altLang="en-US" dirty="0"/>
           </a:p>
@@ -587,7 +587,7 @@
           <a:p>
             <a:fld id="{4D7C5F46-0C4F-49B7-B018-34633777EF9A}" type="datetimeFigureOut">
               <a:rPr kumimoji="1" lang="ja-JP" altLang="en-US" smtClean="0"/>
-              <a:t>2013/12/11</a:t>
+              <a:t>2013/12/12</a:t>
             </a:fld>
             <a:endParaRPr kumimoji="1" lang="ja-JP" altLang="en-US" dirty="0"/>
           </a:p>
@@ -804,7 +804,7 @@
           <a:p>
             <a:fld id="{4D7C5F46-0C4F-49B7-B018-34633777EF9A}" type="datetimeFigureOut">
               <a:rPr kumimoji="1" lang="ja-JP" altLang="en-US" smtClean="0"/>
-              <a:t>2013/12/11</a:t>
+              <a:t>2013/12/12</a:t>
             </a:fld>
             <a:endParaRPr kumimoji="1" lang="ja-JP" altLang="en-US" dirty="0"/>
           </a:p>
@@ -1011,7 +1011,7 @@
           <a:p>
             <a:fld id="{4D7C5F46-0C4F-49B7-B018-34633777EF9A}" type="datetimeFigureOut">
               <a:rPr kumimoji="1" lang="ja-JP" altLang="en-US" smtClean="0"/>
-              <a:t>2013/12/11</a:t>
+              <a:t>2013/12/12</a:t>
             </a:fld>
             <a:endParaRPr kumimoji="1" lang="ja-JP" altLang="en-US" dirty="0"/>
           </a:p>
@@ -1279,7 +1279,7 @@
           <a:p>
             <a:fld id="{4D7C5F46-0C4F-49B7-B018-34633777EF9A}" type="datetimeFigureOut">
               <a:rPr kumimoji="1" lang="ja-JP" altLang="en-US" smtClean="0"/>
-              <a:t>2013/12/11</a:t>
+              <a:t>2013/12/12</a:t>
             </a:fld>
             <a:endParaRPr kumimoji="1" lang="ja-JP" altLang="en-US" dirty="0"/>
           </a:p>
@@ -1811,7 +1811,7 @@
           <a:p>
             <a:fld id="{4D7C5F46-0C4F-49B7-B018-34633777EF9A}" type="datetimeFigureOut">
               <a:rPr kumimoji="1" lang="ja-JP" altLang="en-US" smtClean="0"/>
-              <a:t>2013/12/11</a:t>
+              <a:t>2013/12/12</a:t>
             </a:fld>
             <a:endParaRPr kumimoji="1" lang="ja-JP" altLang="en-US" dirty="0"/>
           </a:p>
@@ -2364,7 +2364,7 @@
           <a:p>
             <a:fld id="{4D7C5F46-0C4F-49B7-B018-34633777EF9A}" type="datetimeFigureOut">
               <a:rPr kumimoji="1" lang="ja-JP" altLang="en-US" smtClean="0"/>
-              <a:t>2013/12/11</a:t>
+              <a:t>2013/12/12</a:t>
             </a:fld>
             <a:endParaRPr kumimoji="1" lang="ja-JP" altLang="en-US" dirty="0"/>
           </a:p>
@@ -2490,7 +2490,7 @@
           <a:p>
             <a:fld id="{4D7C5F46-0C4F-49B7-B018-34633777EF9A}" type="datetimeFigureOut">
               <a:rPr kumimoji="1" lang="ja-JP" altLang="en-US" smtClean="0"/>
-              <a:t>2013/12/11</a:t>
+              <a:t>2013/12/12</a:t>
             </a:fld>
             <a:endParaRPr kumimoji="1" lang="ja-JP" altLang="en-US" dirty="0"/>
           </a:p>
@@ -2634,7 +2634,7 @@
           <a:p>
             <a:fld id="{4D7C5F46-0C4F-49B7-B018-34633777EF9A}" type="datetimeFigureOut">
               <a:rPr kumimoji="1" lang="ja-JP" altLang="en-US" smtClean="0"/>
-              <a:t>2013/12/11</a:t>
+              <a:t>2013/12/12</a:t>
             </a:fld>
             <a:endParaRPr kumimoji="1" lang="ja-JP" altLang="en-US" dirty="0"/>
           </a:p>
@@ -2988,7 +2988,7 @@
           <a:p>
             <a:fld id="{4D7C5F46-0C4F-49B7-B018-34633777EF9A}" type="datetimeFigureOut">
               <a:rPr kumimoji="1" lang="ja-JP" altLang="en-US" smtClean="0"/>
-              <a:t>2013/12/11</a:t>
+              <a:t>2013/12/12</a:t>
             </a:fld>
             <a:endParaRPr kumimoji="1" lang="ja-JP" altLang="en-US" dirty="0"/>
           </a:p>
@@ -3122,7 +3122,7 @@
           <a:p>
             <a:fld id="{4D7C5F46-0C4F-49B7-B018-34633777EF9A}" type="datetimeFigureOut">
               <a:rPr kumimoji="1" lang="ja-JP" altLang="en-US" smtClean="0"/>
-              <a:t>2013/12/11</a:t>
+              <a:t>2013/12/12</a:t>
             </a:fld>
             <a:endParaRPr kumimoji="1" lang="ja-JP" altLang="en-US" dirty="0"/>
           </a:p>
@@ -3935,7 +3935,7 @@
           <a:p>
             <a:fld id="{4D7C5F46-0C4F-49B7-B018-34633777EF9A}" type="datetimeFigureOut">
               <a:rPr kumimoji="1" lang="ja-JP" altLang="en-US" smtClean="0"/>
-              <a:t>2013/12/11</a:t>
+              <a:t>2013/12/12</a:t>
             </a:fld>
             <a:endParaRPr kumimoji="1" lang="ja-JP" altLang="en-US" dirty="0"/>
           </a:p>
@@ -4469,7 +4469,7 @@
         </p:nvSpPr>
         <p:spPr>
           <a:xfrm>
-            <a:off x="2988544" y="234331"/>
+            <a:off x="2484488" y="247920"/>
             <a:ext cx="16489832" cy="2664296"/>
           </a:xfrm>
           <a:prstGeom prst="horizontalScroll">
@@ -4498,22 +4498,6 @@
           <a:lstStyle/>
           <a:p>
             <a:pPr algn="ctr"/>
-            <a:r>
-              <a:rPr lang="ja-JP" altLang="en-US" sz="5400" b="1" dirty="0">
-                <a:solidFill>
-                  <a:schemeClr val="tx1"/>
-                </a:solidFill>
-              </a:rPr>
-              <a:t>セイバーメトリクスを</a:t>
-            </a:r>
-            <a:r>
-              <a:rPr lang="ja-JP" altLang="en-US" sz="5400" b="1" dirty="0" smtClean="0">
-                <a:solidFill>
-                  <a:schemeClr val="tx1"/>
-                </a:solidFill>
-              </a:rPr>
-              <a:t>駆使したチーム作りの調査</a:t>
-            </a:r>
             <a:endParaRPr kumimoji="1" lang="ja-JP" altLang="en-US" sz="5400" b="1" dirty="0">
               <a:solidFill>
                 <a:schemeClr val="tx1"/>
@@ -4530,7 +4514,7 @@
         </p:nvSpPr>
         <p:spPr>
           <a:xfrm>
-            <a:off x="4562301" y="2970635"/>
+            <a:off x="3991446" y="2970635"/>
             <a:ext cx="13475915" cy="906154"/>
           </a:xfrm>
           <a:prstGeom prst="rect">
@@ -4707,6 +4691,13 @@
                     <a:lumMod val="10000"/>
                   </a:schemeClr>
                 </a:solidFill>
+                <a:effectLst>
+                  <a:outerShdw blurRad="38100" dist="38100" dir="2700000" algn="tl">
+                    <a:srgbClr val="000000">
+                      <a:alpha val="43137"/>
+                    </a:srgbClr>
+                  </a:outerShdw>
+                </a:effectLst>
               </a:rPr>
               <a:t>背景</a:t>
             </a:r>
@@ -4716,6 +4707,13 @@
                   <a:lumMod val="10000"/>
                 </a:schemeClr>
               </a:solidFill>
+              <a:effectLst>
+                <a:outerShdw blurRad="38100" dist="38100" dir="2700000" algn="tl">
+                  <a:srgbClr val="000000">
+                    <a:alpha val="43137"/>
+                  </a:srgbClr>
+                </a:outerShdw>
+              </a:effectLst>
             </a:endParaRPr>
           </a:p>
         </p:txBody>
@@ -5035,25 +5033,30 @@
                   <a:schemeClr val="tx1"/>
                 </a:solidFill>
               </a:rPr>
-              <a:t>マネーボールの選手の調査</a:t>
+              <a:t>マネーボールのチームの編成基準</a:t>
+            </a:r>
+            <a:endParaRPr lang="en-US" altLang="ja-JP" dirty="0" smtClean="0">
+              <a:solidFill>
+                <a:schemeClr val="tx1"/>
+              </a:solidFill>
+            </a:endParaRPr>
+          </a:p>
+          <a:p>
+            <a:r>
+              <a:rPr lang="ja-JP" altLang="en-US" dirty="0" smtClean="0">
+                <a:solidFill>
+                  <a:srgbClr val="FF0000"/>
+                </a:solidFill>
+              </a:rPr>
+              <a:t>野手</a:t>
             </a:r>
             <a:r>
               <a:rPr lang="ja-JP" altLang="en-US" dirty="0">
                 <a:solidFill>
-                  <a:schemeClr val="tx1"/>
+                  <a:srgbClr val="FF0000"/>
                 </a:solidFill>
               </a:rPr>
-              <a:t>対象</a:t>
-            </a:r>
-          </a:p>
-          <a:p>
-            <a:r>
-              <a:rPr lang="ja-JP" altLang="en-US" dirty="0">
-                <a:solidFill>
-                  <a:srgbClr val="FF0000"/>
-                </a:solidFill>
-              </a:rPr>
-              <a:t>野手の場合</a:t>
+              <a:t>の場合</a:t>
             </a:r>
           </a:p>
           <a:p>
@@ -5370,6 +5373,13 @@
                     <a:lumMod val="10000"/>
                   </a:schemeClr>
                 </a:solidFill>
+                <a:effectLst>
+                  <a:outerShdw blurRad="38100" dist="38100" dir="2700000" algn="tl">
+                    <a:srgbClr val="000000">
+                      <a:alpha val="43137"/>
+                    </a:srgbClr>
+                  </a:outerShdw>
+                </a:effectLst>
               </a:rPr>
               <a:t>目的</a:t>
             </a:r>
@@ -5379,6 +5389,13 @@
                   <a:lumMod val="10000"/>
                 </a:schemeClr>
               </a:solidFill>
+              <a:effectLst>
+                <a:outerShdw blurRad="38100" dist="38100" dir="2700000" algn="tl">
+                  <a:srgbClr val="000000">
+                    <a:alpha val="43137"/>
+                  </a:srgbClr>
+                </a:outerShdw>
+              </a:effectLst>
             </a:endParaRPr>
           </a:p>
         </p:txBody>
@@ -5543,6 +5560,13 @@
                     <a:lumMod val="10000"/>
                   </a:schemeClr>
                 </a:solidFill>
+                <a:effectLst>
+                  <a:outerShdw blurRad="38100" dist="38100" dir="2700000" algn="tl">
+                    <a:srgbClr val="000000">
+                      <a:alpha val="43137"/>
+                    </a:srgbClr>
+                  </a:outerShdw>
+                </a:effectLst>
                 <a:latin typeface="Century" panose="02040604050505020304" pitchFamily="18" charset="0"/>
               </a:rPr>
               <a:t>PM</a:t>
@@ -5554,6 +5578,13 @@
                     <a:lumMod val="10000"/>
                   </a:schemeClr>
                 </a:solidFill>
+                <a:effectLst>
+                  <a:outerShdw blurRad="38100" dist="38100" dir="2700000" algn="tl">
+                    <a:srgbClr val="000000">
+                      <a:alpha val="43137"/>
+                    </a:srgbClr>
+                  </a:outerShdw>
+                </a:effectLst>
               </a:rPr>
               <a:t>との関連性</a:t>
             </a:r>
@@ -5563,6 +5594,13 @@
                   <a:lumMod val="10000"/>
                 </a:schemeClr>
               </a:solidFill>
+              <a:effectLst>
+                <a:outerShdw blurRad="38100" dist="38100" dir="2700000" algn="tl">
+                  <a:srgbClr val="000000">
+                    <a:alpha val="43137"/>
+                  </a:srgbClr>
+                </a:outerShdw>
+              </a:effectLst>
             </a:endParaRPr>
           </a:p>
         </p:txBody>
@@ -5609,7 +5647,23 @@
                   <a:schemeClr val="tx1"/>
                 </a:solidFill>
               </a:rPr>
-              <a:t>チームスポーツにおいてプレイヤーを評価する客観的な方法を確立することは</a:t>
+              <a:t>チームスポーツに</a:t>
+            </a:r>
+            <a:r>
+              <a:rPr lang="ja-JP" altLang="en-US" sz="4800" dirty="0" smtClean="0">
+                <a:solidFill>
+                  <a:schemeClr val="tx1"/>
+                </a:solidFill>
+              </a:rPr>
+              <a:t>おいて選手を</a:t>
+            </a:r>
+            <a:r>
+              <a:rPr lang="ja-JP" altLang="en-US" sz="4800" dirty="0">
+                <a:solidFill>
+                  <a:schemeClr val="tx1"/>
+                </a:solidFill>
+              </a:rPr>
+              <a:t>評価する客観的な方法を確立することは</a:t>
             </a:r>
             <a:r>
               <a:rPr lang="ja-JP" altLang="en-US" sz="4800" dirty="0" smtClean="0">
@@ -5756,6 +5810,176 @@
               </a:rPr>
               <a:t>ハードワーク</a:t>
             </a:r>
+          </a:p>
+        </p:txBody>
+      </p:sp>
+      <p:sp>
+        <p:nvSpPr>
+          <p:cNvPr id="4" name="正方形/長方形 3"/>
+          <p:cNvSpPr/>
+          <p:nvPr/>
+        </p:nvSpPr>
+        <p:spPr>
+          <a:xfrm>
+            <a:off x="3304115" y="1118403"/>
+            <a:ext cx="15490138" cy="923330"/>
+          </a:xfrm>
+          <a:prstGeom prst="rect">
+            <a:avLst/>
+          </a:prstGeom>
+          <a:noFill/>
+        </p:spPr>
+        <p:txBody>
+          <a:bodyPr wrap="none" lIns="91440" tIns="45720" rIns="91440" bIns="45720">
+            <a:spAutoFit/>
+          </a:bodyPr>
+          <a:lstStyle/>
+          <a:p>
+            <a:pPr algn="ctr"/>
+            <a:r>
+              <a:rPr lang="ja-JP" altLang="en-US" sz="5400" b="1" dirty="0">
+                <a:ln w="10541" cmpd="sng">
+                  <a:solidFill>
+                    <a:schemeClr val="accent1">
+                      <a:shade val="88000"/>
+                      <a:satMod val="110000"/>
+                    </a:schemeClr>
+                  </a:solidFill>
+                  <a:prstDash val="solid"/>
+                </a:ln>
+                <a:gradFill>
+                  <a:gsLst>
+                    <a:gs pos="0">
+                      <a:schemeClr val="accent1">
+                        <a:tint val="40000"/>
+                        <a:satMod val="250000"/>
+                      </a:schemeClr>
+                    </a:gs>
+                    <a:gs pos="9000">
+                      <a:schemeClr val="accent1">
+                        <a:tint val="52000"/>
+                        <a:satMod val="300000"/>
+                      </a:schemeClr>
+                    </a:gs>
+                    <a:gs pos="50000">
+                      <a:schemeClr val="accent1">
+                        <a:shade val="20000"/>
+                        <a:satMod val="300000"/>
+                      </a:schemeClr>
+                    </a:gs>
+                    <a:gs pos="79000">
+                      <a:schemeClr val="accent1">
+                        <a:tint val="52000"/>
+                        <a:satMod val="300000"/>
+                      </a:schemeClr>
+                    </a:gs>
+                    <a:gs pos="100000">
+                      <a:schemeClr val="accent1">
+                        <a:tint val="40000"/>
+                        <a:satMod val="250000"/>
+                      </a:schemeClr>
+                    </a:gs>
+                  </a:gsLst>
+                  <a:lin ang="5400000"/>
+                </a:gradFill>
+              </a:rPr>
+              <a:t>セイバーメトリクスを</a:t>
+            </a:r>
+            <a:r>
+              <a:rPr lang="ja-JP" altLang="en-US" sz="5400" b="1" dirty="0" smtClean="0">
+                <a:ln w="10541" cmpd="sng">
+                  <a:solidFill>
+                    <a:schemeClr val="accent1">
+                      <a:shade val="88000"/>
+                      <a:satMod val="110000"/>
+                    </a:schemeClr>
+                  </a:solidFill>
+                  <a:prstDash val="solid"/>
+                </a:ln>
+                <a:gradFill>
+                  <a:gsLst>
+                    <a:gs pos="0">
+                      <a:schemeClr val="accent1">
+                        <a:tint val="40000"/>
+                        <a:satMod val="250000"/>
+                      </a:schemeClr>
+                    </a:gs>
+                    <a:gs pos="9000">
+                      <a:schemeClr val="accent1">
+                        <a:tint val="52000"/>
+                        <a:satMod val="300000"/>
+                      </a:schemeClr>
+                    </a:gs>
+                    <a:gs pos="50000">
+                      <a:schemeClr val="accent1">
+                        <a:shade val="20000"/>
+                        <a:satMod val="300000"/>
+                      </a:schemeClr>
+                    </a:gs>
+                    <a:gs pos="79000">
+                      <a:schemeClr val="accent1">
+                        <a:tint val="52000"/>
+                        <a:satMod val="300000"/>
+                      </a:schemeClr>
+                    </a:gs>
+                    <a:gs pos="100000">
+                      <a:schemeClr val="accent1">
+                        <a:tint val="40000"/>
+                        <a:satMod val="250000"/>
+                      </a:schemeClr>
+                    </a:gs>
+                  </a:gsLst>
+                  <a:lin ang="5400000"/>
+                </a:gradFill>
+              </a:rPr>
+              <a:t>駆使したチーム作りの調査</a:t>
+            </a:r>
+            <a:endParaRPr lang="ja-JP" altLang="en-US" sz="5400" b="1" dirty="0">
+              <a:ln w="10541" cmpd="sng">
+                <a:solidFill>
+                  <a:schemeClr val="accent1">
+                    <a:shade val="88000"/>
+                    <a:satMod val="110000"/>
+                  </a:schemeClr>
+                </a:solidFill>
+                <a:prstDash val="solid"/>
+              </a:ln>
+              <a:gradFill>
+                <a:gsLst>
+                  <a:gs pos="0">
+                    <a:schemeClr val="accent1">
+                      <a:tint val="40000"/>
+                      <a:satMod val="250000"/>
+                    </a:schemeClr>
+                  </a:gs>
+                  <a:gs pos="9000">
+                    <a:schemeClr val="accent1">
+                      <a:tint val="52000"/>
+                      <a:satMod val="300000"/>
+                    </a:schemeClr>
+                  </a:gs>
+                  <a:gs pos="50000">
+                    <a:schemeClr val="accent1">
+                      <a:shade val="20000"/>
+                      <a:satMod val="300000"/>
+                    </a:schemeClr>
+                  </a:gs>
+                  <a:gs pos="79000">
+                    <a:schemeClr val="accent1">
+                      <a:tint val="52000"/>
+                      <a:satMod val="300000"/>
+                    </a:schemeClr>
+                  </a:gs>
+                  <a:gs pos="100000">
+                    <a:schemeClr val="accent1">
+                      <a:tint val="40000"/>
+                      <a:satMod val="250000"/>
+                    </a:schemeClr>
+                  </a:gs>
+                </a:gsLst>
+                <a:lin ang="5400000"/>
+              </a:gradFill>
+            </a:endParaRPr>
           </a:p>
         </p:txBody>
       </p:sp>
@@ -5840,6 +6064,13 @@
                     <a:lumMod val="10000"/>
                   </a:schemeClr>
                 </a:solidFill>
+                <a:effectLst>
+                  <a:outerShdw blurRad="38100" dist="38100" dir="2700000" algn="tl">
+                    <a:srgbClr val="000000">
+                      <a:alpha val="43137"/>
+                    </a:srgbClr>
+                  </a:outerShdw>
+                </a:effectLst>
               </a:rPr>
               <a:t>研究方法</a:t>
             </a:r>
@@ -5849,6 +6080,13 @@
                   <a:lumMod val="10000"/>
                 </a:schemeClr>
               </a:solidFill>
+              <a:effectLst>
+                <a:outerShdw blurRad="38100" dist="38100" dir="2700000" algn="tl">
+                  <a:srgbClr val="000000">
+                    <a:alpha val="43137"/>
+                  </a:srgbClr>
+                </a:outerShdw>
+              </a:effectLst>
             </a:endParaRPr>
           </a:p>
         </p:txBody>
@@ -5861,7 +6099,7 @@
         </p:nvSpPr>
         <p:spPr>
           <a:xfrm>
-            <a:off x="225569" y="7602773"/>
+            <a:off x="225569" y="7219107"/>
             <a:ext cx="5427271" cy="2384516"/>
           </a:xfrm>
           <a:prstGeom prst="ellipse">
@@ -5897,6 +6135,13 @@
                     <a:lumMod val="10000"/>
                   </a:schemeClr>
                 </a:solidFill>
+                <a:effectLst>
+                  <a:outerShdw blurRad="38100" dist="38100" dir="2700000" algn="tl">
+                    <a:srgbClr val="000000">
+                      <a:alpha val="43137"/>
+                    </a:srgbClr>
+                  </a:outerShdw>
+                </a:effectLst>
               </a:rPr>
               <a:t>進捗状況</a:t>
             </a:r>
@@ -5906,209 +6151,14 @@
                   <a:lumMod val="10000"/>
                 </a:schemeClr>
               </a:solidFill>
+              <a:effectLst>
+                <a:outerShdw blurRad="38100" dist="38100" dir="2700000" algn="tl">
+                  <a:srgbClr val="000000">
+                    <a:alpha val="43137"/>
+                  </a:srgbClr>
+                </a:outerShdw>
+              </a:effectLst>
             </a:endParaRPr>
-          </a:p>
-        </p:txBody>
-      </p:sp>
-      <p:pic>
-        <p:nvPicPr>
-          <p:cNvPr id="1026" name="Picture 2"/>
-          <p:cNvPicPr>
-            <a:picLocks noChangeAspect="1" noChangeArrowheads="1"/>
-          </p:cNvPicPr>
-          <p:nvPr/>
-        </p:nvPicPr>
-        <p:blipFill>
-          <a:blip r:embed="rId2">
-            <a:extLst>
-              <a:ext uri="{28A0092B-C50C-407E-A947-70E740481C1C}">
-                <a14:useLocalDpi xmlns:a14="http://schemas.microsoft.com/office/drawing/2010/main" val="0"/>
-              </a:ext>
-            </a:extLst>
-          </a:blip>
-          <a:srcRect/>
-          <a:stretch>
-            <a:fillRect/>
-          </a:stretch>
-        </p:blipFill>
-        <p:spPr bwMode="auto">
-          <a:xfrm>
-            <a:off x="540271" y="10999307"/>
-            <a:ext cx="6989587" cy="6082078"/>
-          </a:xfrm>
-          <a:prstGeom prst="rect">
-            <a:avLst/>
-          </a:prstGeom>
-          <a:noFill/>
-          <a:ln>
-            <a:noFill/>
-          </a:ln>
-          <a:effectLst/>
-          <a:extLst>
-            <a:ext uri="{909E8E84-426E-40DD-AFC4-6F175D3DCCD1}">
-              <a14:hiddenFill xmlns:a14="http://schemas.microsoft.com/office/drawing/2010/main">
-                <a:solidFill>
-                  <a:schemeClr val="accent1"/>
-                </a:solidFill>
-              </a14:hiddenFill>
-            </a:ext>
-            <a:ext uri="{91240B29-F687-4F45-9708-019B960494DF}">
-              <a14:hiddenLine xmlns:a14="http://schemas.microsoft.com/office/drawing/2010/main" w="9525">
-                <a:solidFill>
-                  <a:schemeClr val="tx1"/>
-                </a:solidFill>
-                <a:miter lim="800000"/>
-                <a:headEnd/>
-                <a:tailEnd/>
-              </a14:hiddenLine>
-            </a:ext>
-            <a:ext uri="{AF507438-7753-43E0-B8FC-AC1667EBCBE1}">
-              <a14:hiddenEffects xmlns:a14="http://schemas.microsoft.com/office/drawing/2010/main">
-                <a:effectLst>
-                  <a:outerShdw dist="35921" dir="2700000" algn="ctr" rotWithShape="0">
-                    <a:schemeClr val="bg2"/>
-                  </a:outerShdw>
-                </a:effectLst>
-              </a14:hiddenEffects>
-            </a:ext>
-          </a:extLst>
-        </p:spPr>
-      </p:pic>
-      <p:sp>
-        <p:nvSpPr>
-          <p:cNvPr id="6" name="右矢印 5"/>
-          <p:cNvSpPr/>
-          <p:nvPr/>
-        </p:nvSpPr>
-        <p:spPr>
-          <a:xfrm>
-            <a:off x="7937902" y="11988118"/>
-            <a:ext cx="4976076" cy="4104456"/>
-          </a:xfrm>
-          <a:prstGeom prst="rightArrow">
-            <a:avLst>
-              <a:gd name="adj1" fmla="val 50000"/>
-              <a:gd name="adj2" fmla="val 51536"/>
-            </a:avLst>
-          </a:prstGeom>
-          <a:noFill/>
-        </p:spPr>
-        <p:style>
-          <a:lnRef idx="2">
-            <a:schemeClr val="accent1">
-              <a:shade val="50000"/>
-            </a:schemeClr>
-          </a:lnRef>
-          <a:fillRef idx="1">
-            <a:schemeClr val="accent1"/>
-          </a:fillRef>
-          <a:effectRef idx="0">
-            <a:schemeClr val="accent1"/>
-          </a:effectRef>
-          <a:fontRef idx="minor">
-            <a:schemeClr val="lt1"/>
-          </a:fontRef>
-        </p:style>
-        <p:txBody>
-          <a:bodyPr rtlCol="0" anchor="ctr"/>
-          <a:lstStyle/>
-          <a:p>
-            <a:pPr algn="ctr"/>
-            <a:endParaRPr kumimoji="1" lang="ja-JP" altLang="en-US"/>
-          </a:p>
-        </p:txBody>
-      </p:sp>
-      <p:pic>
-        <p:nvPicPr>
-          <p:cNvPr id="1027" name="Picture 3"/>
-          <p:cNvPicPr>
-            <a:picLocks noChangeAspect="1" noChangeArrowheads="1"/>
-          </p:cNvPicPr>
-          <p:nvPr/>
-        </p:nvPicPr>
-        <p:blipFill>
-          <a:blip r:embed="rId3" cstate="print">
-            <a:extLst>
-              <a:ext uri="{28A0092B-C50C-407E-A947-70E740481C1C}">
-                <a14:useLocalDpi xmlns:a14="http://schemas.microsoft.com/office/drawing/2010/main" val="0"/>
-              </a:ext>
-            </a:extLst>
-          </a:blip>
-          <a:srcRect/>
-          <a:stretch>
-            <a:fillRect/>
-          </a:stretch>
-        </p:blipFill>
-        <p:spPr bwMode="auto">
-          <a:xfrm>
-            <a:off x="14077776" y="10582513"/>
-            <a:ext cx="6574616" cy="6915665"/>
-          </a:xfrm>
-          <a:prstGeom prst="rect">
-            <a:avLst/>
-          </a:prstGeom>
-          <a:noFill/>
-          <a:ln>
-            <a:noFill/>
-          </a:ln>
-          <a:effectLst/>
-          <a:extLst>
-            <a:ext uri="{909E8E84-426E-40DD-AFC4-6F175D3DCCD1}">
-              <a14:hiddenFill xmlns:a14="http://schemas.microsoft.com/office/drawing/2010/main">
-                <a:solidFill>
-                  <a:schemeClr val="accent1"/>
-                </a:solidFill>
-              </a14:hiddenFill>
-            </a:ext>
-            <a:ext uri="{91240B29-F687-4F45-9708-019B960494DF}">
-              <a14:hiddenLine xmlns:a14="http://schemas.microsoft.com/office/drawing/2010/main" w="9525">
-                <a:solidFill>
-                  <a:schemeClr val="tx1"/>
-                </a:solidFill>
-                <a:miter lim="800000"/>
-                <a:headEnd/>
-                <a:tailEnd/>
-              </a14:hiddenLine>
-            </a:ext>
-            <a:ext uri="{AF507438-7753-43E0-B8FC-AC1667EBCBE1}">
-              <a14:hiddenEffects xmlns:a14="http://schemas.microsoft.com/office/drawing/2010/main">
-                <a:effectLst>
-                  <a:outerShdw dist="35921" dir="2700000" algn="ctr" rotWithShape="0">
-                    <a:schemeClr val="bg2"/>
-                  </a:outerShdw>
-                </a:effectLst>
-              </a14:hiddenEffects>
-            </a:ext>
-          </a:extLst>
-        </p:spPr>
-      </p:pic>
-      <p:sp>
-        <p:nvSpPr>
-          <p:cNvPr id="7" name="テキスト ボックス 6"/>
-          <p:cNvSpPr txBox="1"/>
-          <p:nvPr/>
-        </p:nvSpPr>
-        <p:spPr>
-          <a:xfrm>
-            <a:off x="8777485" y="9752113"/>
-            <a:ext cx="3296910" cy="1015663"/>
-          </a:xfrm>
-          <a:prstGeom prst="rect">
-            <a:avLst/>
-          </a:prstGeom>
-          <a:noFill/>
-        </p:spPr>
-        <p:txBody>
-          <a:bodyPr wrap="square" rtlCol="0">
-            <a:spAutoFit/>
-          </a:bodyPr>
-          <a:lstStyle/>
-          <a:p>
-            <a:r>
-              <a:rPr kumimoji="1" lang="ja-JP" altLang="en-US" sz="6000" dirty="0" smtClean="0"/>
-              <a:t>回帰分析</a:t>
-            </a:r>
-            <a:endParaRPr kumimoji="1" lang="ja-JP" altLang="en-US" sz="6000" dirty="0"/>
           </a:p>
         </p:txBody>
       </p:sp>
@@ -6120,7 +6170,7 @@
         </p:nvGrpSpPr>
         <p:grpSpPr>
           <a:xfrm>
-            <a:off x="540272" y="18012055"/>
+            <a:off x="225569" y="18832548"/>
             <a:ext cx="9477493" cy="10592809"/>
             <a:chOff x="476196" y="17796650"/>
             <a:chExt cx="9477494" cy="10592809"/>
@@ -6263,7 +6313,7 @@
               <a:avLst/>
             </a:prstGeom>
             <a:blipFill>
-              <a:blip r:embed="rId4"/>
+              <a:blip r:embed="rId2"/>
               <a:tile tx="0" ty="0" sx="100000" sy="100000" flip="none" algn="tl"/>
             </a:blipFill>
             <a:ln>
@@ -6297,7 +6347,7 @@
                     <a:schemeClr val="tx1"/>
                   </a:solidFill>
                 </a:rPr>
-                <a:t>ボール支配率</a:t>
+                <a:t>勝率</a:t>
               </a:r>
               <a:endParaRPr kumimoji="1" lang="ja-JP" altLang="en-US" sz="3600" dirty="0">
                 <a:solidFill>
@@ -6322,7 +6372,7 @@
               <a:avLst/>
             </a:prstGeom>
             <a:blipFill>
-              <a:blip r:embed="rId4"/>
+              <a:blip r:embed="rId2"/>
               <a:tile tx="0" ty="0" sx="100000" sy="100000" flip="none" algn="tl"/>
             </a:blipFill>
             <a:ln>
@@ -6351,18 +6401,13 @@
             <a:p>
               <a:pPr algn="ctr"/>
               <a:r>
-                <a:rPr kumimoji="1" lang="ja-JP" altLang="en-US" sz="3600" dirty="0" smtClean="0">
+                <a:rPr lang="ja-JP" altLang="en-US" sz="3600" dirty="0">
                   <a:solidFill>
                     <a:schemeClr val="tx1"/>
                   </a:solidFill>
                 </a:rPr>
-                <a:t>失点数</a:t>
+                <a:t>ボール支配率</a:t>
               </a:r>
-              <a:endParaRPr kumimoji="1" lang="ja-JP" altLang="en-US" sz="3600" dirty="0">
-                <a:solidFill>
-                  <a:schemeClr val="tx1"/>
-                </a:solidFill>
-              </a:endParaRPr>
             </a:p>
           </p:txBody>
         </p:sp>
@@ -6381,7 +6426,7 @@
               <a:avLst/>
             </a:prstGeom>
             <a:blipFill>
-              <a:blip r:embed="rId4"/>
+              <a:blip r:embed="rId2"/>
               <a:tile tx="0" ty="0" sx="100000" sy="100000" flip="none" algn="tl"/>
             </a:blipFill>
             <a:ln>
@@ -6470,6 +6515,13 @@
                     <a:lumMod val="10000"/>
                   </a:schemeClr>
                 </a:solidFill>
+                <a:effectLst>
+                  <a:outerShdw blurRad="38100" dist="38100" dir="2700000" algn="tl">
+                    <a:srgbClr val="000000">
+                      <a:alpha val="43137"/>
+                    </a:srgbClr>
+                  </a:outerShdw>
+                </a:effectLst>
               </a:rPr>
               <a:t>今後の計画</a:t>
             </a:r>
@@ -6479,6 +6531,13 @@
                   <a:lumMod val="10000"/>
                 </a:schemeClr>
               </a:solidFill>
+              <a:effectLst>
+                <a:outerShdw blurRad="38100" dist="38100" dir="2700000" algn="tl">
+                  <a:srgbClr val="000000">
+                    <a:alpha val="43137"/>
+                  </a:srgbClr>
+                </a:outerShdw>
+              </a:effectLst>
             </a:endParaRPr>
           </a:p>
         </p:txBody>
@@ -6492,14 +6551,14 @@
           <p:nvPr>
             <p:extLst>
               <p:ext uri="{D42A27DB-BD31-4B8C-83A1-F6EECF244321}">
-                <p14:modId xmlns:p14="http://schemas.microsoft.com/office/powerpoint/2010/main" val="1425985734"/>
+                <p14:modId xmlns:p14="http://schemas.microsoft.com/office/powerpoint/2010/main" val="3448697389"/>
               </p:ext>
             </p:extLst>
           </p:nvPr>
         </p:nvGraphicFramePr>
         <p:xfrm>
           <a:off x="10760729" y="20900216"/>
-          <a:ext cx="9940211" cy="8641371"/>
+          <a:ext cx="9940211" cy="8355047"/>
         </p:xfrm>
         <a:graphic>
           <a:graphicData uri="http://schemas.openxmlformats.org/drawingml/2006/table">
@@ -6617,14 +6676,15 @@
                     <a:lstStyle/>
                     <a:p>
                       <a:r>
-                        <a:rPr kumimoji="1" lang="en-US" altLang="ja-JP" sz="4400" dirty="0" smtClean="0"/>
+                        <a:rPr kumimoji="1" lang="en-US" altLang="ja-JP" sz="4400" dirty="0" smtClean="0">
+                          <a:latin typeface="Century" panose="02040604050505020304" pitchFamily="18" charset="0"/>
+                        </a:rPr>
                         <a:t>J</a:t>
                       </a:r>
                       <a:r>
                         <a:rPr kumimoji="1" lang="ja-JP" altLang="en-US" sz="4400" dirty="0" smtClean="0"/>
-                        <a:t>リーグのプレイヤーに関するデータを集める</a:t>
+                        <a:t>リーグの選手に関するデータを集める</a:t>
                       </a:r>
-                      <a:endParaRPr kumimoji="1" lang="ja-JP" altLang="en-US" sz="4400" dirty="0" smtClean="0"/>
                     </a:p>
                   </a:txBody>
                   <a:tcPr/>
@@ -6680,9 +6740,8 @@
                     <a:p>
                       <a:r>
                         <a:rPr kumimoji="1" lang="ja-JP" altLang="en-US" sz="4400" dirty="0" smtClean="0"/>
-                        <a:t>プレイヤーに関するデータを解析し，チームの成績との関係を見出す</a:t>
+                        <a:t>選手に関するデータを解析し，チームの成績との関係を見出す</a:t>
                       </a:r>
-                      <a:endParaRPr kumimoji="1" lang="ja-JP" altLang="en-US" sz="4400" dirty="0" smtClean="0"/>
                     </a:p>
                   </a:txBody>
                   <a:tcPr/>
@@ -6811,7 +6870,7 @@
         </p:nvSpPr>
         <p:spPr>
           <a:xfrm>
-            <a:off x="1188344" y="3762723"/>
+            <a:off x="1188344" y="3546699"/>
             <a:ext cx="20198456" cy="3046988"/>
           </a:xfrm>
           <a:prstGeom prst="rect">
@@ -6863,7 +6922,23 @@
             </a:r>
             <a:r>
               <a:rPr lang="ja-JP" altLang="en-US" sz="4800" dirty="0"/>
-              <a:t>リーグのプレイヤーに関するデータを集める</a:t>
+              <a:t>リーグ</a:t>
+            </a:r>
+            <a:r>
+              <a:rPr lang="ja-JP" altLang="en-US" sz="4800" dirty="0" smtClean="0"/>
+              <a:t>の</a:t>
+            </a:r>
+            <a:r>
+              <a:rPr lang="ja-JP" altLang="en-US" sz="4800" dirty="0"/>
+              <a:t>選手</a:t>
+            </a:r>
+            <a:r>
+              <a:rPr lang="ja-JP" altLang="en-US" sz="4800" dirty="0" smtClean="0"/>
+              <a:t>に</a:t>
+            </a:r>
+            <a:r>
+              <a:rPr lang="ja-JP" altLang="en-US" sz="4800" dirty="0"/>
+              <a:t>関するデータを集める</a:t>
             </a:r>
           </a:p>
           <a:p>
@@ -6872,9 +6947,263 @@
               <a:buAutoNum type="circleNumDbPlain"/>
             </a:pPr>
             <a:r>
+              <a:rPr lang="ja-JP" altLang="en-US" sz="4800" dirty="0" smtClean="0"/>
+              <a:t>選手に</a:t>
+            </a:r>
+            <a:r>
               <a:rPr lang="ja-JP" altLang="en-US" sz="4800" dirty="0"/>
-              <a:t>プレイヤーに関するデータを解析し，チームの成績との関係を見出す</a:t>
-            </a:r>
+              <a:t>関するデータを解析し，チームの成績との関係を見出す</a:t>
+            </a:r>
+          </a:p>
+        </p:txBody>
+      </p:sp>
+      <p:sp>
+        <p:nvSpPr>
+          <p:cNvPr id="5" name="正方形/長方形 4"/>
+          <p:cNvSpPr/>
+          <p:nvPr/>
+        </p:nvSpPr>
+        <p:spPr>
+          <a:xfrm>
+            <a:off x="9646193" y="13771835"/>
+            <a:ext cx="11089232" cy="1569660"/>
+          </a:xfrm>
+          <a:prstGeom prst="rect">
+            <a:avLst/>
+          </a:prstGeom>
+        </p:spPr>
+        <p:txBody>
+          <a:bodyPr wrap="square">
+            <a:spAutoFit/>
+          </a:bodyPr>
+          <a:lstStyle/>
+          <a:p>
+            <a:r>
+              <a:rPr lang="ja-JP" altLang="en-US" sz="4800" dirty="0"/>
+              <a:t>勝率＝ボール</a:t>
+            </a:r>
+            <a:r>
+              <a:rPr lang="ja-JP" altLang="en-US" sz="4800" dirty="0" smtClean="0"/>
+              <a:t>支配率</a:t>
+            </a:r>
+            <a:r>
+              <a:rPr lang="en-US" altLang="ja-JP" sz="4800" dirty="0" smtClean="0"/>
+              <a:t>×1.406422+</a:t>
+            </a:r>
+          </a:p>
+          <a:p>
+            <a:r>
+              <a:rPr lang="ja-JP" altLang="en-US" sz="4800" dirty="0" smtClean="0"/>
+              <a:t>被シュート数</a:t>
+            </a:r>
+            <a:r>
+              <a:rPr lang="en-US" altLang="ja-JP" sz="4800" dirty="0" smtClean="0"/>
+              <a:t>×</a:t>
+            </a:r>
+            <a:r>
+              <a:rPr lang="ja-JP" altLang="en-US" sz="4800" dirty="0" smtClean="0"/>
+              <a:t>（</a:t>
+            </a:r>
+            <a:r>
+              <a:rPr lang="en-US" altLang="ja-JP" sz="4800" dirty="0"/>
+              <a:t>-2.04525</a:t>
+            </a:r>
+            <a:r>
+              <a:rPr lang="ja-JP" altLang="en-US" sz="4800" dirty="0"/>
+              <a:t>）</a:t>
+            </a:r>
+            <a:r>
+              <a:rPr lang="en-US" altLang="ja-JP" sz="4800" dirty="0"/>
+              <a:t>+27.41675</a:t>
+            </a:r>
+            <a:endParaRPr lang="ja-JP" altLang="en-US" sz="4800" dirty="0"/>
+          </a:p>
+        </p:txBody>
+      </p:sp>
+      <p:pic>
+        <p:nvPicPr>
+          <p:cNvPr id="12" name="Picture 2"/>
+          <p:cNvPicPr>
+            <a:picLocks noChangeAspect="1" noChangeArrowheads="1"/>
+          </p:cNvPicPr>
+          <p:nvPr/>
+        </p:nvPicPr>
+        <p:blipFill>
+          <a:blip r:embed="rId3">
+            <a:extLst>
+              <a:ext uri="{28A0092B-C50C-407E-A947-70E740481C1C}">
+                <a14:useLocalDpi xmlns:a14="http://schemas.microsoft.com/office/drawing/2010/main" val="0"/>
+              </a:ext>
+            </a:extLst>
+          </a:blip>
+          <a:srcRect/>
+          <a:stretch>
+            <a:fillRect/>
+          </a:stretch>
+        </p:blipFill>
+        <p:spPr bwMode="auto">
+          <a:xfrm>
+            <a:off x="275609" y="10091175"/>
+            <a:ext cx="8834827" cy="7920880"/>
+          </a:xfrm>
+          <a:prstGeom prst="rect">
+            <a:avLst/>
+          </a:prstGeom>
+          <a:noFill/>
+          <a:ln>
+            <a:noFill/>
+          </a:ln>
+          <a:effectLst/>
+          <a:extLst>
+            <a:ext uri="{909E8E84-426E-40DD-AFC4-6F175D3DCCD1}">
+              <a14:hiddenFill xmlns:a14="http://schemas.microsoft.com/office/drawing/2010/main">
+                <a:solidFill>
+                  <a:schemeClr val="accent1"/>
+                </a:solidFill>
+              </a14:hiddenFill>
+            </a:ext>
+            <a:ext uri="{91240B29-F687-4F45-9708-019B960494DF}">
+              <a14:hiddenLine xmlns:a14="http://schemas.microsoft.com/office/drawing/2010/main" w="9525">
+                <a:solidFill>
+                  <a:schemeClr val="tx1"/>
+                </a:solidFill>
+                <a:miter lim="800000"/>
+                <a:headEnd/>
+                <a:tailEnd/>
+              </a14:hiddenLine>
+            </a:ext>
+            <a:ext uri="{AF507438-7753-43E0-B8FC-AC1667EBCBE1}">
+              <a14:hiddenEffects xmlns:a14="http://schemas.microsoft.com/office/drawing/2010/main">
+                <a:effectLst>
+                  <a:outerShdw dist="35921" dir="2700000" algn="ctr" rotWithShape="0">
+                    <a:schemeClr val="bg2"/>
+                  </a:outerShdw>
+                </a:effectLst>
+              </a14:hiddenEffects>
+            </a:ext>
+          </a:extLst>
+        </p:spPr>
+      </p:pic>
+      <p:sp>
+        <p:nvSpPr>
+          <p:cNvPr id="15" name="テキスト ボックス 14"/>
+          <p:cNvSpPr txBox="1"/>
+          <p:nvPr/>
+        </p:nvSpPr>
+        <p:spPr>
+          <a:xfrm>
+            <a:off x="12580696" y="7811200"/>
+            <a:ext cx="5220228" cy="1200329"/>
+          </a:xfrm>
+          <a:prstGeom prst="rect">
+            <a:avLst/>
+          </a:prstGeom>
+          <a:noFill/>
+        </p:spPr>
+        <p:txBody>
+          <a:bodyPr wrap="square" rtlCol="0">
+            <a:spAutoFit/>
+          </a:bodyPr>
+          <a:lstStyle/>
+          <a:p>
+            <a:r>
+              <a:rPr lang="ja-JP" altLang="en-US" sz="7200" dirty="0"/>
+              <a:t>重回帰分析</a:t>
+            </a:r>
+            <a:endParaRPr kumimoji="1" lang="ja-JP" altLang="en-US" sz="7200" dirty="0"/>
+          </a:p>
+        </p:txBody>
+      </p:sp>
+      <p:sp>
+        <p:nvSpPr>
+          <p:cNvPr id="17" name="下矢印 16"/>
+          <p:cNvSpPr/>
+          <p:nvPr/>
+        </p:nvSpPr>
+        <p:spPr>
+          <a:xfrm>
+            <a:off x="13041203" y="9637609"/>
+            <a:ext cx="4299213" cy="3777413"/>
+          </a:xfrm>
+          <a:prstGeom prst="downArrow">
+            <a:avLst/>
+          </a:prstGeom>
+          <a:noFill/>
+        </p:spPr>
+        <p:style>
+          <a:lnRef idx="2">
+            <a:schemeClr val="accent1">
+              <a:shade val="50000"/>
+            </a:schemeClr>
+          </a:lnRef>
+          <a:fillRef idx="1">
+            <a:schemeClr val="accent1"/>
+          </a:fillRef>
+          <a:effectRef idx="0">
+            <a:schemeClr val="accent1"/>
+          </a:effectRef>
+          <a:fontRef idx="minor">
+            <a:schemeClr val="lt1"/>
+          </a:fontRef>
+        </p:style>
+        <p:txBody>
+          <a:bodyPr lIns="165872" tIns="82935" rIns="165872" bIns="82935" spcCol="0" rtlCol="0" anchor="ctr"/>
+          <a:lstStyle/>
+          <a:p>
+            <a:pPr algn="ctr"/>
+            <a:endParaRPr kumimoji="1" lang="ja-JP" altLang="en-US" sz="6000" b="1" dirty="0">
+              <a:solidFill>
+                <a:schemeClr val="bg2">
+                  <a:lumMod val="10000"/>
+                </a:schemeClr>
+              </a:solidFill>
+            </a:endParaRPr>
+          </a:p>
+        </p:txBody>
+      </p:sp>
+      <p:sp>
+        <p:nvSpPr>
+          <p:cNvPr id="19" name="テキスト ボックス 18"/>
+          <p:cNvSpPr txBox="1"/>
+          <p:nvPr/>
+        </p:nvSpPr>
+        <p:spPr>
+          <a:xfrm>
+            <a:off x="9809757" y="16004040"/>
+            <a:ext cx="10762105" cy="1754326"/>
+          </a:xfrm>
+          <a:prstGeom prst="rect">
+            <a:avLst/>
+          </a:prstGeom>
+          <a:noFill/>
+        </p:spPr>
+        <p:txBody>
+          <a:bodyPr wrap="square" rtlCol="0">
+            <a:spAutoFit/>
+          </a:bodyPr>
+          <a:lstStyle/>
+          <a:p>
+            <a:r>
+              <a:rPr lang="ja-JP" altLang="en-US" sz="5400" dirty="0">
+                <a:solidFill>
+                  <a:srgbClr val="FF0000"/>
+                </a:solidFill>
+              </a:rPr>
+              <a:t>チームについての統計解析はできるようになっている！</a:t>
+            </a:r>
+            <a:r>
+              <a:rPr kumimoji="1" lang="ja-JP" altLang="en-US" sz="5400" dirty="0" smtClean="0">
+                <a:solidFill>
+                  <a:srgbClr val="FF0000"/>
+                </a:solidFill>
+              </a:rPr>
+              <a:t>！</a:t>
+            </a:r>
+            <a:endParaRPr kumimoji="1" lang="ja-JP" altLang="en-US" sz="5400" dirty="0">
+              <a:solidFill>
+                <a:srgbClr val="FF0000"/>
+              </a:solidFill>
+            </a:endParaRPr>
           </a:p>
         </p:txBody>
       </p:sp>
